--- a/docs/oral/Présentation orale - Projet chef d'œuvre.pptx
+++ b/docs/oral/Présentation orale - Projet chef d'œuvre.pptx
@@ -296,7 +296,7 @@
             <a:fld id="{D680E798-53FF-4C51-A981-953463752515}" type="datetimeFigureOut">
               <a:rPr lang="fr-FR" smtClean="0"/>
               <a:pPr/>
-              <a:t>11/06/2019</a:t>
+              <a:t>10/06/2019</a:t>
             </a:fld>
             <a:endParaRPr lang="fr-FR" dirty="0"/>
           </a:p>
@@ -4329,10 +4329,10 @@
       </p:sp>
       <p:pic>
         <p:nvPicPr>
-          <p:cNvPr id="4" name="Image 3" descr="Une image contenant capture d’écran&#10;&#10;Description générée automatiquement">
-            <a:extLst>
-              <a:ext uri="{FF2B5EF4-FFF2-40B4-BE49-F238E27FC236}">
-                <a16:creationId xmlns:a16="http://schemas.microsoft.com/office/drawing/2014/main" id="{A2FD0FF4-4D3A-41E5-934F-F4689E96DE6E}"/>
+          <p:cNvPr id="5" name="Image 4">
+            <a:extLst>
+              <a:ext uri="{FF2B5EF4-FFF2-40B4-BE49-F238E27FC236}">
+                <a16:creationId xmlns:a16="http://schemas.microsoft.com/office/drawing/2014/main" id="{1FD00D04-D222-49D8-8247-B9453DFE66E6}"/>
               </a:ext>
             </a:extLst>
           </p:cNvPr>
@@ -4343,24 +4343,26 @@
         </p:nvPicPr>
         <p:blipFill>
           <a:blip r:embed="rId2">
-            <a:extLst>
-              <a:ext uri="{28A0092B-C50C-407E-A947-70E740481C1C}">
-                <a14:useLocalDpi xmlns:a14="http://schemas.microsoft.com/office/drawing/2010/main" val="0"/>
-              </a:ext>
-            </a:extLst>
+            <a:lum/>
+            <a:alphaModFix/>
           </a:blip>
+          <a:srcRect/>
           <a:stretch>
             <a:fillRect/>
           </a:stretch>
         </p:blipFill>
         <p:spPr>
           <a:xfrm>
-            <a:off x="2051720" y="1059932"/>
-            <a:ext cx="5635716" cy="3709165"/>
+            <a:off x="2051720" y="810942"/>
+            <a:ext cx="5789063" cy="3888432"/>
           </a:xfrm>
           <a:prstGeom prst="rect">
             <a:avLst/>
           </a:prstGeom>
+          <a:noFill/>
+          <a:ln>
+            <a:noFill/>
+          </a:ln>
         </p:spPr>
       </p:pic>
     </p:spTree>

--- a/docs/oral/Présentation orale - Projet chef d'œuvre.pptx
+++ b/docs/oral/Présentation orale - Projet chef d'œuvre.pptx
@@ -5,7 +5,7 @@
     <p:sldMasterId id="2147483667" r:id="rId1"/>
   </p:sldMasterIdLst>
   <p:notesMasterIdLst>
-    <p:notesMasterId r:id="rId29"/>
+    <p:notesMasterId r:id="rId35"/>
   </p:notesMasterIdLst>
   <p:sldIdLst>
     <p:sldId id="359" r:id="rId2"/>
@@ -13,28 +13,34 @@
     <p:sldId id="383" r:id="rId4"/>
     <p:sldId id="361" r:id="rId5"/>
     <p:sldId id="362" r:id="rId6"/>
-    <p:sldId id="364" r:id="rId7"/>
-    <p:sldId id="394" r:id="rId8"/>
-    <p:sldId id="365" r:id="rId9"/>
-    <p:sldId id="366" r:id="rId10"/>
-    <p:sldId id="385" r:id="rId11"/>
-    <p:sldId id="386" r:id="rId12"/>
-    <p:sldId id="387" r:id="rId13"/>
-    <p:sldId id="388" r:id="rId14"/>
-    <p:sldId id="367" r:id="rId15"/>
-    <p:sldId id="368" r:id="rId16"/>
-    <p:sldId id="369" r:id="rId17"/>
-    <p:sldId id="370" r:id="rId18"/>
-    <p:sldId id="371" r:id="rId19"/>
-    <p:sldId id="389" r:id="rId20"/>
-    <p:sldId id="390" r:id="rId21"/>
-    <p:sldId id="391" r:id="rId22"/>
-    <p:sldId id="392" r:id="rId23"/>
-    <p:sldId id="393" r:id="rId24"/>
-    <p:sldId id="380" r:id="rId25"/>
-    <p:sldId id="381" r:id="rId26"/>
-    <p:sldId id="382" r:id="rId27"/>
-    <p:sldId id="332" r:id="rId28"/>
+    <p:sldId id="261" r:id="rId7"/>
+    <p:sldId id="364" r:id="rId8"/>
+    <p:sldId id="263" r:id="rId9"/>
+    <p:sldId id="264" r:id="rId10"/>
+    <p:sldId id="265" r:id="rId11"/>
+    <p:sldId id="266" r:id="rId12"/>
+    <p:sldId id="267" r:id="rId13"/>
+    <p:sldId id="394" r:id="rId14"/>
+    <p:sldId id="365" r:id="rId15"/>
+    <p:sldId id="366" r:id="rId16"/>
+    <p:sldId id="385" r:id="rId17"/>
+    <p:sldId id="386" r:id="rId18"/>
+    <p:sldId id="387" r:id="rId19"/>
+    <p:sldId id="388" r:id="rId20"/>
+    <p:sldId id="367" r:id="rId21"/>
+    <p:sldId id="368" r:id="rId22"/>
+    <p:sldId id="369" r:id="rId23"/>
+    <p:sldId id="370" r:id="rId24"/>
+    <p:sldId id="371" r:id="rId25"/>
+    <p:sldId id="389" r:id="rId26"/>
+    <p:sldId id="390" r:id="rId27"/>
+    <p:sldId id="391" r:id="rId28"/>
+    <p:sldId id="392" r:id="rId29"/>
+    <p:sldId id="393" r:id="rId30"/>
+    <p:sldId id="380" r:id="rId31"/>
+    <p:sldId id="381" r:id="rId32"/>
+    <p:sldId id="382" r:id="rId33"/>
+    <p:sldId id="332" r:id="rId34"/>
   </p:sldIdLst>
   <p:sldSz cx="9144000" cy="5143500" type="screen16x9"/>
   <p:notesSz cx="6794500" cy="9925050"/>
@@ -143,7 +149,13 @@
             <p14:sldId id="383"/>
             <p14:sldId id="361"/>
             <p14:sldId id="362"/>
+            <p14:sldId id="261"/>
             <p14:sldId id="364"/>
+            <p14:sldId id="263"/>
+            <p14:sldId id="264"/>
+            <p14:sldId id="265"/>
+            <p14:sldId id="266"/>
+            <p14:sldId id="267"/>
             <p14:sldId id="394"/>
             <p14:sldId id="365"/>
             <p14:sldId id="366"/>
@@ -201,14 +213,6 @@
 </p:presentation>
 </file>
 
-<file path=ppt/revisionInfo.xml><?xml version="1.0" encoding="utf-8"?>
-<p1510:revInfo xmlns:a="http://schemas.openxmlformats.org/drawingml/2006/main" xmlns:r="http://schemas.openxmlformats.org/officeDocument/2006/relationships" xmlns:p1510="http://schemas.microsoft.com/office/powerpoint/2015/10/main">
-  <p1510:revLst>
-    <p1510:client id="{598AEEFA-26A6-401C-BA49-3B5C06DD299D}" v="1436" dt="2019-06-06T16:35:50.899"/>
-  </p1510:revLst>
-</p1510:revInfo>
-</file>
-
 <file path=ppt/notesMasters/notesMaster1.xml><?xml version="1.0" encoding="utf-8"?>
 <p:notesMaster xmlns:a="http://schemas.openxmlformats.org/drawingml/2006/main" xmlns:r="http://schemas.openxmlformats.org/officeDocument/2006/relationships" xmlns:p="http://schemas.openxmlformats.org/presentationml/2006/main">
   <p:cSld>
@@ -296,7 +300,7 @@
             <a:fld id="{D680E798-53FF-4C51-A981-953463752515}" type="datetimeFigureOut">
               <a:rPr lang="fr-FR" smtClean="0"/>
               <a:pPr/>
-              <a:t>10/06/2019</a:t>
+              <a:t>16/06/2019</a:t>
             </a:fld>
             <a:endParaRPr lang="fr-FR" dirty="0"/>
           </a:p>
@@ -825,6 +829,900 @@
 </p:notes>
 </file>
 
+<file path=ppt/notesSlides/notesSlide4.xml><?xml version="1.0" encoding="utf-8"?>
+<p:notes xmlns:a="http://schemas.openxmlformats.org/drawingml/2006/main" xmlns:r="http://schemas.openxmlformats.org/officeDocument/2006/relationships" xmlns:p="http://schemas.openxmlformats.org/presentationml/2006/main">
+  <p:cSld>
+    <p:spTree>
+      <p:nvGrpSpPr>
+        <p:cNvPr id="1" name=""/>
+        <p:cNvGrpSpPr/>
+        <p:nvPr/>
+      </p:nvGrpSpPr>
+      <p:grpSpPr>
+        <a:xfrm>
+          <a:off x="0" y="0"/>
+          <a:ext cx="0" cy="0"/>
+          <a:chOff x="0" y="0"/>
+          <a:chExt cx="0" cy="0"/>
+        </a:xfrm>
+      </p:grpSpPr>
+      <p:sp>
+        <p:nvSpPr>
+          <p:cNvPr id="5" name="Espace réservé de la date 2">
+            <a:extLst>
+              <a:ext uri="{FF2B5EF4-FFF2-40B4-BE49-F238E27FC236}">
+                <a16:creationId xmlns:a16="http://schemas.microsoft.com/office/drawing/2014/main" id="{6D8A5E31-DDC7-445C-A488-B1E92E8414F5}"/>
+              </a:ext>
+            </a:extLst>
+          </p:cNvPr>
+          <p:cNvSpPr txBox="1">
+            <a:spLocks noGrp="1"/>
+          </p:cNvSpPr>
+          <p:nvPr>
+            <p:ph type="dt" idx="1"/>
+          </p:nvPr>
+        </p:nvSpPr>
+        <p:spPr>
+          <a:ln/>
+        </p:spPr>
+        <p:txBody>
+          <a:bodyPr wrap="square" lIns="91440" tIns="45720" rIns="91440" bIns="45720" anchor="t" anchorCtr="0">
+            <a:noAutofit/>
+          </a:bodyPr>
+          <a:lstStyle/>
+          <a:p>
+            <a:pPr lvl="0"/>
+            <a:fld id="{240F9509-C40B-41EE-A3B6-28D2A45082F4}" type="datetime1">
+              <a:rPr lang="fr-FR"/>
+              <a:pPr lvl="0"/>
+              <a:t>16/06/2019</a:t>
+            </a:fld>
+            <a:endParaRPr lang="fr-FR"/>
+          </a:p>
+        </p:txBody>
+      </p:sp>
+      <p:sp>
+        <p:nvSpPr>
+          <p:cNvPr id="7" name="Espace réservé du numéro de diapositive 6">
+            <a:extLst>
+              <a:ext uri="{FF2B5EF4-FFF2-40B4-BE49-F238E27FC236}">
+                <a16:creationId xmlns:a16="http://schemas.microsoft.com/office/drawing/2014/main" id="{4BAEDFE3-07D1-42B3-BE91-F71D2C6D766C}"/>
+              </a:ext>
+            </a:extLst>
+          </p:cNvPr>
+          <p:cNvSpPr txBox="1">
+            <a:spLocks noGrp="1"/>
+          </p:cNvSpPr>
+          <p:nvPr>
+            <p:ph type="sldNum" sz="quarter" idx="5"/>
+          </p:nvPr>
+        </p:nvSpPr>
+        <p:spPr>
+          <a:ln/>
+        </p:spPr>
+        <p:txBody>
+          <a:bodyPr wrap="square" lIns="91440" tIns="45720" rIns="91440" bIns="45720" anchor="b" anchorCtr="0">
+            <a:noAutofit/>
+          </a:bodyPr>
+          <a:lstStyle/>
+          <a:p>
+            <a:pPr lvl="0"/>
+            <a:fld id="{A533FA2E-ECF5-4077-9FCF-A9942AB91D00}" type="slidenum">
+              <a:t>6</a:t>
+            </a:fld>
+            <a:endParaRPr lang="fr-FR"/>
+          </a:p>
+        </p:txBody>
+      </p:sp>
+      <p:sp>
+        <p:nvSpPr>
+          <p:cNvPr id="2" name="Espace réservé de l'image des diapositives 1">
+            <a:extLst>
+              <a:ext uri="{FF2B5EF4-FFF2-40B4-BE49-F238E27FC236}">
+                <a16:creationId xmlns:a16="http://schemas.microsoft.com/office/drawing/2014/main" id="{9BF1F256-80FF-460E-B983-62014870F097}"/>
+              </a:ext>
+            </a:extLst>
+          </p:cNvPr>
+          <p:cNvSpPr>
+            <a:spLocks noGrp="1" noRot="1" noChangeAspect="1" noResize="1"/>
+          </p:cNvSpPr>
+          <p:nvPr>
+            <p:ph type="sldImg"/>
+          </p:nvPr>
+        </p:nvSpPr>
+        <p:spPr>
+          <a:solidFill>
+            <a:srgbClr val="FFCB05"/>
+          </a:solidFill>
+          <a:ln w="25560" cap="flat">
+            <a:solidFill>
+              <a:srgbClr val="BC9503"/>
+            </a:solidFill>
+            <a:prstDash val="solid"/>
+          </a:ln>
+        </p:spPr>
+      </p:sp>
+      <p:sp>
+        <p:nvSpPr>
+          <p:cNvPr id="3" name="Espace réservé des notes 2">
+            <a:extLst>
+              <a:ext uri="{FF2B5EF4-FFF2-40B4-BE49-F238E27FC236}">
+                <a16:creationId xmlns:a16="http://schemas.microsoft.com/office/drawing/2014/main" id="{6E230ABB-20EA-4232-B43D-1B9C95E9986F}"/>
+              </a:ext>
+            </a:extLst>
+          </p:cNvPr>
+          <p:cNvSpPr txBox="1">
+            <a:spLocks noGrp="1"/>
+          </p:cNvSpPr>
+          <p:nvPr>
+            <p:ph type="body" sz="quarter" idx="1"/>
+          </p:nvPr>
+        </p:nvSpPr>
+        <p:spPr/>
+        <p:txBody>
+          <a:bodyPr lIns="0" tIns="0" rIns="0" bIns="0"/>
+          <a:lstStyle/>
+          <a:p>
+            <a:pPr marL="216000" indent="-216000" hangingPunct="0"/>
+            <a:endParaRPr lang="fr-FR" sz="2000">
+              <a:latin typeface="Liberation Sans" pitchFamily="18"/>
+            </a:endParaRPr>
+          </a:p>
+        </p:txBody>
+      </p:sp>
+    </p:spTree>
+  </p:cSld>
+  <p:clrMapOvr>
+    <a:masterClrMapping/>
+  </p:clrMapOvr>
+</p:notes>
+</file>
+
+<file path=ppt/notesSlides/notesSlide5.xml><?xml version="1.0" encoding="utf-8"?>
+<p:notes xmlns:a="http://schemas.openxmlformats.org/drawingml/2006/main" xmlns:r="http://schemas.openxmlformats.org/officeDocument/2006/relationships" xmlns:p="http://schemas.openxmlformats.org/presentationml/2006/main">
+  <p:cSld>
+    <p:spTree>
+      <p:nvGrpSpPr>
+        <p:cNvPr id="1" name=""/>
+        <p:cNvGrpSpPr/>
+        <p:nvPr/>
+      </p:nvGrpSpPr>
+      <p:grpSpPr>
+        <a:xfrm>
+          <a:off x="0" y="0"/>
+          <a:ext cx="0" cy="0"/>
+          <a:chOff x="0" y="0"/>
+          <a:chExt cx="0" cy="0"/>
+        </a:xfrm>
+      </p:grpSpPr>
+      <p:sp>
+        <p:nvSpPr>
+          <p:cNvPr id="5" name="Espace réservé de la date 2">
+            <a:extLst>
+              <a:ext uri="{FF2B5EF4-FFF2-40B4-BE49-F238E27FC236}">
+                <a16:creationId xmlns:a16="http://schemas.microsoft.com/office/drawing/2014/main" id="{68F6FAE0-BF12-40FA-921E-D8DD8BD4624A}"/>
+              </a:ext>
+            </a:extLst>
+          </p:cNvPr>
+          <p:cNvSpPr txBox="1">
+            <a:spLocks noGrp="1"/>
+          </p:cNvSpPr>
+          <p:nvPr>
+            <p:ph type="dt" idx="1"/>
+          </p:nvPr>
+        </p:nvSpPr>
+        <p:spPr>
+          <a:ln/>
+        </p:spPr>
+        <p:txBody>
+          <a:bodyPr wrap="square" lIns="91440" tIns="45720" rIns="91440" bIns="45720" anchor="t" anchorCtr="0">
+            <a:noAutofit/>
+          </a:bodyPr>
+          <a:lstStyle/>
+          <a:p>
+            <a:pPr lvl="0"/>
+            <a:fld id="{240F9509-C40B-41EE-A3B6-28D2A45082F4}" type="datetime1">
+              <a:rPr lang="fr-FR"/>
+              <a:pPr lvl="0"/>
+              <a:t>16/06/2019</a:t>
+            </a:fld>
+            <a:endParaRPr lang="fr-FR"/>
+          </a:p>
+        </p:txBody>
+      </p:sp>
+      <p:sp>
+        <p:nvSpPr>
+          <p:cNvPr id="7" name="Espace réservé du numéro de diapositive 6">
+            <a:extLst>
+              <a:ext uri="{FF2B5EF4-FFF2-40B4-BE49-F238E27FC236}">
+                <a16:creationId xmlns:a16="http://schemas.microsoft.com/office/drawing/2014/main" id="{DEF6EB7C-E55A-41AF-A8B7-B3A7E82DADAA}"/>
+              </a:ext>
+            </a:extLst>
+          </p:cNvPr>
+          <p:cNvSpPr txBox="1">
+            <a:spLocks noGrp="1"/>
+          </p:cNvSpPr>
+          <p:nvPr>
+            <p:ph type="sldNum" sz="quarter" idx="5"/>
+          </p:nvPr>
+        </p:nvSpPr>
+        <p:spPr>
+          <a:ln/>
+        </p:spPr>
+        <p:txBody>
+          <a:bodyPr wrap="square" lIns="91440" tIns="45720" rIns="91440" bIns="45720" anchor="b" anchorCtr="0">
+            <a:noAutofit/>
+          </a:bodyPr>
+          <a:lstStyle/>
+          <a:p>
+            <a:pPr lvl="0"/>
+            <a:fld id="{60CE4091-6671-4B6E-B0EF-FB1BBB665FCA}" type="slidenum">
+              <a:t>8</a:t>
+            </a:fld>
+            <a:endParaRPr lang="fr-FR"/>
+          </a:p>
+        </p:txBody>
+      </p:sp>
+      <p:sp>
+        <p:nvSpPr>
+          <p:cNvPr id="2" name="Espace réservé de l'image des diapositives 1">
+            <a:extLst>
+              <a:ext uri="{FF2B5EF4-FFF2-40B4-BE49-F238E27FC236}">
+                <a16:creationId xmlns:a16="http://schemas.microsoft.com/office/drawing/2014/main" id="{1CA81198-B871-4142-963C-6D80A3B5700B}"/>
+              </a:ext>
+            </a:extLst>
+          </p:cNvPr>
+          <p:cNvSpPr>
+            <a:spLocks noGrp="1" noRot="1" noChangeAspect="1" noResize="1"/>
+          </p:cNvSpPr>
+          <p:nvPr>
+            <p:ph type="sldImg"/>
+          </p:nvPr>
+        </p:nvSpPr>
+        <p:spPr>
+          <a:solidFill>
+            <a:srgbClr val="FFCB05"/>
+          </a:solidFill>
+          <a:ln w="25560" cap="flat">
+            <a:solidFill>
+              <a:srgbClr val="BC9503"/>
+            </a:solidFill>
+            <a:prstDash val="solid"/>
+          </a:ln>
+        </p:spPr>
+      </p:sp>
+      <p:sp>
+        <p:nvSpPr>
+          <p:cNvPr id="3" name="Espace réservé des notes 2">
+            <a:extLst>
+              <a:ext uri="{FF2B5EF4-FFF2-40B4-BE49-F238E27FC236}">
+                <a16:creationId xmlns:a16="http://schemas.microsoft.com/office/drawing/2014/main" id="{F008EFF1-E3F0-4C8B-BE85-D650B69D0985}"/>
+              </a:ext>
+            </a:extLst>
+          </p:cNvPr>
+          <p:cNvSpPr txBox="1">
+            <a:spLocks noGrp="1"/>
+          </p:cNvSpPr>
+          <p:nvPr>
+            <p:ph type="body" sz="quarter" idx="1"/>
+          </p:nvPr>
+        </p:nvSpPr>
+        <p:spPr/>
+        <p:txBody>
+          <a:bodyPr lIns="0" tIns="0" rIns="0" bIns="0"/>
+          <a:lstStyle/>
+          <a:p>
+            <a:pPr marL="216000" indent="-216000" hangingPunct="0"/>
+            <a:endParaRPr lang="fr-FR" sz="2000">
+              <a:latin typeface="Liberation Sans" pitchFamily="18"/>
+            </a:endParaRPr>
+          </a:p>
+        </p:txBody>
+      </p:sp>
+    </p:spTree>
+  </p:cSld>
+  <p:clrMapOvr>
+    <a:masterClrMapping/>
+  </p:clrMapOvr>
+</p:notes>
+</file>
+
+<file path=ppt/notesSlides/notesSlide6.xml><?xml version="1.0" encoding="utf-8"?>
+<p:notes xmlns:a="http://schemas.openxmlformats.org/drawingml/2006/main" xmlns:r="http://schemas.openxmlformats.org/officeDocument/2006/relationships" xmlns:p="http://schemas.openxmlformats.org/presentationml/2006/main">
+  <p:cSld>
+    <p:spTree>
+      <p:nvGrpSpPr>
+        <p:cNvPr id="1" name=""/>
+        <p:cNvGrpSpPr/>
+        <p:nvPr/>
+      </p:nvGrpSpPr>
+      <p:grpSpPr>
+        <a:xfrm>
+          <a:off x="0" y="0"/>
+          <a:ext cx="0" cy="0"/>
+          <a:chOff x="0" y="0"/>
+          <a:chExt cx="0" cy="0"/>
+        </a:xfrm>
+      </p:grpSpPr>
+      <p:sp>
+        <p:nvSpPr>
+          <p:cNvPr id="5" name="Espace réservé de la date 2">
+            <a:extLst>
+              <a:ext uri="{FF2B5EF4-FFF2-40B4-BE49-F238E27FC236}">
+                <a16:creationId xmlns:a16="http://schemas.microsoft.com/office/drawing/2014/main" id="{52E1EDEC-64DE-47C4-B301-D3D5F3D9BA59}"/>
+              </a:ext>
+            </a:extLst>
+          </p:cNvPr>
+          <p:cNvSpPr txBox="1">
+            <a:spLocks noGrp="1"/>
+          </p:cNvSpPr>
+          <p:nvPr>
+            <p:ph type="dt" idx="1"/>
+          </p:nvPr>
+        </p:nvSpPr>
+        <p:spPr>
+          <a:ln/>
+        </p:spPr>
+        <p:txBody>
+          <a:bodyPr wrap="square" lIns="91440" tIns="45720" rIns="91440" bIns="45720" anchor="t" anchorCtr="0">
+            <a:noAutofit/>
+          </a:bodyPr>
+          <a:lstStyle/>
+          <a:p>
+            <a:pPr lvl="0"/>
+            <a:fld id="{240F9509-C40B-41EE-A3B6-28D2A45082F4}" type="datetime1">
+              <a:rPr lang="fr-FR"/>
+              <a:pPr lvl="0"/>
+              <a:t>16/06/2019</a:t>
+            </a:fld>
+            <a:endParaRPr lang="fr-FR"/>
+          </a:p>
+        </p:txBody>
+      </p:sp>
+      <p:sp>
+        <p:nvSpPr>
+          <p:cNvPr id="7" name="Espace réservé du numéro de diapositive 6">
+            <a:extLst>
+              <a:ext uri="{FF2B5EF4-FFF2-40B4-BE49-F238E27FC236}">
+                <a16:creationId xmlns:a16="http://schemas.microsoft.com/office/drawing/2014/main" id="{B5603DE9-2A5D-48E4-8812-22E5CD782CCF}"/>
+              </a:ext>
+            </a:extLst>
+          </p:cNvPr>
+          <p:cNvSpPr txBox="1">
+            <a:spLocks noGrp="1"/>
+          </p:cNvSpPr>
+          <p:nvPr>
+            <p:ph type="sldNum" sz="quarter" idx="5"/>
+          </p:nvPr>
+        </p:nvSpPr>
+        <p:spPr>
+          <a:ln/>
+        </p:spPr>
+        <p:txBody>
+          <a:bodyPr wrap="square" lIns="91440" tIns="45720" rIns="91440" bIns="45720" anchor="b" anchorCtr="0">
+            <a:noAutofit/>
+          </a:bodyPr>
+          <a:lstStyle/>
+          <a:p>
+            <a:pPr lvl="0"/>
+            <a:fld id="{4077BFF1-C8C1-4A2D-8840-7DC39727A792}" type="slidenum">
+              <a:t>9</a:t>
+            </a:fld>
+            <a:endParaRPr lang="fr-FR"/>
+          </a:p>
+        </p:txBody>
+      </p:sp>
+      <p:sp>
+        <p:nvSpPr>
+          <p:cNvPr id="2" name="Espace réservé de l'image des diapositives 1">
+            <a:extLst>
+              <a:ext uri="{FF2B5EF4-FFF2-40B4-BE49-F238E27FC236}">
+                <a16:creationId xmlns:a16="http://schemas.microsoft.com/office/drawing/2014/main" id="{22123EC2-DFD0-4988-A65A-3067F7990274}"/>
+              </a:ext>
+            </a:extLst>
+          </p:cNvPr>
+          <p:cNvSpPr>
+            <a:spLocks noGrp="1" noRot="1" noChangeAspect="1" noResize="1"/>
+          </p:cNvSpPr>
+          <p:nvPr>
+            <p:ph type="sldImg"/>
+          </p:nvPr>
+        </p:nvSpPr>
+        <p:spPr>
+          <a:solidFill>
+            <a:srgbClr val="FFCB05"/>
+          </a:solidFill>
+          <a:ln w="25560" cap="flat">
+            <a:solidFill>
+              <a:srgbClr val="BC9503"/>
+            </a:solidFill>
+            <a:prstDash val="solid"/>
+          </a:ln>
+        </p:spPr>
+      </p:sp>
+      <p:sp>
+        <p:nvSpPr>
+          <p:cNvPr id="3" name="Espace réservé des notes 2">
+            <a:extLst>
+              <a:ext uri="{FF2B5EF4-FFF2-40B4-BE49-F238E27FC236}">
+                <a16:creationId xmlns:a16="http://schemas.microsoft.com/office/drawing/2014/main" id="{6AEB02A1-73AF-4C71-9866-B0D511BFCBD9}"/>
+              </a:ext>
+            </a:extLst>
+          </p:cNvPr>
+          <p:cNvSpPr txBox="1">
+            <a:spLocks noGrp="1"/>
+          </p:cNvSpPr>
+          <p:nvPr>
+            <p:ph type="body" sz="quarter" idx="1"/>
+          </p:nvPr>
+        </p:nvSpPr>
+        <p:spPr/>
+        <p:txBody>
+          <a:bodyPr lIns="0" tIns="0" rIns="0" bIns="0"/>
+          <a:lstStyle/>
+          <a:p>
+            <a:pPr marL="216000" indent="-216000" hangingPunct="0"/>
+            <a:endParaRPr lang="fr-FR" sz="2000">
+              <a:latin typeface="Liberation Sans" pitchFamily="18"/>
+            </a:endParaRPr>
+          </a:p>
+        </p:txBody>
+      </p:sp>
+    </p:spTree>
+  </p:cSld>
+  <p:clrMapOvr>
+    <a:masterClrMapping/>
+  </p:clrMapOvr>
+</p:notes>
+</file>
+
+<file path=ppt/notesSlides/notesSlide7.xml><?xml version="1.0" encoding="utf-8"?>
+<p:notes xmlns:a="http://schemas.openxmlformats.org/drawingml/2006/main" xmlns:r="http://schemas.openxmlformats.org/officeDocument/2006/relationships" xmlns:p="http://schemas.openxmlformats.org/presentationml/2006/main">
+  <p:cSld>
+    <p:spTree>
+      <p:nvGrpSpPr>
+        <p:cNvPr id="1" name=""/>
+        <p:cNvGrpSpPr/>
+        <p:nvPr/>
+      </p:nvGrpSpPr>
+      <p:grpSpPr>
+        <a:xfrm>
+          <a:off x="0" y="0"/>
+          <a:ext cx="0" cy="0"/>
+          <a:chOff x="0" y="0"/>
+          <a:chExt cx="0" cy="0"/>
+        </a:xfrm>
+      </p:grpSpPr>
+      <p:sp>
+        <p:nvSpPr>
+          <p:cNvPr id="5" name="Espace réservé de la date 2">
+            <a:extLst>
+              <a:ext uri="{FF2B5EF4-FFF2-40B4-BE49-F238E27FC236}">
+                <a16:creationId xmlns:a16="http://schemas.microsoft.com/office/drawing/2014/main" id="{6EEB2571-A7A3-4508-86F4-B6728AA13627}"/>
+              </a:ext>
+            </a:extLst>
+          </p:cNvPr>
+          <p:cNvSpPr txBox="1">
+            <a:spLocks noGrp="1"/>
+          </p:cNvSpPr>
+          <p:nvPr>
+            <p:ph type="dt" idx="1"/>
+          </p:nvPr>
+        </p:nvSpPr>
+        <p:spPr>
+          <a:ln/>
+        </p:spPr>
+        <p:txBody>
+          <a:bodyPr wrap="square" lIns="91440" tIns="45720" rIns="91440" bIns="45720" anchor="t" anchorCtr="0">
+            <a:noAutofit/>
+          </a:bodyPr>
+          <a:lstStyle/>
+          <a:p>
+            <a:pPr lvl="0"/>
+            <a:fld id="{240F9509-C40B-41EE-A3B6-28D2A45082F4}" type="datetime1">
+              <a:rPr lang="fr-FR"/>
+              <a:pPr lvl="0"/>
+              <a:t>16/06/2019</a:t>
+            </a:fld>
+            <a:endParaRPr lang="fr-FR"/>
+          </a:p>
+        </p:txBody>
+      </p:sp>
+      <p:sp>
+        <p:nvSpPr>
+          <p:cNvPr id="7" name="Espace réservé du numéro de diapositive 6">
+            <a:extLst>
+              <a:ext uri="{FF2B5EF4-FFF2-40B4-BE49-F238E27FC236}">
+                <a16:creationId xmlns:a16="http://schemas.microsoft.com/office/drawing/2014/main" id="{91451C82-906B-4BF5-A5CD-D92E59A5D89B}"/>
+              </a:ext>
+            </a:extLst>
+          </p:cNvPr>
+          <p:cNvSpPr txBox="1">
+            <a:spLocks noGrp="1"/>
+          </p:cNvSpPr>
+          <p:nvPr>
+            <p:ph type="sldNum" sz="quarter" idx="5"/>
+          </p:nvPr>
+        </p:nvSpPr>
+        <p:spPr>
+          <a:ln/>
+        </p:spPr>
+        <p:txBody>
+          <a:bodyPr wrap="square" lIns="91440" tIns="45720" rIns="91440" bIns="45720" anchor="b" anchorCtr="0">
+            <a:noAutofit/>
+          </a:bodyPr>
+          <a:lstStyle/>
+          <a:p>
+            <a:pPr lvl="0"/>
+            <a:fld id="{DB6B7B82-55D0-4E2F-A88B-AC6304F57A3C}" type="slidenum">
+              <a:t>10</a:t>
+            </a:fld>
+            <a:endParaRPr lang="fr-FR"/>
+          </a:p>
+        </p:txBody>
+      </p:sp>
+      <p:sp>
+        <p:nvSpPr>
+          <p:cNvPr id="2" name="Espace réservé de l'image des diapositives 1">
+            <a:extLst>
+              <a:ext uri="{FF2B5EF4-FFF2-40B4-BE49-F238E27FC236}">
+                <a16:creationId xmlns:a16="http://schemas.microsoft.com/office/drawing/2014/main" id="{CA7F1FB2-83DD-43A4-8F7B-551111FAEDCB}"/>
+              </a:ext>
+            </a:extLst>
+          </p:cNvPr>
+          <p:cNvSpPr>
+            <a:spLocks noGrp="1" noRot="1" noChangeAspect="1" noResize="1"/>
+          </p:cNvSpPr>
+          <p:nvPr>
+            <p:ph type="sldImg"/>
+          </p:nvPr>
+        </p:nvSpPr>
+        <p:spPr>
+          <a:solidFill>
+            <a:srgbClr val="FFCB05"/>
+          </a:solidFill>
+          <a:ln w="25560" cap="flat">
+            <a:solidFill>
+              <a:srgbClr val="BC9503"/>
+            </a:solidFill>
+            <a:prstDash val="solid"/>
+          </a:ln>
+        </p:spPr>
+      </p:sp>
+      <p:sp>
+        <p:nvSpPr>
+          <p:cNvPr id="3" name="Espace réservé des notes 2">
+            <a:extLst>
+              <a:ext uri="{FF2B5EF4-FFF2-40B4-BE49-F238E27FC236}">
+                <a16:creationId xmlns:a16="http://schemas.microsoft.com/office/drawing/2014/main" id="{7992091C-521B-4B75-9AAC-59099F5F8450}"/>
+              </a:ext>
+            </a:extLst>
+          </p:cNvPr>
+          <p:cNvSpPr txBox="1">
+            <a:spLocks noGrp="1"/>
+          </p:cNvSpPr>
+          <p:nvPr>
+            <p:ph type="body" sz="quarter" idx="1"/>
+          </p:nvPr>
+        </p:nvSpPr>
+        <p:spPr/>
+        <p:txBody>
+          <a:bodyPr lIns="0" tIns="0" rIns="0" bIns="0"/>
+          <a:lstStyle/>
+          <a:p>
+            <a:pPr marL="216000" indent="-216000" hangingPunct="0"/>
+            <a:endParaRPr lang="fr-FR" sz="2000">
+              <a:latin typeface="Liberation Sans" pitchFamily="18"/>
+            </a:endParaRPr>
+          </a:p>
+        </p:txBody>
+      </p:sp>
+    </p:spTree>
+  </p:cSld>
+  <p:clrMapOvr>
+    <a:masterClrMapping/>
+  </p:clrMapOvr>
+</p:notes>
+</file>
+
+<file path=ppt/notesSlides/notesSlide8.xml><?xml version="1.0" encoding="utf-8"?>
+<p:notes xmlns:a="http://schemas.openxmlformats.org/drawingml/2006/main" xmlns:r="http://schemas.openxmlformats.org/officeDocument/2006/relationships" xmlns:p="http://schemas.openxmlformats.org/presentationml/2006/main">
+  <p:cSld>
+    <p:spTree>
+      <p:nvGrpSpPr>
+        <p:cNvPr id="1" name=""/>
+        <p:cNvGrpSpPr/>
+        <p:nvPr/>
+      </p:nvGrpSpPr>
+      <p:grpSpPr>
+        <a:xfrm>
+          <a:off x="0" y="0"/>
+          <a:ext cx="0" cy="0"/>
+          <a:chOff x="0" y="0"/>
+          <a:chExt cx="0" cy="0"/>
+        </a:xfrm>
+      </p:grpSpPr>
+      <p:sp>
+        <p:nvSpPr>
+          <p:cNvPr id="5" name="Espace réservé de la date 2">
+            <a:extLst>
+              <a:ext uri="{FF2B5EF4-FFF2-40B4-BE49-F238E27FC236}">
+                <a16:creationId xmlns:a16="http://schemas.microsoft.com/office/drawing/2014/main" id="{EB19B5F0-5697-432E-BE23-31B9761AEA20}"/>
+              </a:ext>
+            </a:extLst>
+          </p:cNvPr>
+          <p:cNvSpPr txBox="1">
+            <a:spLocks noGrp="1"/>
+          </p:cNvSpPr>
+          <p:nvPr>
+            <p:ph type="dt" idx="1"/>
+          </p:nvPr>
+        </p:nvSpPr>
+        <p:spPr>
+          <a:ln/>
+        </p:spPr>
+        <p:txBody>
+          <a:bodyPr wrap="square" lIns="91440" tIns="45720" rIns="91440" bIns="45720" anchor="t" anchorCtr="0">
+            <a:noAutofit/>
+          </a:bodyPr>
+          <a:lstStyle/>
+          <a:p>
+            <a:pPr lvl="0"/>
+            <a:fld id="{240F9509-C40B-41EE-A3B6-28D2A45082F4}" type="datetime1">
+              <a:rPr lang="fr-FR"/>
+              <a:pPr lvl="0"/>
+              <a:t>16/06/2019</a:t>
+            </a:fld>
+            <a:endParaRPr lang="fr-FR"/>
+          </a:p>
+        </p:txBody>
+      </p:sp>
+      <p:sp>
+        <p:nvSpPr>
+          <p:cNvPr id="7" name="Espace réservé du numéro de diapositive 6">
+            <a:extLst>
+              <a:ext uri="{FF2B5EF4-FFF2-40B4-BE49-F238E27FC236}">
+                <a16:creationId xmlns:a16="http://schemas.microsoft.com/office/drawing/2014/main" id="{7EBAA767-18FB-4559-8DFD-5ACEC6F218E4}"/>
+              </a:ext>
+            </a:extLst>
+          </p:cNvPr>
+          <p:cNvSpPr txBox="1">
+            <a:spLocks noGrp="1"/>
+          </p:cNvSpPr>
+          <p:nvPr>
+            <p:ph type="sldNum" sz="quarter" idx="5"/>
+          </p:nvPr>
+        </p:nvSpPr>
+        <p:spPr>
+          <a:ln/>
+        </p:spPr>
+        <p:txBody>
+          <a:bodyPr wrap="square" lIns="91440" tIns="45720" rIns="91440" bIns="45720" anchor="b" anchorCtr="0">
+            <a:noAutofit/>
+          </a:bodyPr>
+          <a:lstStyle/>
+          <a:p>
+            <a:pPr lvl="0"/>
+            <a:fld id="{5649C29B-23A5-4172-9685-8804087B4194}" type="slidenum">
+              <a:t>11</a:t>
+            </a:fld>
+            <a:endParaRPr lang="fr-FR"/>
+          </a:p>
+        </p:txBody>
+      </p:sp>
+      <p:sp>
+        <p:nvSpPr>
+          <p:cNvPr id="2" name="Espace réservé de l'image des diapositives 1">
+            <a:extLst>
+              <a:ext uri="{FF2B5EF4-FFF2-40B4-BE49-F238E27FC236}">
+                <a16:creationId xmlns:a16="http://schemas.microsoft.com/office/drawing/2014/main" id="{70A03A44-DE9D-488C-B7CC-C4673E7B7051}"/>
+              </a:ext>
+            </a:extLst>
+          </p:cNvPr>
+          <p:cNvSpPr>
+            <a:spLocks noGrp="1" noRot="1" noChangeAspect="1" noResize="1"/>
+          </p:cNvSpPr>
+          <p:nvPr>
+            <p:ph type="sldImg"/>
+          </p:nvPr>
+        </p:nvSpPr>
+        <p:spPr>
+          <a:solidFill>
+            <a:srgbClr val="FFCB05"/>
+          </a:solidFill>
+          <a:ln w="25560" cap="flat">
+            <a:solidFill>
+              <a:srgbClr val="BC9503"/>
+            </a:solidFill>
+            <a:prstDash val="solid"/>
+          </a:ln>
+        </p:spPr>
+      </p:sp>
+      <p:sp>
+        <p:nvSpPr>
+          <p:cNvPr id="3" name="Espace réservé des notes 2">
+            <a:extLst>
+              <a:ext uri="{FF2B5EF4-FFF2-40B4-BE49-F238E27FC236}">
+                <a16:creationId xmlns:a16="http://schemas.microsoft.com/office/drawing/2014/main" id="{CE0AA43B-0361-4DB0-BEA0-87CE3DCA37B4}"/>
+              </a:ext>
+            </a:extLst>
+          </p:cNvPr>
+          <p:cNvSpPr txBox="1">
+            <a:spLocks noGrp="1"/>
+          </p:cNvSpPr>
+          <p:nvPr>
+            <p:ph type="body" sz="quarter" idx="1"/>
+          </p:nvPr>
+        </p:nvSpPr>
+        <p:spPr/>
+        <p:txBody>
+          <a:bodyPr lIns="0" tIns="0" rIns="0" bIns="0"/>
+          <a:lstStyle/>
+          <a:p>
+            <a:pPr marL="216000" indent="-216000" hangingPunct="0"/>
+            <a:endParaRPr lang="fr-FR" sz="2000">
+              <a:latin typeface="Liberation Sans" pitchFamily="18"/>
+            </a:endParaRPr>
+          </a:p>
+        </p:txBody>
+      </p:sp>
+    </p:spTree>
+  </p:cSld>
+  <p:clrMapOvr>
+    <a:masterClrMapping/>
+  </p:clrMapOvr>
+</p:notes>
+</file>
+
+<file path=ppt/notesSlides/notesSlide9.xml><?xml version="1.0" encoding="utf-8"?>
+<p:notes xmlns:a="http://schemas.openxmlformats.org/drawingml/2006/main" xmlns:r="http://schemas.openxmlformats.org/officeDocument/2006/relationships" xmlns:p="http://schemas.openxmlformats.org/presentationml/2006/main">
+  <p:cSld>
+    <p:spTree>
+      <p:nvGrpSpPr>
+        <p:cNvPr id="1" name=""/>
+        <p:cNvGrpSpPr/>
+        <p:nvPr/>
+      </p:nvGrpSpPr>
+      <p:grpSpPr>
+        <a:xfrm>
+          <a:off x="0" y="0"/>
+          <a:ext cx="0" cy="0"/>
+          <a:chOff x="0" y="0"/>
+          <a:chExt cx="0" cy="0"/>
+        </a:xfrm>
+      </p:grpSpPr>
+      <p:sp>
+        <p:nvSpPr>
+          <p:cNvPr id="5" name="Espace réservé de la date 2">
+            <a:extLst>
+              <a:ext uri="{FF2B5EF4-FFF2-40B4-BE49-F238E27FC236}">
+                <a16:creationId xmlns:a16="http://schemas.microsoft.com/office/drawing/2014/main" id="{6CEA6FA7-6F3E-4EC3-BBEB-6D45EB3A7E81}"/>
+              </a:ext>
+            </a:extLst>
+          </p:cNvPr>
+          <p:cNvSpPr txBox="1">
+            <a:spLocks noGrp="1"/>
+          </p:cNvSpPr>
+          <p:nvPr>
+            <p:ph type="dt" idx="1"/>
+          </p:nvPr>
+        </p:nvSpPr>
+        <p:spPr>
+          <a:ln/>
+        </p:spPr>
+        <p:txBody>
+          <a:bodyPr wrap="square" lIns="91440" tIns="45720" rIns="91440" bIns="45720" anchor="t" anchorCtr="0">
+            <a:noAutofit/>
+          </a:bodyPr>
+          <a:lstStyle/>
+          <a:p>
+            <a:pPr lvl="0"/>
+            <a:fld id="{240F9509-C40B-41EE-A3B6-28D2A45082F4}" type="datetime1">
+              <a:rPr lang="fr-FR"/>
+              <a:pPr lvl="0"/>
+              <a:t>16/06/2019</a:t>
+            </a:fld>
+            <a:endParaRPr lang="fr-FR"/>
+          </a:p>
+        </p:txBody>
+      </p:sp>
+      <p:sp>
+        <p:nvSpPr>
+          <p:cNvPr id="7" name="Espace réservé du numéro de diapositive 6">
+            <a:extLst>
+              <a:ext uri="{FF2B5EF4-FFF2-40B4-BE49-F238E27FC236}">
+                <a16:creationId xmlns:a16="http://schemas.microsoft.com/office/drawing/2014/main" id="{9544ACF5-B774-44B7-998D-98279D0D5D3F}"/>
+              </a:ext>
+            </a:extLst>
+          </p:cNvPr>
+          <p:cNvSpPr txBox="1">
+            <a:spLocks noGrp="1"/>
+          </p:cNvSpPr>
+          <p:nvPr>
+            <p:ph type="sldNum" sz="quarter" idx="5"/>
+          </p:nvPr>
+        </p:nvSpPr>
+        <p:spPr>
+          <a:ln/>
+        </p:spPr>
+        <p:txBody>
+          <a:bodyPr wrap="square" lIns="91440" tIns="45720" rIns="91440" bIns="45720" anchor="b" anchorCtr="0">
+            <a:noAutofit/>
+          </a:bodyPr>
+          <a:lstStyle/>
+          <a:p>
+            <a:pPr lvl="0"/>
+            <a:fld id="{867CBE25-E997-4A03-97DC-D2F53D8ABDB9}" type="slidenum">
+              <a:t>12</a:t>
+            </a:fld>
+            <a:endParaRPr lang="fr-FR"/>
+          </a:p>
+        </p:txBody>
+      </p:sp>
+      <p:sp>
+        <p:nvSpPr>
+          <p:cNvPr id="2" name="Espace réservé de l'image des diapositives 1">
+            <a:extLst>
+              <a:ext uri="{FF2B5EF4-FFF2-40B4-BE49-F238E27FC236}">
+                <a16:creationId xmlns:a16="http://schemas.microsoft.com/office/drawing/2014/main" id="{2AFA1162-8AC6-4AEC-B547-199CB9C3D52E}"/>
+              </a:ext>
+            </a:extLst>
+          </p:cNvPr>
+          <p:cNvSpPr>
+            <a:spLocks noGrp="1" noRot="1" noChangeAspect="1" noResize="1"/>
+          </p:cNvSpPr>
+          <p:nvPr>
+            <p:ph type="sldImg"/>
+          </p:nvPr>
+        </p:nvSpPr>
+        <p:spPr>
+          <a:solidFill>
+            <a:srgbClr val="FFCB05"/>
+          </a:solidFill>
+          <a:ln w="25560" cap="flat">
+            <a:solidFill>
+              <a:srgbClr val="BC9503"/>
+            </a:solidFill>
+            <a:prstDash val="solid"/>
+          </a:ln>
+        </p:spPr>
+      </p:sp>
+      <p:sp>
+        <p:nvSpPr>
+          <p:cNvPr id="3" name="Espace réservé des notes 2">
+            <a:extLst>
+              <a:ext uri="{FF2B5EF4-FFF2-40B4-BE49-F238E27FC236}">
+                <a16:creationId xmlns:a16="http://schemas.microsoft.com/office/drawing/2014/main" id="{3B520044-ABB4-484E-9F03-32E2775483E3}"/>
+              </a:ext>
+            </a:extLst>
+          </p:cNvPr>
+          <p:cNvSpPr txBox="1">
+            <a:spLocks noGrp="1"/>
+          </p:cNvSpPr>
+          <p:nvPr>
+            <p:ph type="body" sz="quarter" idx="1"/>
+          </p:nvPr>
+        </p:nvSpPr>
+        <p:spPr/>
+        <p:txBody>
+          <a:bodyPr lIns="0" tIns="0" rIns="0" bIns="0"/>
+          <a:lstStyle/>
+          <a:p>
+            <a:pPr marL="216000" indent="-216000" hangingPunct="0"/>
+            <a:endParaRPr lang="fr-FR" sz="2000">
+              <a:latin typeface="Liberation Sans" pitchFamily="18"/>
+            </a:endParaRPr>
+          </a:p>
+        </p:txBody>
+      </p:sp>
+    </p:spTree>
+  </p:cSld>
+  <p:clrMapOvr>
+    <a:masterClrMapping/>
+  </p:clrMapOvr>
+</p:notes>
+</file>
+
 <file path=ppt/slideLayouts/slideLayout1.xml><?xml version="1.0" encoding="utf-8"?>
 <p:sldLayout xmlns:a="http://schemas.openxmlformats.org/drawingml/2006/main" xmlns:r="http://schemas.openxmlformats.org/officeDocument/2006/relationships" xmlns:p="http://schemas.openxmlformats.org/presentationml/2006/main" showMasterSp="0" preserve="1">
   <p:cSld name="Couverture">
@@ -2466,6 +3364,173 @@
 </p:sldLayout>
 </file>
 
+<file path=ppt/slideLayouts/slideLayout8.xml><?xml version="1.0" encoding="utf-8"?>
+<p:sldLayout xmlns:a="http://schemas.openxmlformats.org/drawingml/2006/main" xmlns:r="http://schemas.openxmlformats.org/officeDocument/2006/relationships" xmlns:p="http://schemas.openxmlformats.org/presentationml/2006/main">
+  <p:cSld name="1_Texte">
+    <p:spTree>
+      <p:nvGrpSpPr>
+        <p:cNvPr id="1" name=""/>
+        <p:cNvGrpSpPr/>
+        <p:nvPr/>
+      </p:nvGrpSpPr>
+      <p:grpSpPr>
+        <a:xfrm>
+          <a:off x="0" y="0"/>
+          <a:ext cx="0" cy="0"/>
+          <a:chOff x="0" y="0"/>
+          <a:chExt cx="0" cy="0"/>
+        </a:xfrm>
+      </p:grpSpPr>
+      <p:sp>
+        <p:nvSpPr>
+          <p:cNvPr id="2" name="Espace réservé du contenu 2">
+            <a:extLst>
+              <a:ext uri="{FF2B5EF4-FFF2-40B4-BE49-F238E27FC236}">
+                <a16:creationId xmlns:a16="http://schemas.microsoft.com/office/drawing/2014/main" id="{B17822E1-233A-4702-BFD2-9F32DA6861FE}"/>
+              </a:ext>
+            </a:extLst>
+          </p:cNvPr>
+          <p:cNvSpPr txBox="1">
+            <a:spLocks noGrp="1"/>
+          </p:cNvSpPr>
+          <p:nvPr>
+            <p:ph type="title"/>
+          </p:nvPr>
+        </p:nvSpPr>
+        <p:spPr>
+          <a:xfrm>
+            <a:off x="396000" y="1419480"/>
+            <a:ext cx="8352000" cy="2952359"/>
+          </a:xfrm>
+        </p:spPr>
+        <p:txBody>
+          <a:bodyPr/>
+          <a:lstStyle>
+            <a:lvl1pPr>
+              <a:defRPr sz="1100"/>
+            </a:lvl1pPr>
+          </a:lstStyle>
+          <a:p>
+            <a:pPr lvl="0"/>
+            <a:r>
+              <a:rPr lang="fr-FR"/>
+              <a:t>Texte de niveau 1</a:t>
+            </a:r>
+            <a:br>
+              <a:rPr lang="fr-FR"/>
+            </a:br>
+            <a:r>
+              <a:rPr lang="fr-FR"/>
+              <a:t>Texte de niveau 2</a:t>
+            </a:r>
+            <a:br>
+              <a:rPr lang="fr-FR"/>
+            </a:br>
+            <a:r>
+              <a:rPr lang="fr-FR"/>
+              <a:t>Texte de niveau 3</a:t>
+            </a:r>
+            <a:br>
+              <a:rPr lang="fr-FR"/>
+            </a:br>
+            <a:r>
+              <a:rPr lang="fr-FR"/>
+              <a:t>Texteq</a:t>
+            </a:r>
+          </a:p>
+        </p:txBody>
+      </p:sp>
+      <p:sp>
+        <p:nvSpPr>
+          <p:cNvPr id="3" name="Titre 3">
+            <a:extLst>
+              <a:ext uri="{FF2B5EF4-FFF2-40B4-BE49-F238E27FC236}">
+                <a16:creationId xmlns:a16="http://schemas.microsoft.com/office/drawing/2014/main" id="{F143082A-ADC7-4A2B-9DE4-E9DDB7D0CF9E}"/>
+              </a:ext>
+            </a:extLst>
+          </p:cNvPr>
+          <p:cNvSpPr txBox="1">
+            <a:spLocks noGrp="1"/>
+          </p:cNvSpPr>
+          <p:nvPr>
+            <p:ph type="title" idx="4294967295"/>
+          </p:nvPr>
+        </p:nvSpPr>
+        <p:spPr>
+          <a:xfrm>
+            <a:off x="396000" y="545760"/>
+            <a:ext cx="8352000" cy="479880"/>
+          </a:xfrm>
+        </p:spPr>
+        <p:txBody>
+          <a:bodyPr/>
+          <a:lstStyle>
+            <a:lvl1pPr>
+              <a:defRPr/>
+            </a:lvl1pPr>
+          </a:lstStyle>
+          <a:p>
+            <a:pPr lvl="0"/>
+            <a:r>
+              <a:rPr lang="fr-FR"/>
+              <a:t>Titre</a:t>
+            </a:r>
+          </a:p>
+        </p:txBody>
+      </p:sp>
+      <p:sp>
+        <p:nvSpPr>
+          <p:cNvPr id="4" name="Espace réservé du texte 3">
+            <a:extLst>
+              <a:ext uri="{FF2B5EF4-FFF2-40B4-BE49-F238E27FC236}">
+                <a16:creationId xmlns:a16="http://schemas.microsoft.com/office/drawing/2014/main" id="{487CC22D-5EBA-44B5-8C1B-6F0ED9AC511C}"/>
+              </a:ext>
+            </a:extLst>
+          </p:cNvPr>
+          <p:cNvSpPr txBox="1">
+            <a:spLocks noGrp="1"/>
+          </p:cNvSpPr>
+          <p:nvPr>
+            <p:ph type="body" idx="4294967295"/>
+          </p:nvPr>
+        </p:nvSpPr>
+        <p:spPr>
+          <a:xfrm>
+            <a:off x="457200" y="1203480"/>
+            <a:ext cx="8229240" cy="2982600"/>
+          </a:xfrm>
+        </p:spPr>
+        <p:txBody>
+          <a:bodyPr/>
+          <a:lstStyle>
+            <a:lvl1pPr hangingPunct="0">
+              <a:spcBef>
+                <a:spcPts val="1417"/>
+              </a:spcBef>
+              <a:defRPr sz="3200">
+                <a:latin typeface="Liberation Sans" pitchFamily="18"/>
+              </a:defRPr>
+            </a:lvl1pPr>
+          </a:lstStyle>
+          <a:p>
+            <a:endParaRPr lang="fr-FR"/>
+          </a:p>
+        </p:txBody>
+      </p:sp>
+    </p:spTree>
+    <p:extLst>
+      <p:ext uri="{BB962C8B-B14F-4D97-AF65-F5344CB8AC3E}">
+        <p14:creationId xmlns:p14="http://schemas.microsoft.com/office/powerpoint/2010/main" val="4154418559"/>
+      </p:ext>
+    </p:extLst>
+  </p:cSld>
+  <p:clrMapOvr>
+    <a:masterClrMapping/>
+  </p:clrMapOvr>
+  <p:hf sldNum="0" hdr="0" ftr="0" dt="0"/>
+</p:sldLayout>
+</file>
+
 <file path=ppt/slideMasters/slideMaster1.xml><?xml version="1.0" encoding="utf-8"?>
 <p:sldMaster xmlns:a="http://schemas.openxmlformats.org/drawingml/2006/main" xmlns:r="http://schemas.openxmlformats.org/officeDocument/2006/relationships" xmlns:p="http://schemas.openxmlformats.org/presentationml/2006/main" preserve="1">
   <p:cSld>
@@ -2590,7 +3655,7 @@
           <p:nvPr/>
         </p:nvPicPr>
         <p:blipFill>
-          <a:blip r:embed="rId9" cstate="print">
+          <a:blip r:embed="rId10" cstate="print">
             <a:extLst>
               <a:ext uri="{28A0092B-C50C-407E-A947-70E740481C1C}">
                 <a14:useLocalDpi xmlns:a14="http://schemas.microsoft.com/office/drawing/2010/main" val="0"/>
@@ -2884,6 +3949,7 @@
     <p:sldLayoutId id="2147483809" r:id="rId5"/>
     <p:sldLayoutId id="2147483812" r:id="rId6"/>
     <p:sldLayoutId id="2147483813" r:id="rId7"/>
+    <p:sldLayoutId id="2147483814" r:id="rId8"/>
   </p:sldLayoutIdLst>
   <p:hf hdr="0"/>
   <p:txStyles>
@@ -3370,10 +4436,636 @@
       </p:grpSpPr>
       <p:sp>
         <p:nvSpPr>
+          <p:cNvPr id="2" name="Rectangle 10">
+            <a:extLst>
+              <a:ext uri="{FF2B5EF4-FFF2-40B4-BE49-F238E27FC236}">
+                <a16:creationId xmlns:a16="http://schemas.microsoft.com/office/drawing/2014/main" id="{0A6424C4-3C55-441E-B760-F3CC5A56CC62}"/>
+              </a:ext>
+            </a:extLst>
+          </p:cNvPr>
+          <p:cNvSpPr/>
+          <p:nvPr/>
+        </p:nvSpPr>
+        <p:spPr>
+          <a:xfrm>
+            <a:off x="467640" y="4597560"/>
+            <a:ext cx="2376360" cy="422280"/>
+          </a:xfrm>
+          <a:prstGeom prst="rect">
+            <a:avLst/>
+          </a:prstGeom>
+          <a:solidFill>
+            <a:srgbClr val="FFFFFF"/>
+          </a:solidFill>
+          <a:ln cap="flat">
+            <a:noFill/>
+            <a:prstDash val="solid"/>
+          </a:ln>
+        </p:spPr>
+        <p:txBody>
+          <a:bodyPr wrap="square" lIns="91440" tIns="45720" rIns="91440" bIns="45720" anchor="ctr" anchorCtr="1" compatLnSpc="0">
+            <a:noAutofit/>
+          </a:bodyPr>
+          <a:lstStyle/>
+          <a:p>
+            <a:pPr marL="0" marR="0" lvl="0" indent="0" hangingPunct="0">
+              <a:lnSpc>
+                <a:spcPct val="100000"/>
+              </a:lnSpc>
+              <a:spcBef>
+                <a:spcPts val="0"/>
+              </a:spcBef>
+              <a:spcAft>
+                <a:spcPts val="0"/>
+              </a:spcAft>
+              <a:buNone/>
+              <a:tabLst/>
+            </a:pPr>
+            <a:endParaRPr lang="fr-FR" sz="1800" b="0" i="0" u="none" strike="noStrike" kern="1200" cap="none">
+              <a:ln>
+                <a:noFill/>
+              </a:ln>
+              <a:latin typeface="Liberation Sans" pitchFamily="18"/>
+              <a:ea typeface="WenQuanYi Micro Hei" pitchFamily="2"/>
+              <a:cs typeface="Lohit Devanagari" pitchFamily="2"/>
+            </a:endParaRPr>
+          </a:p>
+        </p:txBody>
+      </p:sp>
+      <p:sp>
+        <p:nvSpPr>
           <p:cNvPr id="3" name="Titre 2">
             <a:extLst>
               <a:ext uri="{FF2B5EF4-FFF2-40B4-BE49-F238E27FC236}">
-                <a16:creationId xmlns:a16="http://schemas.microsoft.com/office/drawing/2014/main" id="{746691C5-6519-4796-BF8F-9A439BF5E530}"/>
+                <a16:creationId xmlns:a16="http://schemas.microsoft.com/office/drawing/2014/main" id="{6D4D753A-6775-4BAE-82AB-539C0F007818}"/>
+              </a:ext>
+            </a:extLst>
+          </p:cNvPr>
+          <p:cNvSpPr txBox="1">
+            <a:spLocks noGrp="1"/>
+          </p:cNvSpPr>
+          <p:nvPr>
+            <p:ph type="title"/>
+          </p:nvPr>
+        </p:nvSpPr>
+        <p:spPr>
+          <a:xfrm>
+            <a:off x="396000" y="545760"/>
+            <a:ext cx="8352000" cy="479880"/>
+          </a:xfrm>
+        </p:spPr>
+        <p:txBody>
+          <a:bodyPr/>
+          <a:lstStyle/>
+          <a:p>
+            <a:pPr lvl="0"/>
+            <a:r>
+              <a:rPr lang="fr-FR" sz="1200"/>
+              <a:t>Mon projet chef d’œuvre « Smart Fitness »: </a:t>
+            </a:r>
+            <a:r>
+              <a:rPr lang="fr-FR" sz="2000"/>
+              <a:t>La conception et le codage</a:t>
+            </a:r>
+            <a:br>
+              <a:rPr lang="fr-FR" sz="2000"/>
+            </a:br>
+            <a:r>
+              <a:rPr lang="fr-FR" sz="2000"/>
+              <a:t> 1. La modélisation : les abonnements et les produits</a:t>
+            </a:r>
+          </a:p>
+        </p:txBody>
+      </p:sp>
+      <p:pic>
+        <p:nvPicPr>
+          <p:cNvPr id="4" name="Image 5">
+            <a:extLst>
+              <a:ext uri="{FF2B5EF4-FFF2-40B4-BE49-F238E27FC236}">
+                <a16:creationId xmlns:a16="http://schemas.microsoft.com/office/drawing/2014/main" id="{91426EF2-D9F2-49A9-8515-94219205DFC0}"/>
+              </a:ext>
+            </a:extLst>
+          </p:cNvPr>
+          <p:cNvPicPr>
+            <a:picLocks noChangeAspect="1"/>
+          </p:cNvPicPr>
+          <p:nvPr/>
+        </p:nvPicPr>
+        <p:blipFill>
+          <a:blip r:embed="rId3">
+            <a:lum/>
+            <a:alphaModFix/>
+          </a:blip>
+          <a:srcRect t="55442" b="25681"/>
+          <a:stretch>
+            <a:fillRect/>
+          </a:stretch>
+        </p:blipFill>
+        <p:spPr>
+          <a:xfrm>
+            <a:off x="7282800" y="2287080"/>
+            <a:ext cx="1514160" cy="743759"/>
+          </a:xfrm>
+          <a:prstGeom prst="rect">
+            <a:avLst/>
+          </a:prstGeom>
+          <a:noFill/>
+          <a:ln cap="flat">
+            <a:noFill/>
+          </a:ln>
+        </p:spPr>
+      </p:pic>
+      <p:pic>
+        <p:nvPicPr>
+          <p:cNvPr id="5" name="">
+            <a:extLst>
+              <a:ext uri="{FF2B5EF4-FFF2-40B4-BE49-F238E27FC236}">
+                <a16:creationId xmlns:a16="http://schemas.microsoft.com/office/drawing/2014/main" id="{E8ED4957-4D84-4B7C-895E-134AD1217131}"/>
+              </a:ext>
+            </a:extLst>
+          </p:cNvPr>
+          <p:cNvPicPr>
+            <a:picLocks noChangeAspect="1"/>
+          </p:cNvPicPr>
+          <p:nvPr/>
+        </p:nvPicPr>
+        <p:blipFill>
+          <a:blip r:embed="rId4">
+            <a:lum/>
+            <a:alphaModFix/>
+          </a:blip>
+          <a:srcRect/>
+          <a:stretch>
+            <a:fillRect/>
+          </a:stretch>
+        </p:blipFill>
+        <p:spPr>
+          <a:xfrm>
+            <a:off x="624960" y="1174680"/>
+            <a:ext cx="6306840" cy="3591000"/>
+          </a:xfrm>
+          <a:prstGeom prst="rect">
+            <a:avLst/>
+          </a:prstGeom>
+          <a:noFill/>
+          <a:ln cap="flat">
+            <a:noFill/>
+          </a:ln>
+        </p:spPr>
+      </p:pic>
+    </p:spTree>
+  </p:cSld>
+  <p:clrMapOvr>
+    <a:masterClrMapping/>
+  </p:clrMapOvr>
+</p:sld>
+</file>
+
+<file path=ppt/slides/slide11.xml><?xml version="1.0" encoding="utf-8"?>
+<p:sld xmlns:a="http://schemas.openxmlformats.org/drawingml/2006/main" xmlns:r="http://schemas.openxmlformats.org/officeDocument/2006/relationships" xmlns:p="http://schemas.openxmlformats.org/presentationml/2006/main">
+  <p:cSld>
+    <p:spTree>
+      <p:nvGrpSpPr>
+        <p:cNvPr id="1" name=""/>
+        <p:cNvGrpSpPr/>
+        <p:nvPr/>
+      </p:nvGrpSpPr>
+      <p:grpSpPr>
+        <a:xfrm>
+          <a:off x="0" y="0"/>
+          <a:ext cx="0" cy="0"/>
+          <a:chOff x="0" y="0"/>
+          <a:chExt cx="0" cy="0"/>
+        </a:xfrm>
+      </p:grpSpPr>
+      <p:sp>
+        <p:nvSpPr>
+          <p:cNvPr id="2" name="Rectangle 10">
+            <a:extLst>
+              <a:ext uri="{FF2B5EF4-FFF2-40B4-BE49-F238E27FC236}">
+                <a16:creationId xmlns:a16="http://schemas.microsoft.com/office/drawing/2014/main" id="{0304E329-FE21-4CD6-96C3-BF701BD06EA6}"/>
+              </a:ext>
+            </a:extLst>
+          </p:cNvPr>
+          <p:cNvSpPr/>
+          <p:nvPr/>
+        </p:nvSpPr>
+        <p:spPr>
+          <a:xfrm>
+            <a:off x="467640" y="4597560"/>
+            <a:ext cx="2376360" cy="422280"/>
+          </a:xfrm>
+          <a:prstGeom prst="rect">
+            <a:avLst/>
+          </a:prstGeom>
+          <a:solidFill>
+            <a:srgbClr val="FFFFFF"/>
+          </a:solidFill>
+          <a:ln cap="flat">
+            <a:noFill/>
+            <a:prstDash val="solid"/>
+          </a:ln>
+        </p:spPr>
+        <p:txBody>
+          <a:bodyPr wrap="square" lIns="91440" tIns="45720" rIns="91440" bIns="45720" anchor="ctr" anchorCtr="1" compatLnSpc="0">
+            <a:noAutofit/>
+          </a:bodyPr>
+          <a:lstStyle/>
+          <a:p>
+            <a:pPr marL="0" marR="0" lvl="0" indent="0" hangingPunct="0">
+              <a:lnSpc>
+                <a:spcPct val="100000"/>
+              </a:lnSpc>
+              <a:spcBef>
+                <a:spcPts val="0"/>
+              </a:spcBef>
+              <a:spcAft>
+                <a:spcPts val="0"/>
+              </a:spcAft>
+              <a:buNone/>
+              <a:tabLst/>
+            </a:pPr>
+            <a:endParaRPr lang="fr-FR" sz="1800" b="0" i="0" u="none" strike="noStrike" kern="1200" cap="none">
+              <a:ln>
+                <a:noFill/>
+              </a:ln>
+              <a:latin typeface="Liberation Sans" pitchFamily="18"/>
+              <a:ea typeface="WenQuanYi Micro Hei" pitchFamily="2"/>
+              <a:cs typeface="Lohit Devanagari" pitchFamily="2"/>
+            </a:endParaRPr>
+          </a:p>
+        </p:txBody>
+      </p:sp>
+      <p:sp>
+        <p:nvSpPr>
+          <p:cNvPr id="3" name="Titre 2">
+            <a:extLst>
+              <a:ext uri="{FF2B5EF4-FFF2-40B4-BE49-F238E27FC236}">
+                <a16:creationId xmlns:a16="http://schemas.microsoft.com/office/drawing/2014/main" id="{6453F119-489A-46CB-ACB1-AE9C8CED9D40}"/>
+              </a:ext>
+            </a:extLst>
+          </p:cNvPr>
+          <p:cNvSpPr txBox="1">
+            <a:spLocks noGrp="1"/>
+          </p:cNvSpPr>
+          <p:nvPr>
+            <p:ph type="title"/>
+          </p:nvPr>
+        </p:nvSpPr>
+        <p:spPr>
+          <a:xfrm>
+            <a:off x="396000" y="545760"/>
+            <a:ext cx="8352000" cy="479880"/>
+          </a:xfrm>
+        </p:spPr>
+        <p:txBody>
+          <a:bodyPr/>
+          <a:lstStyle/>
+          <a:p>
+            <a:pPr lvl="0"/>
+            <a:r>
+              <a:rPr lang="fr-FR" sz="1200"/>
+              <a:t>Mon projet chef d’œuvre « Smart Fitness »: </a:t>
+            </a:r>
+            <a:r>
+              <a:rPr lang="fr-FR" sz="2000"/>
+              <a:t>La conception et le codage</a:t>
+            </a:r>
+            <a:br>
+              <a:rPr lang="fr-FR" sz="2000"/>
+            </a:br>
+            <a:r>
+              <a:rPr lang="fr-FR" sz="2000"/>
+              <a:t> 1. La modélisation : la gestion des utilisateurs</a:t>
+            </a:r>
+          </a:p>
+        </p:txBody>
+      </p:sp>
+      <p:pic>
+        <p:nvPicPr>
+          <p:cNvPr id="4" name="Image 5">
+            <a:extLst>
+              <a:ext uri="{FF2B5EF4-FFF2-40B4-BE49-F238E27FC236}">
+                <a16:creationId xmlns:a16="http://schemas.microsoft.com/office/drawing/2014/main" id="{A0832EFF-8975-46F9-8D4B-B6DBCC21D720}"/>
+              </a:ext>
+            </a:extLst>
+          </p:cNvPr>
+          <p:cNvPicPr>
+            <a:picLocks noChangeAspect="1"/>
+          </p:cNvPicPr>
+          <p:nvPr/>
+        </p:nvPicPr>
+        <p:blipFill>
+          <a:blip r:embed="rId3">
+            <a:lum/>
+            <a:alphaModFix/>
+          </a:blip>
+          <a:srcRect t="81013"/>
+          <a:stretch>
+            <a:fillRect/>
+          </a:stretch>
+        </p:blipFill>
+        <p:spPr>
+          <a:xfrm>
+            <a:off x="7241040" y="2634840"/>
+            <a:ext cx="1514160" cy="748080"/>
+          </a:xfrm>
+          <a:prstGeom prst="rect">
+            <a:avLst/>
+          </a:prstGeom>
+          <a:noFill/>
+          <a:ln cap="flat">
+            <a:noFill/>
+          </a:ln>
+        </p:spPr>
+      </p:pic>
+      <p:pic>
+        <p:nvPicPr>
+          <p:cNvPr id="5" name="">
+            <a:extLst>
+              <a:ext uri="{FF2B5EF4-FFF2-40B4-BE49-F238E27FC236}">
+                <a16:creationId xmlns:a16="http://schemas.microsoft.com/office/drawing/2014/main" id="{34C9022A-A471-433F-95CB-05A6E4A8A371}"/>
+              </a:ext>
+            </a:extLst>
+          </p:cNvPr>
+          <p:cNvPicPr>
+            <a:picLocks noChangeAspect="1"/>
+          </p:cNvPicPr>
+          <p:nvPr/>
+        </p:nvPicPr>
+        <p:blipFill>
+          <a:blip r:embed="rId4">
+            <a:lum/>
+            <a:alphaModFix/>
+          </a:blip>
+          <a:srcRect/>
+          <a:stretch>
+            <a:fillRect/>
+          </a:stretch>
+        </p:blipFill>
+        <p:spPr>
+          <a:xfrm>
+            <a:off x="1008359" y="1199519"/>
+            <a:ext cx="5053320" cy="3527279"/>
+          </a:xfrm>
+          <a:prstGeom prst="rect">
+            <a:avLst/>
+          </a:prstGeom>
+          <a:noFill/>
+          <a:ln cap="flat">
+            <a:noFill/>
+          </a:ln>
+        </p:spPr>
+      </p:pic>
+    </p:spTree>
+  </p:cSld>
+  <p:clrMapOvr>
+    <a:masterClrMapping/>
+  </p:clrMapOvr>
+</p:sld>
+</file>
+
+<file path=ppt/slides/slide12.xml><?xml version="1.0" encoding="utf-8"?>
+<p:sld xmlns:a="http://schemas.openxmlformats.org/drawingml/2006/main" xmlns:r="http://schemas.openxmlformats.org/officeDocument/2006/relationships" xmlns:p="http://schemas.openxmlformats.org/presentationml/2006/main">
+  <p:cSld>
+    <p:spTree>
+      <p:nvGrpSpPr>
+        <p:cNvPr id="1" name=""/>
+        <p:cNvGrpSpPr/>
+        <p:nvPr/>
+      </p:nvGrpSpPr>
+      <p:grpSpPr>
+        <a:xfrm>
+          <a:off x="0" y="0"/>
+          <a:ext cx="0" cy="0"/>
+          <a:chOff x="0" y="0"/>
+          <a:chExt cx="0" cy="0"/>
+        </a:xfrm>
+      </p:grpSpPr>
+      <p:sp>
+        <p:nvSpPr>
+          <p:cNvPr id="2" name="Rectangle 10">
+            <a:extLst>
+              <a:ext uri="{FF2B5EF4-FFF2-40B4-BE49-F238E27FC236}">
+                <a16:creationId xmlns:a16="http://schemas.microsoft.com/office/drawing/2014/main" id="{19F01AF6-7365-47DD-8DCC-177885B03E93}"/>
+              </a:ext>
+            </a:extLst>
+          </p:cNvPr>
+          <p:cNvSpPr/>
+          <p:nvPr/>
+        </p:nvSpPr>
+        <p:spPr>
+          <a:xfrm>
+            <a:off x="467640" y="4597560"/>
+            <a:ext cx="2376360" cy="422280"/>
+          </a:xfrm>
+          <a:prstGeom prst="rect">
+            <a:avLst/>
+          </a:prstGeom>
+          <a:solidFill>
+            <a:srgbClr val="FFFFFF"/>
+          </a:solidFill>
+          <a:ln cap="flat">
+            <a:noFill/>
+            <a:prstDash val="solid"/>
+          </a:ln>
+        </p:spPr>
+        <p:txBody>
+          <a:bodyPr wrap="square" lIns="91440" tIns="45720" rIns="91440" bIns="45720" anchor="ctr" anchorCtr="1" compatLnSpc="0">
+            <a:noAutofit/>
+          </a:bodyPr>
+          <a:lstStyle/>
+          <a:p>
+            <a:pPr marL="0" marR="0" lvl="0" indent="0" hangingPunct="0">
+              <a:lnSpc>
+                <a:spcPct val="100000"/>
+              </a:lnSpc>
+              <a:spcBef>
+                <a:spcPts val="0"/>
+              </a:spcBef>
+              <a:spcAft>
+                <a:spcPts val="0"/>
+              </a:spcAft>
+              <a:buNone/>
+              <a:tabLst/>
+            </a:pPr>
+            <a:endParaRPr lang="fr-FR" sz="1800" b="0" i="0" u="none" strike="noStrike" kern="1200" cap="none">
+              <a:ln>
+                <a:noFill/>
+              </a:ln>
+              <a:latin typeface="Liberation Sans" pitchFamily="18"/>
+              <a:ea typeface="WenQuanYi Micro Hei" pitchFamily="2"/>
+              <a:cs typeface="Lohit Devanagari" pitchFamily="2"/>
+            </a:endParaRPr>
+          </a:p>
+        </p:txBody>
+      </p:sp>
+      <p:sp>
+        <p:nvSpPr>
+          <p:cNvPr id="3" name="Titre 2">
+            <a:extLst>
+              <a:ext uri="{FF2B5EF4-FFF2-40B4-BE49-F238E27FC236}">
+                <a16:creationId xmlns:a16="http://schemas.microsoft.com/office/drawing/2014/main" id="{7CC8CFD5-AAC7-4E46-8957-5F7B2B71E113}"/>
+              </a:ext>
+            </a:extLst>
+          </p:cNvPr>
+          <p:cNvSpPr txBox="1">
+            <a:spLocks noGrp="1"/>
+          </p:cNvSpPr>
+          <p:nvPr>
+            <p:ph type="title"/>
+          </p:nvPr>
+        </p:nvSpPr>
+        <p:spPr>
+          <a:xfrm>
+            <a:off x="396000" y="545760"/>
+            <a:ext cx="8352000" cy="479880"/>
+          </a:xfrm>
+        </p:spPr>
+        <p:txBody>
+          <a:bodyPr/>
+          <a:lstStyle/>
+          <a:p>
+            <a:pPr lvl="0"/>
+            <a:r>
+              <a:rPr lang="fr-FR" sz="1200"/>
+              <a:t>Mon projet chef d’œuvre « Smart Fitness »: </a:t>
+            </a:r>
+            <a:r>
+              <a:rPr lang="fr-FR" sz="2000"/>
+              <a:t>La conception et le codage</a:t>
+            </a:r>
+            <a:br>
+              <a:rPr lang="fr-FR" sz="2000"/>
+            </a:br>
+            <a:r>
+              <a:rPr lang="fr-FR" sz="2000"/>
+              <a:t> 1. La modélisation : les événements</a:t>
+            </a:r>
+          </a:p>
+        </p:txBody>
+      </p:sp>
+      <p:pic>
+        <p:nvPicPr>
+          <p:cNvPr id="4" name="">
+            <a:extLst>
+              <a:ext uri="{FF2B5EF4-FFF2-40B4-BE49-F238E27FC236}">
+                <a16:creationId xmlns:a16="http://schemas.microsoft.com/office/drawing/2014/main" id="{7EC716DA-AC51-4322-BA2B-5DCCCD36F7A1}"/>
+              </a:ext>
+            </a:extLst>
+          </p:cNvPr>
+          <p:cNvPicPr>
+            <a:picLocks noChangeAspect="1"/>
+          </p:cNvPicPr>
+          <p:nvPr/>
+        </p:nvPicPr>
+        <p:blipFill>
+          <a:blip r:embed="rId3">
+            <a:lum/>
+            <a:alphaModFix/>
+          </a:blip>
+          <a:srcRect/>
+          <a:stretch>
+            <a:fillRect/>
+          </a:stretch>
+        </p:blipFill>
+        <p:spPr>
+          <a:xfrm>
+            <a:off x="2565719" y="1497240"/>
+            <a:ext cx="2475720" cy="2691360"/>
+          </a:xfrm>
+          <a:prstGeom prst="rect">
+            <a:avLst/>
+          </a:prstGeom>
+          <a:noFill/>
+          <a:ln cap="flat">
+            <a:noFill/>
+          </a:ln>
+        </p:spPr>
+      </p:pic>
+    </p:spTree>
+  </p:cSld>
+  <p:clrMapOvr>
+    <a:masterClrMapping/>
+  </p:clrMapOvr>
+</p:sld>
+</file>
+
+<file path=ppt/slides/slide13.xml><?xml version="1.0" encoding="utf-8"?>
+<p:sld xmlns:a="http://schemas.openxmlformats.org/drawingml/2006/main" xmlns:r="http://schemas.openxmlformats.org/officeDocument/2006/relationships" xmlns:p="http://schemas.openxmlformats.org/presentationml/2006/main">
+  <p:cSld>
+    <p:spTree>
+      <p:nvGrpSpPr>
+        <p:cNvPr id="1" name=""/>
+        <p:cNvGrpSpPr/>
+        <p:nvPr/>
+      </p:nvGrpSpPr>
+      <p:grpSpPr>
+        <a:xfrm>
+          <a:off x="0" y="0"/>
+          <a:ext cx="0" cy="0"/>
+          <a:chOff x="0" y="0"/>
+          <a:chExt cx="0" cy="0"/>
+        </a:xfrm>
+      </p:grpSpPr>
+      <p:sp>
+        <p:nvSpPr>
+          <p:cNvPr id="14" name="Rectangle 13">
+            <a:extLst>
+              <a:ext uri="{FF2B5EF4-FFF2-40B4-BE49-F238E27FC236}">
+                <a16:creationId xmlns:a16="http://schemas.microsoft.com/office/drawing/2014/main" id="{2F678139-529D-4082-B04C-CACE75CF503E}"/>
+              </a:ext>
+            </a:extLst>
+          </p:cNvPr>
+          <p:cNvSpPr/>
+          <p:nvPr/>
+        </p:nvSpPr>
+        <p:spPr>
+          <a:xfrm>
+            <a:off x="539552" y="4597594"/>
+            <a:ext cx="1656182" cy="422428"/>
+          </a:xfrm>
+          <a:prstGeom prst="rect">
+            <a:avLst/>
+          </a:prstGeom>
+          <a:solidFill>
+            <a:schemeClr val="bg1"/>
+          </a:solidFill>
+          <a:ln>
+            <a:noFill/>
+          </a:ln>
+        </p:spPr>
+        <p:style>
+          <a:lnRef idx="2">
+            <a:schemeClr val="accent1">
+              <a:shade val="50000"/>
+            </a:schemeClr>
+          </a:lnRef>
+          <a:fillRef idx="1">
+            <a:schemeClr val="accent1"/>
+          </a:fillRef>
+          <a:effectRef idx="0">
+            <a:schemeClr val="accent1"/>
+          </a:effectRef>
+          <a:fontRef idx="minor">
+            <a:schemeClr val="lt1"/>
+          </a:fontRef>
+        </p:style>
+        <p:txBody>
+          <a:bodyPr rtlCol="0" anchor="ctr"/>
+          <a:lstStyle/>
+          <a:p>
+            <a:pPr algn="ctr"/>
+            <a:endParaRPr lang="fr-FR"/>
+          </a:p>
+        </p:txBody>
+      </p:sp>
+      <p:sp>
+        <p:nvSpPr>
+          <p:cNvPr id="2" name="Espace réservé du contenu 1">
+            <a:extLst>
+              <a:ext uri="{FF2B5EF4-FFF2-40B4-BE49-F238E27FC236}">
+                <a16:creationId xmlns:a16="http://schemas.microsoft.com/office/drawing/2014/main" id="{0C0C6A94-E20F-4ECB-8AB6-46FC7EEBE03D}"/>
               </a:ext>
             </a:extLst>
           </p:cNvPr>
@@ -3381,48 +5073,417 @@
             <a:spLocks noGrp="1"/>
           </p:cNvSpPr>
           <p:nvPr>
-            <p:ph type="title"/>
-          </p:nvPr>
-        </p:nvSpPr>
-        <p:spPr>
-          <a:xfrm>
-            <a:off x="396000" y="545906"/>
-            <a:ext cx="8748000" cy="479756"/>
-          </a:xfrm>
-        </p:spPr>
+            <p:ph idx="1"/>
+          </p:nvPr>
+        </p:nvSpPr>
+        <p:spPr/>
         <p:txBody>
           <a:bodyPr/>
           <a:lstStyle/>
           <a:p>
             <a:r>
+              <a:rPr lang="fr-FR" b="1" dirty="0"/>
+              <a:t>L’identité visuelle du site </a:t>
+            </a:r>
+            <a:endParaRPr lang="fr-FR" dirty="0"/>
+          </a:p>
+          <a:p>
+            <a:endParaRPr lang="fr-FR" dirty="0"/>
+          </a:p>
+        </p:txBody>
+      </p:sp>
+      <p:sp>
+        <p:nvSpPr>
+          <p:cNvPr id="3" name="Titre 2">
+            <a:extLst>
+              <a:ext uri="{FF2B5EF4-FFF2-40B4-BE49-F238E27FC236}">
+                <a16:creationId xmlns:a16="http://schemas.microsoft.com/office/drawing/2014/main" id="{158C704D-4FE6-42C6-8D3A-3A19C902ADA4}"/>
+              </a:ext>
+            </a:extLst>
+          </p:cNvPr>
+          <p:cNvSpPr>
+            <a:spLocks noGrp="1"/>
+          </p:cNvSpPr>
+          <p:nvPr>
+            <p:ph type="title"/>
+          </p:nvPr>
+        </p:nvSpPr>
+        <p:spPr/>
+        <p:txBody>
+          <a:bodyPr/>
+          <a:lstStyle/>
+          <a:p>
+            <a:r>
               <a:rPr lang="fr-FR" sz="1200" dirty="0"/>
               <a:t>Mon projet chef d’œuvre « Smart Fitness »: </a:t>
             </a:r>
             <a:r>
               <a:rPr lang="fr-FR" dirty="0"/>
-              <a:t>La conception et le codage </a:t>
+              <a:t>La conception et le codage</a:t>
             </a:r>
             <a:br>
               <a:rPr lang="fr-FR" dirty="0"/>
             </a:br>
             <a:r>
               <a:rPr lang="fr-FR" dirty="0"/>
-              <a:t> 5. Le </a:t>
-            </a:r>
-            <a:r>
-              <a:rPr lang="fr-FR" dirty="0" err="1"/>
-              <a:t>front-end</a:t>
+              <a:t> 2. </a:t>
+            </a:r>
+            <a:r>
+              <a:rPr lang="fr-FR" dirty="0">
+                <a:sym typeface="Wingdings" panose="05000000000000000000" pitchFamily="2" charset="2"/>
+              </a:rPr>
+              <a:t>L’identité visuelle</a:t>
             </a:r>
             <a:endParaRPr lang="fr-FR" dirty="0"/>
           </a:p>
         </p:txBody>
       </p:sp>
+      <p:graphicFrame>
+        <p:nvGraphicFramePr>
+          <p:cNvPr id="12" name="Tableau 11">
+            <a:extLst>
+              <a:ext uri="{FF2B5EF4-FFF2-40B4-BE49-F238E27FC236}">
+                <a16:creationId xmlns:a16="http://schemas.microsoft.com/office/drawing/2014/main" id="{27338D44-EE06-4D6B-89B7-1272D33B7A38}"/>
+              </a:ext>
+            </a:extLst>
+          </p:cNvPr>
+          <p:cNvGraphicFramePr>
+            <a:graphicFrameLocks noGrp="1"/>
+          </p:cNvGraphicFramePr>
+          <p:nvPr/>
+        </p:nvGraphicFramePr>
+        <p:xfrm>
+          <a:off x="357248" y="1707654"/>
+          <a:ext cx="8429504" cy="304800"/>
+        </p:xfrm>
+        <a:graphic>
+          <a:graphicData uri="http://schemas.openxmlformats.org/drawingml/2006/table">
+            <a:tbl>
+              <a:tblPr firstRow="1" bandRow="1">
+                <a:tableStyleId>{5C22544A-7EE6-4342-B048-85BDC9FD1C3A}</a:tableStyleId>
+              </a:tblPr>
+              <a:tblGrid>
+                <a:gridCol w="4214752">
+                  <a:extLst>
+                    <a:ext uri="{9D8B030D-6E8A-4147-A177-3AD203B41FA5}">
+                      <a16:colId xmlns:a16="http://schemas.microsoft.com/office/drawing/2014/main" val="1203709863"/>
+                    </a:ext>
+                  </a:extLst>
+                </a:gridCol>
+                <a:gridCol w="4214752">
+                  <a:extLst>
+                    <a:ext uri="{9D8B030D-6E8A-4147-A177-3AD203B41FA5}">
+                      <a16:colId xmlns:a16="http://schemas.microsoft.com/office/drawing/2014/main" val="2525409952"/>
+                    </a:ext>
+                  </a:extLst>
+                </a:gridCol>
+              </a:tblGrid>
+              <a:tr h="216024">
+                <a:tc>
+                  <a:txBody>
+                    <a:bodyPr/>
+                    <a:lstStyle/>
+                    <a:p>
+                      <a:r>
+                        <a:rPr lang="fr-FR" sz="1400" dirty="0"/>
+                        <a:t> la page de réservation</a:t>
+                      </a:r>
+                    </a:p>
+                  </a:txBody>
+                  <a:tcPr/>
+                </a:tc>
+                <a:tc>
+                  <a:txBody>
+                    <a:bodyPr/>
+                    <a:lstStyle/>
+                    <a:p>
+                      <a:r>
+                        <a:rPr lang="fr-FR" sz="1400" dirty="0"/>
+                        <a:t>Revenues et dépenses</a:t>
+                      </a:r>
+                    </a:p>
+                  </a:txBody>
+                  <a:tcPr/>
+                </a:tc>
+                <a:extLst>
+                  <a:ext uri="{0D108BD9-81ED-4DB2-BD59-A6C34878D82A}">
+                    <a16:rowId xmlns:a16="http://schemas.microsoft.com/office/drawing/2014/main" val="1455011"/>
+                  </a:ext>
+                </a:extLst>
+              </a:tr>
+            </a:tbl>
+          </a:graphicData>
+        </a:graphic>
+      </p:graphicFrame>
       <p:pic>
         <p:nvPicPr>
-          <p:cNvPr id="6" name="Image 5">
-            <a:extLst>
-              <a:ext uri="{FF2B5EF4-FFF2-40B4-BE49-F238E27FC236}">
-                <a16:creationId xmlns:a16="http://schemas.microsoft.com/office/drawing/2014/main" id="{B404193D-051D-467B-AF95-8D1F22A5439B}"/>
+          <p:cNvPr id="13" name="Image 12">
+            <a:extLst>
+              <a:ext uri="{FF2B5EF4-FFF2-40B4-BE49-F238E27FC236}">
+                <a16:creationId xmlns:a16="http://schemas.microsoft.com/office/drawing/2014/main" id="{C53F45BC-2785-44FB-A0DD-9355BC5060C8}"/>
+              </a:ext>
+            </a:extLst>
+          </p:cNvPr>
+          <p:cNvPicPr>
+            <a:picLocks noChangeAspect="1"/>
+          </p:cNvPicPr>
+          <p:nvPr/>
+        </p:nvPicPr>
+        <p:blipFill>
+          <a:blip r:embed="rId2" cstate="print">
+            <a:lum/>
+            <a:alphaModFix/>
+            <a:extLst>
+              <a:ext uri="{28A0092B-C50C-407E-A947-70E740481C1C}">
+                <a14:useLocalDpi xmlns:a14="http://schemas.microsoft.com/office/drawing/2010/main" val="0"/>
+              </a:ext>
+            </a:extLst>
+          </a:blip>
+          <a:srcRect/>
+          <a:stretch>
+            <a:fillRect/>
+          </a:stretch>
+        </p:blipFill>
+        <p:spPr>
+          <a:xfrm>
+            <a:off x="1259632" y="2095722"/>
+            <a:ext cx="2231964" cy="2952328"/>
+          </a:xfrm>
+          <a:prstGeom prst="rect">
+            <a:avLst/>
+          </a:prstGeom>
+          <a:noFill/>
+          <a:ln>
+            <a:noFill/>
+          </a:ln>
+        </p:spPr>
+      </p:pic>
+      <p:pic>
+        <p:nvPicPr>
+          <p:cNvPr id="15" name="Image 14">
+            <a:extLst>
+              <a:ext uri="{FF2B5EF4-FFF2-40B4-BE49-F238E27FC236}">
+                <a16:creationId xmlns:a16="http://schemas.microsoft.com/office/drawing/2014/main" id="{097753A1-B506-429F-B9F5-E4D678E814AC}"/>
+              </a:ext>
+            </a:extLst>
+          </p:cNvPr>
+          <p:cNvPicPr>
+            <a:picLocks noChangeAspect="1"/>
+          </p:cNvPicPr>
+          <p:nvPr/>
+        </p:nvPicPr>
+        <p:blipFill>
+          <a:blip r:embed="rId3" cstate="print">
+            <a:lum/>
+            <a:alphaModFix/>
+            <a:extLst>
+              <a:ext uri="{28A0092B-C50C-407E-A947-70E740481C1C}">
+                <a14:useLocalDpi xmlns:a14="http://schemas.microsoft.com/office/drawing/2010/main" val="0"/>
+              </a:ext>
+            </a:extLst>
+          </a:blip>
+          <a:srcRect/>
+          <a:stretch>
+            <a:fillRect/>
+          </a:stretch>
+        </p:blipFill>
+        <p:spPr>
+          <a:xfrm>
+            <a:off x="4788024" y="2098570"/>
+            <a:ext cx="3672408" cy="2297379"/>
+          </a:xfrm>
+          <a:prstGeom prst="rect">
+            <a:avLst/>
+          </a:prstGeom>
+          <a:noFill/>
+          <a:ln>
+            <a:noFill/>
+          </a:ln>
+        </p:spPr>
+      </p:pic>
+    </p:spTree>
+    <p:extLst>
+      <p:ext uri="{BB962C8B-B14F-4D97-AF65-F5344CB8AC3E}">
+        <p14:creationId xmlns:p14="http://schemas.microsoft.com/office/powerpoint/2010/main" val="3742325853"/>
+      </p:ext>
+    </p:extLst>
+  </p:cSld>
+  <p:clrMapOvr>
+    <a:masterClrMapping/>
+  </p:clrMapOvr>
+</p:sld>
+</file>
+
+<file path=ppt/slides/slide14.xml><?xml version="1.0" encoding="utf-8"?>
+<p:sld xmlns:a="http://schemas.openxmlformats.org/drawingml/2006/main" xmlns:r="http://schemas.openxmlformats.org/officeDocument/2006/relationships" xmlns:p="http://schemas.openxmlformats.org/presentationml/2006/main">
+  <p:cSld>
+    <p:spTree>
+      <p:nvGrpSpPr>
+        <p:cNvPr id="1" name=""/>
+        <p:cNvGrpSpPr/>
+        <p:nvPr/>
+      </p:nvGrpSpPr>
+      <p:grpSpPr>
+        <a:xfrm>
+          <a:off x="0" y="0"/>
+          <a:ext cx="0" cy="0"/>
+          <a:chOff x="0" y="0"/>
+          <a:chExt cx="0" cy="0"/>
+        </a:xfrm>
+      </p:grpSpPr>
+      <p:sp>
+        <p:nvSpPr>
+          <p:cNvPr id="3" name="Titre 2">
+            <a:extLst>
+              <a:ext uri="{FF2B5EF4-FFF2-40B4-BE49-F238E27FC236}">
+                <a16:creationId xmlns:a16="http://schemas.microsoft.com/office/drawing/2014/main" id="{746691C5-6519-4796-BF8F-9A439BF5E530}"/>
+              </a:ext>
+            </a:extLst>
+          </p:cNvPr>
+          <p:cNvSpPr>
+            <a:spLocks noGrp="1"/>
+          </p:cNvSpPr>
+          <p:nvPr>
+            <p:ph type="title"/>
+          </p:nvPr>
+        </p:nvSpPr>
+        <p:spPr/>
+        <p:txBody>
+          <a:bodyPr/>
+          <a:lstStyle/>
+          <a:p>
+            <a:r>
+              <a:rPr lang="fr-FR" sz="1200" dirty="0"/>
+              <a:t>Mon projet chef d’œuvre « Smart Fitness »: </a:t>
+            </a:r>
+            <a:r>
+              <a:rPr lang="fr-FR" dirty="0"/>
+              <a:t>La conception et la codage</a:t>
+            </a:r>
+            <a:br>
+              <a:rPr lang="fr-FR" dirty="0"/>
+            </a:br>
+            <a:r>
+              <a:rPr lang="fr-FR" dirty="0"/>
+              <a:t> 3. Les serveurs</a:t>
+            </a:r>
+          </a:p>
+        </p:txBody>
+      </p:sp>
+      <p:pic>
+        <p:nvPicPr>
+          <p:cNvPr id="5" name="Espace réservé pour une image  2">
+            <a:extLst>
+              <a:ext uri="{FF2B5EF4-FFF2-40B4-BE49-F238E27FC236}">
+                <a16:creationId xmlns:a16="http://schemas.microsoft.com/office/drawing/2014/main" id="{65A2F652-10C3-4679-99CA-C8528FEC3D59}"/>
+              </a:ext>
+            </a:extLst>
+          </p:cNvPr>
+          <p:cNvPicPr>
+            <a:picLocks noChangeAspect="1"/>
+          </p:cNvPicPr>
+          <p:nvPr/>
+        </p:nvPicPr>
+        <p:blipFill>
+          <a:blip r:embed="rId2">
+            <a:lum/>
+            <a:alphaModFix/>
+            <a:extLst>
+              <a:ext uri="{28A0092B-C50C-407E-A947-70E740481C1C}">
+                <a14:useLocalDpi xmlns:a14="http://schemas.microsoft.com/office/drawing/2010/main" val="0"/>
+              </a:ext>
+            </a:extLst>
+          </a:blip>
+          <a:srcRect/>
+          <a:stretch>
+            <a:fillRect/>
+          </a:stretch>
+        </p:blipFill>
+        <p:spPr bwMode="gray">
+          <a:xfrm>
+            <a:off x="1547664" y="1306159"/>
+            <a:ext cx="5064600" cy="3408167"/>
+          </a:xfrm>
+          <a:prstGeom prst="rect">
+            <a:avLst/>
+          </a:prstGeom>
+        </p:spPr>
+      </p:pic>
+    </p:spTree>
+    <p:extLst>
+      <p:ext uri="{BB962C8B-B14F-4D97-AF65-F5344CB8AC3E}">
+        <p14:creationId xmlns:p14="http://schemas.microsoft.com/office/powerpoint/2010/main" val="2397688241"/>
+      </p:ext>
+    </p:extLst>
+  </p:cSld>
+  <p:clrMapOvr>
+    <a:masterClrMapping/>
+  </p:clrMapOvr>
+</p:sld>
+</file>
+
+<file path=ppt/slides/slide15.xml><?xml version="1.0" encoding="utf-8"?>
+<p:sld xmlns:a="http://schemas.openxmlformats.org/drawingml/2006/main" xmlns:r="http://schemas.openxmlformats.org/officeDocument/2006/relationships" xmlns:p="http://schemas.openxmlformats.org/presentationml/2006/main">
+  <p:cSld>
+    <p:spTree>
+      <p:nvGrpSpPr>
+        <p:cNvPr id="1" name=""/>
+        <p:cNvGrpSpPr/>
+        <p:nvPr/>
+      </p:nvGrpSpPr>
+      <p:grpSpPr>
+        <a:xfrm>
+          <a:off x="0" y="0"/>
+          <a:ext cx="0" cy="0"/>
+          <a:chOff x="0" y="0"/>
+          <a:chExt cx="0" cy="0"/>
+        </a:xfrm>
+      </p:grpSpPr>
+      <p:sp>
+        <p:nvSpPr>
+          <p:cNvPr id="3" name="Titre 2">
+            <a:extLst>
+              <a:ext uri="{FF2B5EF4-FFF2-40B4-BE49-F238E27FC236}">
+                <a16:creationId xmlns:a16="http://schemas.microsoft.com/office/drawing/2014/main" id="{746691C5-6519-4796-BF8F-9A439BF5E530}"/>
+              </a:ext>
+            </a:extLst>
+          </p:cNvPr>
+          <p:cNvSpPr>
+            <a:spLocks noGrp="1"/>
+          </p:cNvSpPr>
+          <p:nvPr>
+            <p:ph type="title"/>
+          </p:nvPr>
+        </p:nvSpPr>
+        <p:spPr/>
+        <p:txBody>
+          <a:bodyPr/>
+          <a:lstStyle/>
+          <a:p>
+            <a:r>
+              <a:rPr lang="fr-FR" sz="1200" dirty="0"/>
+              <a:t>Mon projet chef d’œuvre « Smart Fitness »: </a:t>
+            </a:r>
+            <a:r>
+              <a:rPr lang="fr-FR" dirty="0"/>
+              <a:t>La conception et le codage</a:t>
+            </a:r>
+            <a:br>
+              <a:rPr lang="fr-FR" dirty="0"/>
+            </a:br>
+            <a:r>
+              <a:rPr lang="fr-FR" dirty="0"/>
+              <a:t> 4. La Base De données</a:t>
+            </a:r>
+          </a:p>
+        </p:txBody>
+      </p:sp>
+      <p:pic>
+        <p:nvPicPr>
+          <p:cNvPr id="5" name="Image 4">
+            <a:extLst>
+              <a:ext uri="{FF2B5EF4-FFF2-40B4-BE49-F238E27FC236}">
+                <a16:creationId xmlns:a16="http://schemas.microsoft.com/office/drawing/2014/main" id="{0B8A046B-699F-4392-AF61-8D72E3631A18}"/>
               </a:ext>
             </a:extLst>
           </p:cNvPr>
@@ -3441,6 +5502,243 @@
             <a:fillRect/>
           </a:stretch>
         </p:blipFill>
+        <p:spPr bwMode="gray">
+          <a:xfrm>
+            <a:off x="396000" y="1203598"/>
+            <a:ext cx="8244456" cy="1667212"/>
+          </a:xfrm>
+          <a:prstGeom prst="rect">
+            <a:avLst/>
+          </a:prstGeom>
+        </p:spPr>
+      </p:pic>
+      <p:sp>
+        <p:nvSpPr>
+          <p:cNvPr id="2" name="Rectangle 1">
+            <a:extLst>
+              <a:ext uri="{FF2B5EF4-FFF2-40B4-BE49-F238E27FC236}">
+                <a16:creationId xmlns:a16="http://schemas.microsoft.com/office/drawing/2014/main" id="{33AACCAA-BF55-4852-A003-A1F6639EF928}"/>
+              </a:ext>
+            </a:extLst>
+          </p:cNvPr>
+          <p:cNvSpPr/>
+          <p:nvPr/>
+        </p:nvSpPr>
+        <p:spPr>
+          <a:xfrm>
+            <a:off x="396000" y="3083040"/>
+            <a:ext cx="6696280" cy="369332"/>
+          </a:xfrm>
+          <a:prstGeom prst="rect">
+            <a:avLst/>
+          </a:prstGeom>
+        </p:spPr>
+        <p:txBody>
+          <a:bodyPr wrap="square">
+            <a:spAutoFit/>
+          </a:bodyPr>
+          <a:lstStyle/>
+          <a:p>
+            <a:pPr lvl="0" hangingPunct="0"/>
+            <a:r>
+              <a:rPr lang="fr-FR" b="1" dirty="0">
+                <a:latin typeface="Arial" pitchFamily="18"/>
+                <a:ea typeface="DejaVu Sans" pitchFamily="2"/>
+                <a:cs typeface="DejaVu Sans" pitchFamily="2"/>
+              </a:rPr>
+              <a:t>Le cryptage des mots de passe en BDD - </a:t>
+            </a:r>
+          </a:p>
+        </p:txBody>
+      </p:sp>
+      <p:pic>
+        <p:nvPicPr>
+          <p:cNvPr id="7" name="Image 6">
+            <a:extLst>
+              <a:ext uri="{FF2B5EF4-FFF2-40B4-BE49-F238E27FC236}">
+                <a16:creationId xmlns:a16="http://schemas.microsoft.com/office/drawing/2014/main" id="{CE03BB95-26A1-4FE4-B990-6A6D336113D8}"/>
+              </a:ext>
+            </a:extLst>
+          </p:cNvPr>
+          <p:cNvPicPr>
+            <a:picLocks noChangeAspect="1"/>
+          </p:cNvPicPr>
+          <p:nvPr/>
+        </p:nvPicPr>
+        <p:blipFill>
+          <a:blip r:embed="rId3">
+            <a:lum/>
+            <a:alphaModFix/>
+          </a:blip>
+          <a:srcRect/>
+          <a:stretch>
+            <a:fillRect/>
+          </a:stretch>
+        </p:blipFill>
+        <p:spPr>
+          <a:xfrm>
+            <a:off x="500268" y="3579862"/>
+            <a:ext cx="8035920" cy="936000"/>
+          </a:xfrm>
+          <a:prstGeom prst="rect">
+            <a:avLst/>
+          </a:prstGeom>
+          <a:noFill/>
+          <a:ln>
+            <a:noFill/>
+          </a:ln>
+        </p:spPr>
+      </p:pic>
+      <p:pic>
+        <p:nvPicPr>
+          <p:cNvPr id="8" name="Picture 2" descr="security(2016)73">
+            <a:extLst>
+              <a:ext uri="{FF2B5EF4-FFF2-40B4-BE49-F238E27FC236}">
+                <a16:creationId xmlns:a16="http://schemas.microsoft.com/office/drawing/2014/main" id="{E9B33D4A-48D2-487F-AA74-F3B47A0040C6}"/>
+              </a:ext>
+            </a:extLst>
+          </p:cNvPr>
+          <p:cNvPicPr>
+            <a:picLocks noChangeAspect="1" noChangeArrowheads="1"/>
+          </p:cNvPicPr>
+          <p:nvPr/>
+        </p:nvPicPr>
+        <p:blipFill>
+          <a:blip r:embed="rId4" cstate="print">
+            <a:extLst>
+              <a:ext uri="{28A0092B-C50C-407E-A947-70E740481C1C}">
+                <a14:useLocalDpi xmlns:a14="http://schemas.microsoft.com/office/drawing/2010/main" val="0"/>
+              </a:ext>
+            </a:extLst>
+          </a:blip>
+          <a:srcRect/>
+          <a:stretch>
+            <a:fillRect/>
+          </a:stretch>
+        </p:blipFill>
+        <p:spPr bwMode="auto">
+          <a:xfrm>
+            <a:off x="5004048" y="2901300"/>
+            <a:ext cx="648072" cy="648072"/>
+          </a:xfrm>
+          <a:prstGeom prst="rect">
+            <a:avLst/>
+          </a:prstGeom>
+          <a:noFill/>
+          <a:extLst>
+            <a:ext uri="{909E8E84-426E-40DD-AFC4-6F175D3DCCD1}">
+              <a14:hiddenFill xmlns:a14="http://schemas.microsoft.com/office/drawing/2010/main">
+                <a:solidFill>
+                  <a:srgbClr val="FFFFFF"/>
+                </a:solidFill>
+              </a14:hiddenFill>
+            </a:ext>
+          </a:extLst>
+        </p:spPr>
+      </p:pic>
+    </p:spTree>
+    <p:extLst>
+      <p:ext uri="{BB962C8B-B14F-4D97-AF65-F5344CB8AC3E}">
+        <p14:creationId xmlns:p14="http://schemas.microsoft.com/office/powerpoint/2010/main" val="2638606108"/>
+      </p:ext>
+    </p:extLst>
+  </p:cSld>
+  <p:clrMapOvr>
+    <a:masterClrMapping/>
+  </p:clrMapOvr>
+</p:sld>
+</file>
+
+<file path=ppt/slides/slide16.xml><?xml version="1.0" encoding="utf-8"?>
+<p:sld xmlns:a="http://schemas.openxmlformats.org/drawingml/2006/main" xmlns:r="http://schemas.openxmlformats.org/officeDocument/2006/relationships" xmlns:p="http://schemas.openxmlformats.org/presentationml/2006/main">
+  <p:cSld>
+    <p:spTree>
+      <p:nvGrpSpPr>
+        <p:cNvPr id="1" name=""/>
+        <p:cNvGrpSpPr/>
+        <p:nvPr/>
+      </p:nvGrpSpPr>
+      <p:grpSpPr>
+        <a:xfrm>
+          <a:off x="0" y="0"/>
+          <a:ext cx="0" cy="0"/>
+          <a:chOff x="0" y="0"/>
+          <a:chExt cx="0" cy="0"/>
+        </a:xfrm>
+      </p:grpSpPr>
+      <p:sp>
+        <p:nvSpPr>
+          <p:cNvPr id="3" name="Titre 2">
+            <a:extLst>
+              <a:ext uri="{FF2B5EF4-FFF2-40B4-BE49-F238E27FC236}">
+                <a16:creationId xmlns:a16="http://schemas.microsoft.com/office/drawing/2014/main" id="{746691C5-6519-4796-BF8F-9A439BF5E530}"/>
+              </a:ext>
+            </a:extLst>
+          </p:cNvPr>
+          <p:cNvSpPr>
+            <a:spLocks noGrp="1"/>
+          </p:cNvSpPr>
+          <p:nvPr>
+            <p:ph type="title"/>
+          </p:nvPr>
+        </p:nvSpPr>
+        <p:spPr>
+          <a:xfrm>
+            <a:off x="396000" y="545906"/>
+            <a:ext cx="8748000" cy="479756"/>
+          </a:xfrm>
+        </p:spPr>
+        <p:txBody>
+          <a:bodyPr/>
+          <a:lstStyle/>
+          <a:p>
+            <a:r>
+              <a:rPr lang="fr-FR" sz="1200" dirty="0"/>
+              <a:t>Mon projet chef d’œuvre « Smart Fitness »: </a:t>
+            </a:r>
+            <a:r>
+              <a:rPr lang="fr-FR" dirty="0"/>
+              <a:t>La conception et le codage </a:t>
+            </a:r>
+            <a:br>
+              <a:rPr lang="fr-FR" dirty="0"/>
+            </a:br>
+            <a:r>
+              <a:rPr lang="fr-FR" dirty="0"/>
+              <a:t> 5. Le </a:t>
+            </a:r>
+            <a:r>
+              <a:rPr lang="fr-FR" dirty="0" err="1"/>
+              <a:t>front-end</a:t>
+            </a:r>
+            <a:endParaRPr lang="fr-FR" dirty="0"/>
+          </a:p>
+        </p:txBody>
+      </p:sp>
+      <p:pic>
+        <p:nvPicPr>
+          <p:cNvPr id="6" name="Image 5">
+            <a:extLst>
+              <a:ext uri="{FF2B5EF4-FFF2-40B4-BE49-F238E27FC236}">
+                <a16:creationId xmlns:a16="http://schemas.microsoft.com/office/drawing/2014/main" id="{B404193D-051D-467B-AF95-8D1F22A5439B}"/>
+              </a:ext>
+            </a:extLst>
+          </p:cNvPr>
+          <p:cNvPicPr>
+            <a:picLocks noChangeAspect="1"/>
+          </p:cNvPicPr>
+          <p:nvPr/>
+        </p:nvPicPr>
+        <p:blipFill>
+          <a:blip r:embed="rId2">
+            <a:lum/>
+            <a:alphaModFix/>
+          </a:blip>
+          <a:srcRect/>
+          <a:stretch>
+            <a:fillRect/>
+          </a:stretch>
+        </p:blipFill>
         <p:spPr>
           <a:xfrm>
             <a:off x="1547664" y="1239930"/>
@@ -3549,7 +5847,7 @@
 </p:sld>
 </file>
 
-<file path=ppt/slides/slide11.xml><?xml version="1.0" encoding="utf-8"?>
+<file path=ppt/slides/slide17.xml><?xml version="1.0" encoding="utf-8"?>
 <p:sld xmlns:a="http://schemas.openxmlformats.org/drawingml/2006/main" xmlns:r="http://schemas.openxmlformats.org/officeDocument/2006/relationships" xmlns:p="http://schemas.openxmlformats.org/presentationml/2006/main">
   <p:cSld>
     <p:spTree>
@@ -3899,7 +6197,7 @@
 </p:sld>
 </file>
 
-<file path=ppt/slides/slide12.xml><?xml version="1.0" encoding="utf-8"?>
+<file path=ppt/slides/slide18.xml><?xml version="1.0" encoding="utf-8"?>
 <p:sld xmlns:a="http://schemas.openxmlformats.org/drawingml/2006/main" xmlns:r="http://schemas.openxmlformats.org/officeDocument/2006/relationships" xmlns:p="http://schemas.openxmlformats.org/presentationml/2006/main">
   <p:cSld>
     <p:spTree>
@@ -4261,1436 +6559,6 @@
 </p:sld>
 </file>
 
-<file path=ppt/slides/slide13.xml><?xml version="1.0" encoding="utf-8"?>
-<p:sld xmlns:a="http://schemas.openxmlformats.org/drawingml/2006/main" xmlns:r="http://schemas.openxmlformats.org/officeDocument/2006/relationships" xmlns:p="http://schemas.openxmlformats.org/presentationml/2006/main">
-  <p:cSld>
-    <p:spTree>
-      <p:nvGrpSpPr>
-        <p:cNvPr id="1" name=""/>
-        <p:cNvGrpSpPr/>
-        <p:nvPr/>
-      </p:nvGrpSpPr>
-      <p:grpSpPr>
-        <a:xfrm>
-          <a:off x="0" y="0"/>
-          <a:ext cx="0" cy="0"/>
-          <a:chOff x="0" y="0"/>
-          <a:chExt cx="0" cy="0"/>
-        </a:xfrm>
-      </p:grpSpPr>
-      <p:sp>
-        <p:nvSpPr>
-          <p:cNvPr id="3" name="Titre 2">
-            <a:extLst>
-              <a:ext uri="{FF2B5EF4-FFF2-40B4-BE49-F238E27FC236}">
-                <a16:creationId xmlns:a16="http://schemas.microsoft.com/office/drawing/2014/main" id="{746691C5-6519-4796-BF8F-9A439BF5E530}"/>
-              </a:ext>
-            </a:extLst>
-          </p:cNvPr>
-          <p:cNvSpPr>
-            <a:spLocks noGrp="1"/>
-          </p:cNvSpPr>
-          <p:nvPr>
-            <p:ph type="title"/>
-          </p:nvPr>
-        </p:nvSpPr>
-        <p:spPr>
-          <a:xfrm>
-            <a:off x="396000" y="545906"/>
-            <a:ext cx="8748000" cy="479756"/>
-          </a:xfrm>
-        </p:spPr>
-        <p:txBody>
-          <a:bodyPr/>
-          <a:lstStyle/>
-          <a:p>
-            <a:r>
-              <a:rPr lang="fr-FR" sz="1200" dirty="0"/>
-              <a:t>Mon projet chef d’œuvre « Smart Fitness »: </a:t>
-            </a:r>
-            <a:r>
-              <a:rPr lang="fr-FR" dirty="0"/>
-              <a:t>La conception et le codage</a:t>
-            </a:r>
-            <a:br>
-              <a:rPr lang="fr-FR" dirty="0"/>
-            </a:br>
-            <a:r>
-              <a:rPr lang="fr-FR" dirty="0"/>
-              <a:t> 8. Le </a:t>
-            </a:r>
-            <a:r>
-              <a:rPr lang="fr-FR" dirty="0" err="1"/>
-              <a:t>back-end</a:t>
-            </a:r>
-            <a:endParaRPr lang="fr-FR" dirty="0"/>
-          </a:p>
-        </p:txBody>
-      </p:sp>
-      <p:pic>
-        <p:nvPicPr>
-          <p:cNvPr id="5" name="Image 4">
-            <a:extLst>
-              <a:ext uri="{FF2B5EF4-FFF2-40B4-BE49-F238E27FC236}">
-                <a16:creationId xmlns:a16="http://schemas.microsoft.com/office/drawing/2014/main" id="{1FD00D04-D222-49D8-8247-B9453DFE66E6}"/>
-              </a:ext>
-            </a:extLst>
-          </p:cNvPr>
-          <p:cNvPicPr>
-            <a:picLocks noChangeAspect="1"/>
-          </p:cNvPicPr>
-          <p:nvPr/>
-        </p:nvPicPr>
-        <p:blipFill>
-          <a:blip r:embed="rId2">
-            <a:lum/>
-            <a:alphaModFix/>
-          </a:blip>
-          <a:srcRect/>
-          <a:stretch>
-            <a:fillRect/>
-          </a:stretch>
-        </p:blipFill>
-        <p:spPr>
-          <a:xfrm>
-            <a:off x="2051720" y="810942"/>
-            <a:ext cx="5789063" cy="3888432"/>
-          </a:xfrm>
-          <a:prstGeom prst="rect">
-            <a:avLst/>
-          </a:prstGeom>
-          <a:noFill/>
-          <a:ln>
-            <a:noFill/>
-          </a:ln>
-        </p:spPr>
-      </p:pic>
-    </p:spTree>
-    <p:extLst>
-      <p:ext uri="{BB962C8B-B14F-4D97-AF65-F5344CB8AC3E}">
-        <p14:creationId xmlns:p14="http://schemas.microsoft.com/office/powerpoint/2010/main" val="2204857907"/>
-      </p:ext>
-    </p:extLst>
-  </p:cSld>
-  <p:clrMapOvr>
-    <a:masterClrMapping/>
-  </p:clrMapOvr>
-</p:sld>
-</file>
-
-<file path=ppt/slides/slide14.xml><?xml version="1.0" encoding="utf-8"?>
-<p:sld xmlns:a="http://schemas.openxmlformats.org/drawingml/2006/main" xmlns:r="http://schemas.openxmlformats.org/officeDocument/2006/relationships" xmlns:p="http://schemas.openxmlformats.org/presentationml/2006/main">
-  <p:cSld>
-    <p:spTree>
-      <p:nvGrpSpPr>
-        <p:cNvPr id="1" name=""/>
-        <p:cNvGrpSpPr/>
-        <p:nvPr/>
-      </p:nvGrpSpPr>
-      <p:grpSpPr>
-        <a:xfrm>
-          <a:off x="0" y="0"/>
-          <a:ext cx="0" cy="0"/>
-          <a:chOff x="0" y="0"/>
-          <a:chExt cx="0" cy="0"/>
-        </a:xfrm>
-      </p:grpSpPr>
-      <p:sp>
-        <p:nvSpPr>
-          <p:cNvPr id="4" name="Espace réservé du contenu 3">
-            <a:extLst>
-              <a:ext uri="{FF2B5EF4-FFF2-40B4-BE49-F238E27FC236}">
-                <a16:creationId xmlns:a16="http://schemas.microsoft.com/office/drawing/2014/main" id="{44460E9F-FAAA-4EA8-9D47-3FC6440FC489}"/>
-              </a:ext>
-            </a:extLst>
-          </p:cNvPr>
-          <p:cNvSpPr>
-            <a:spLocks noGrp="1"/>
-          </p:cNvSpPr>
-          <p:nvPr>
-            <p:ph idx="1"/>
-          </p:nvPr>
-        </p:nvSpPr>
-        <p:spPr/>
-        <p:txBody>
-          <a:bodyPr/>
-          <a:lstStyle/>
-          <a:p>
-            <a:pPr lvl="0">
-              <a:buSzPct val="45000"/>
-            </a:pPr>
-            <a:r>
-              <a:rPr lang="fr-FR" dirty="0"/>
-              <a:t>Le Modèle MVCL (Modèle Vue Contrôleur Logique métier)</a:t>
-            </a:r>
-          </a:p>
-          <a:p>
-            <a:endParaRPr lang="fr-FR" dirty="0"/>
-          </a:p>
-        </p:txBody>
-      </p:sp>
-      <p:sp>
-        <p:nvSpPr>
-          <p:cNvPr id="3" name="Titre 2">
-            <a:extLst>
-              <a:ext uri="{FF2B5EF4-FFF2-40B4-BE49-F238E27FC236}">
-                <a16:creationId xmlns:a16="http://schemas.microsoft.com/office/drawing/2014/main" id="{746691C5-6519-4796-BF8F-9A439BF5E530}"/>
-              </a:ext>
-            </a:extLst>
-          </p:cNvPr>
-          <p:cNvSpPr>
-            <a:spLocks noGrp="1"/>
-          </p:cNvSpPr>
-          <p:nvPr>
-            <p:ph type="title"/>
-          </p:nvPr>
-        </p:nvSpPr>
-        <p:spPr/>
-        <p:txBody>
-          <a:bodyPr/>
-          <a:lstStyle/>
-          <a:p>
-            <a:r>
-              <a:rPr lang="fr-FR" sz="1200" dirty="0"/>
-              <a:t>Mon projet chef d’œuvre « Smart Fitness »: </a:t>
-            </a:r>
-            <a:r>
-              <a:rPr lang="fr-FR" dirty="0"/>
-              <a:t>La conception et le codage</a:t>
-            </a:r>
-            <a:br>
-              <a:rPr lang="fr-FR" dirty="0"/>
-            </a:br>
-            <a:r>
-              <a:rPr lang="fr-FR" dirty="0"/>
-              <a:t> 9. Le modèle MVC + L</a:t>
-            </a:r>
-          </a:p>
-        </p:txBody>
-      </p:sp>
-      <p:pic>
-        <p:nvPicPr>
-          <p:cNvPr id="8" name="Image 7">
-            <a:extLst>
-              <a:ext uri="{FF2B5EF4-FFF2-40B4-BE49-F238E27FC236}">
-                <a16:creationId xmlns:a16="http://schemas.microsoft.com/office/drawing/2014/main" id="{2BB9A88C-1DA7-4F44-8781-9FF3BD9ED600}"/>
-              </a:ext>
-            </a:extLst>
-          </p:cNvPr>
-          <p:cNvPicPr>
-            <a:picLocks noChangeAspect="1"/>
-          </p:cNvPicPr>
-          <p:nvPr/>
-        </p:nvPicPr>
-        <p:blipFill>
-          <a:blip r:embed="rId2">
-            <a:lum/>
-            <a:alphaModFix/>
-            <a:extLst>
-              <a:ext uri="{28A0092B-C50C-407E-A947-70E740481C1C}">
-                <a14:useLocalDpi xmlns:a14="http://schemas.microsoft.com/office/drawing/2010/main" val="0"/>
-              </a:ext>
-            </a:extLst>
-          </a:blip>
-          <a:srcRect/>
-          <a:stretch>
-            <a:fillRect/>
-          </a:stretch>
-        </p:blipFill>
-        <p:spPr>
-          <a:xfrm>
-            <a:off x="759812" y="2067694"/>
-            <a:ext cx="7624377" cy="1567391"/>
-          </a:xfrm>
-          <a:prstGeom prst="rect">
-            <a:avLst/>
-          </a:prstGeom>
-          <a:noFill/>
-          <a:ln>
-            <a:noFill/>
-          </a:ln>
-        </p:spPr>
-      </p:pic>
-    </p:spTree>
-    <p:extLst>
-      <p:ext uri="{BB962C8B-B14F-4D97-AF65-F5344CB8AC3E}">
-        <p14:creationId xmlns:p14="http://schemas.microsoft.com/office/powerpoint/2010/main" val="3484586290"/>
-      </p:ext>
-    </p:extLst>
-  </p:cSld>
-  <p:clrMapOvr>
-    <a:masterClrMapping/>
-  </p:clrMapOvr>
-</p:sld>
-</file>
-
-<file path=ppt/slides/slide15.xml><?xml version="1.0" encoding="utf-8"?>
-<p:sld xmlns:a="http://schemas.openxmlformats.org/drawingml/2006/main" xmlns:r="http://schemas.openxmlformats.org/officeDocument/2006/relationships" xmlns:p="http://schemas.openxmlformats.org/presentationml/2006/main">
-  <p:cSld>
-    <p:spTree>
-      <p:nvGrpSpPr>
-        <p:cNvPr id="1" name=""/>
-        <p:cNvGrpSpPr/>
-        <p:nvPr/>
-      </p:nvGrpSpPr>
-      <p:grpSpPr>
-        <a:xfrm>
-          <a:off x="0" y="0"/>
-          <a:ext cx="0" cy="0"/>
-          <a:chOff x="0" y="0"/>
-          <a:chExt cx="0" cy="0"/>
-        </a:xfrm>
-      </p:grpSpPr>
-      <p:sp>
-        <p:nvSpPr>
-          <p:cNvPr id="3" name="Titre 2">
-            <a:extLst>
-              <a:ext uri="{FF2B5EF4-FFF2-40B4-BE49-F238E27FC236}">
-                <a16:creationId xmlns:a16="http://schemas.microsoft.com/office/drawing/2014/main" id="{746691C5-6519-4796-BF8F-9A439BF5E530}"/>
-              </a:ext>
-            </a:extLst>
-          </p:cNvPr>
-          <p:cNvSpPr>
-            <a:spLocks noGrp="1"/>
-          </p:cNvSpPr>
-          <p:nvPr>
-            <p:ph type="title"/>
-          </p:nvPr>
-        </p:nvSpPr>
-        <p:spPr/>
-        <p:txBody>
-          <a:bodyPr/>
-          <a:lstStyle/>
-          <a:p>
-            <a:r>
-              <a:rPr lang="fr-FR" sz="1200" dirty="0"/>
-              <a:t>Mon projet chef d’œuvre « Smart Fitness »: </a:t>
-            </a:r>
-            <a:r>
-              <a:rPr lang="fr-FR" dirty="0"/>
-              <a:t>La conception et le codage</a:t>
-            </a:r>
-            <a:br>
-              <a:rPr lang="fr-FR" dirty="0"/>
-            </a:br>
-            <a:r>
-              <a:rPr lang="fr-FR" dirty="0"/>
-              <a:t> 10. Le CSRF</a:t>
-            </a:r>
-          </a:p>
-        </p:txBody>
-      </p:sp>
-      <p:pic>
-        <p:nvPicPr>
-          <p:cNvPr id="8" name="Image 7">
-            <a:extLst>
-              <a:ext uri="{FF2B5EF4-FFF2-40B4-BE49-F238E27FC236}">
-                <a16:creationId xmlns:a16="http://schemas.microsoft.com/office/drawing/2014/main" id="{CC3795A5-38C3-4528-AAC2-E8BD54CDA498}"/>
-              </a:ext>
-            </a:extLst>
-          </p:cNvPr>
-          <p:cNvPicPr>
-            <a:picLocks noChangeAspect="1"/>
-          </p:cNvPicPr>
-          <p:nvPr/>
-        </p:nvPicPr>
-        <p:blipFill>
-          <a:blip r:embed="rId2">
-            <a:lum/>
-            <a:alphaModFix/>
-          </a:blip>
-          <a:srcRect/>
-          <a:stretch>
-            <a:fillRect/>
-          </a:stretch>
-        </p:blipFill>
-        <p:spPr>
-          <a:xfrm>
-            <a:off x="1009994" y="2855063"/>
-            <a:ext cx="2739182" cy="1535038"/>
-          </a:xfrm>
-          <a:prstGeom prst="rect">
-            <a:avLst/>
-          </a:prstGeom>
-          <a:noFill/>
-          <a:ln>
-            <a:noFill/>
-          </a:ln>
-        </p:spPr>
-      </p:pic>
-      <p:sp>
-        <p:nvSpPr>
-          <p:cNvPr id="9" name="Rectangle 8">
-            <a:extLst>
-              <a:ext uri="{FF2B5EF4-FFF2-40B4-BE49-F238E27FC236}">
-                <a16:creationId xmlns:a16="http://schemas.microsoft.com/office/drawing/2014/main" id="{57569E5C-4FFE-4564-970C-03122ABEC3D3}"/>
-              </a:ext>
-            </a:extLst>
-          </p:cNvPr>
-          <p:cNvSpPr/>
-          <p:nvPr/>
-        </p:nvSpPr>
-        <p:spPr>
-          <a:xfrm>
-            <a:off x="428016" y="2067694"/>
-            <a:ext cx="3960440" cy="646331"/>
-          </a:xfrm>
-          <a:prstGeom prst="rect">
-            <a:avLst/>
-          </a:prstGeom>
-        </p:spPr>
-        <p:txBody>
-          <a:bodyPr wrap="square">
-            <a:spAutoFit/>
-          </a:bodyPr>
-          <a:lstStyle/>
-          <a:p>
-            <a:pPr lvl="0" hangingPunct="0"/>
-            <a:r>
-              <a:rPr lang="fr-FR" dirty="0">
-                <a:latin typeface="Arial" pitchFamily="18"/>
-                <a:ea typeface="DejaVu Sans" pitchFamily="2"/>
-                <a:cs typeface="DejaVu Sans" pitchFamily="2"/>
-              </a:rPr>
-              <a:t>CSRF – Cross-Site </a:t>
-            </a:r>
-            <a:r>
-              <a:rPr lang="fr-FR" dirty="0" err="1">
-                <a:latin typeface="Arial" pitchFamily="18"/>
-                <a:ea typeface="DejaVu Sans" pitchFamily="2"/>
-                <a:cs typeface="DejaVu Sans" pitchFamily="2"/>
-              </a:rPr>
-              <a:t>Request</a:t>
-            </a:r>
-            <a:r>
-              <a:rPr lang="fr-FR" dirty="0">
-                <a:latin typeface="Arial" pitchFamily="18"/>
-                <a:ea typeface="DejaVu Sans" pitchFamily="2"/>
-                <a:cs typeface="DejaVu Sans" pitchFamily="2"/>
-              </a:rPr>
-              <a:t> </a:t>
-            </a:r>
-            <a:r>
-              <a:rPr lang="fr-FR" dirty="0" err="1">
-                <a:latin typeface="Arial" pitchFamily="18"/>
-                <a:ea typeface="DejaVu Sans" pitchFamily="2"/>
-                <a:cs typeface="DejaVu Sans" pitchFamily="2"/>
-              </a:rPr>
-              <a:t>Forgery</a:t>
-            </a:r>
-            <a:endParaRPr lang="fr-FR" sz="1600" dirty="0"/>
-          </a:p>
-          <a:p>
-            <a:pPr lvl="0" hangingPunct="0"/>
-            <a:endParaRPr lang="fr-FR" i="1" dirty="0">
-              <a:latin typeface="Arial" pitchFamily="18"/>
-              <a:ea typeface="DejaVu Sans" pitchFamily="2"/>
-              <a:cs typeface="DejaVu Sans" pitchFamily="2"/>
-            </a:endParaRPr>
-          </a:p>
-        </p:txBody>
-      </p:sp>
-      <p:pic>
-        <p:nvPicPr>
-          <p:cNvPr id="10" name="Image 9">
-            <a:extLst>
-              <a:ext uri="{FF2B5EF4-FFF2-40B4-BE49-F238E27FC236}">
-                <a16:creationId xmlns:a16="http://schemas.microsoft.com/office/drawing/2014/main" id="{81A3A02B-8B8F-4C1B-9520-D1D4AEC99FC1}"/>
-              </a:ext>
-            </a:extLst>
-          </p:cNvPr>
-          <p:cNvPicPr>
-            <a:picLocks noChangeAspect="1"/>
-          </p:cNvPicPr>
-          <p:nvPr/>
-        </p:nvPicPr>
-        <p:blipFill>
-          <a:blip r:embed="rId3">
-            <a:lum/>
-            <a:alphaModFix/>
-          </a:blip>
-          <a:srcRect/>
-          <a:stretch>
-            <a:fillRect/>
-          </a:stretch>
-        </p:blipFill>
-        <p:spPr>
-          <a:xfrm>
-            <a:off x="4698060" y="3451433"/>
-            <a:ext cx="4445940" cy="792179"/>
-          </a:xfrm>
-          <a:prstGeom prst="rect">
-            <a:avLst/>
-          </a:prstGeom>
-          <a:noFill/>
-          <a:ln>
-            <a:noFill/>
-          </a:ln>
-        </p:spPr>
-      </p:pic>
-      <p:pic>
-        <p:nvPicPr>
-          <p:cNvPr id="12" name="Picture 2" descr="security(2016)73">
-            <a:extLst>
-              <a:ext uri="{FF2B5EF4-FFF2-40B4-BE49-F238E27FC236}">
-                <a16:creationId xmlns:a16="http://schemas.microsoft.com/office/drawing/2014/main" id="{56B76564-0748-4D38-92C4-E96ADB11100F}"/>
-              </a:ext>
-            </a:extLst>
-          </p:cNvPr>
-          <p:cNvPicPr>
-            <a:picLocks noChangeAspect="1" noChangeArrowheads="1"/>
-          </p:cNvPicPr>
-          <p:nvPr/>
-        </p:nvPicPr>
-        <p:blipFill>
-          <a:blip r:embed="rId4" cstate="print">
-            <a:extLst>
-              <a:ext uri="{28A0092B-C50C-407E-A947-70E740481C1C}">
-                <a14:useLocalDpi xmlns:a14="http://schemas.microsoft.com/office/drawing/2010/main" val="0"/>
-              </a:ext>
-            </a:extLst>
-          </a:blip>
-          <a:srcRect/>
-          <a:stretch>
-            <a:fillRect/>
-          </a:stretch>
-        </p:blipFill>
-        <p:spPr bwMode="auto">
-          <a:xfrm>
-            <a:off x="6372200" y="1102042"/>
-            <a:ext cx="648072" cy="648072"/>
-          </a:xfrm>
-          <a:prstGeom prst="rect">
-            <a:avLst/>
-          </a:prstGeom>
-          <a:noFill/>
-          <a:extLst>
-            <a:ext uri="{909E8E84-426E-40DD-AFC4-6F175D3DCCD1}">
-              <a14:hiddenFill xmlns:a14="http://schemas.microsoft.com/office/drawing/2010/main">
-                <a:solidFill>
-                  <a:srgbClr val="FFFFFF"/>
-                </a:solidFill>
-              </a14:hiddenFill>
-            </a:ext>
-          </a:extLst>
-        </p:spPr>
-      </p:pic>
-      <p:pic>
-        <p:nvPicPr>
-          <p:cNvPr id="14" name="Image 13" descr="Une image contenant clipart&#10;&#10;Description générée automatiquement">
-            <a:extLst>
-              <a:ext uri="{FF2B5EF4-FFF2-40B4-BE49-F238E27FC236}">
-                <a16:creationId xmlns:a16="http://schemas.microsoft.com/office/drawing/2014/main" id="{66B681C1-4AE6-43F8-9264-7C24963A6D4B}"/>
-              </a:ext>
-            </a:extLst>
-          </p:cNvPr>
-          <p:cNvPicPr>
-            <a:picLocks noChangeAspect="1"/>
-          </p:cNvPicPr>
-          <p:nvPr/>
-        </p:nvPicPr>
-        <p:blipFill>
-          <a:blip r:embed="rId5" cstate="print">
-            <a:extLst>
-              <a:ext uri="{28A0092B-C50C-407E-A947-70E740481C1C}">
-                <a14:useLocalDpi xmlns:a14="http://schemas.microsoft.com/office/drawing/2010/main" val="0"/>
-              </a:ext>
-            </a:extLst>
-          </a:blip>
-          <a:stretch>
-            <a:fillRect/>
-          </a:stretch>
-        </p:blipFill>
-        <p:spPr>
-          <a:xfrm>
-            <a:off x="1928743" y="1082008"/>
-            <a:ext cx="958986" cy="771026"/>
-          </a:xfrm>
-          <a:prstGeom prst="rect">
-            <a:avLst/>
-          </a:prstGeom>
-        </p:spPr>
-      </p:pic>
-      <p:cxnSp>
-        <p:nvCxnSpPr>
-          <p:cNvPr id="15" name="Connecteur droit 14">
-            <a:extLst>
-              <a:ext uri="{FF2B5EF4-FFF2-40B4-BE49-F238E27FC236}">
-                <a16:creationId xmlns:a16="http://schemas.microsoft.com/office/drawing/2014/main" id="{0E1EEFD2-E559-4268-80C8-E9110E8DF333}"/>
-              </a:ext>
-            </a:extLst>
-          </p:cNvPr>
-          <p:cNvCxnSpPr/>
-          <p:nvPr/>
-        </p:nvCxnSpPr>
-        <p:spPr>
-          <a:xfrm>
-            <a:off x="4572000" y="1194069"/>
-            <a:ext cx="0" cy="3321988"/>
-          </a:xfrm>
-          <a:prstGeom prst="line">
-            <a:avLst/>
-          </a:prstGeom>
-        </p:spPr>
-        <p:style>
-          <a:lnRef idx="1">
-            <a:schemeClr val="accent1"/>
-          </a:lnRef>
-          <a:fillRef idx="0">
-            <a:schemeClr val="accent1"/>
-          </a:fillRef>
-          <a:effectRef idx="0">
-            <a:schemeClr val="accent1"/>
-          </a:effectRef>
-          <a:fontRef idx="minor">
-            <a:schemeClr val="tx1"/>
-          </a:fontRef>
-        </p:style>
-      </p:cxnSp>
-      <p:pic>
-        <p:nvPicPr>
-          <p:cNvPr id="16" name="Picture 4" descr="Image associÃ©e">
-            <a:extLst>
-              <a:ext uri="{FF2B5EF4-FFF2-40B4-BE49-F238E27FC236}">
-                <a16:creationId xmlns:a16="http://schemas.microsoft.com/office/drawing/2014/main" id="{C45B2EBE-42E0-4C40-B1FF-DBF80337F4BC}"/>
-              </a:ext>
-            </a:extLst>
-          </p:cNvPr>
-          <p:cNvPicPr>
-            <a:picLocks noChangeAspect="1" noChangeArrowheads="1"/>
-          </p:cNvPicPr>
-          <p:nvPr/>
-        </p:nvPicPr>
-        <p:blipFill rotWithShape="1">
-          <a:blip r:embed="rId6" cstate="print">
-            <a:extLst>
-              <a:ext uri="{28A0092B-C50C-407E-A947-70E740481C1C}">
-                <a14:useLocalDpi xmlns:a14="http://schemas.microsoft.com/office/drawing/2010/main" val="0"/>
-              </a:ext>
-            </a:extLst>
-          </a:blip>
-          <a:srcRect/>
-          <a:stretch/>
-        </p:blipFill>
-        <p:spPr bwMode="auto">
-          <a:xfrm>
-            <a:off x="4755545" y="1750114"/>
-            <a:ext cx="3784418" cy="1584175"/>
-          </a:xfrm>
-          <a:prstGeom prst="rect">
-            <a:avLst/>
-          </a:prstGeom>
-          <a:noFill/>
-          <a:extLst>
-            <a:ext uri="{909E8E84-426E-40DD-AFC4-6F175D3DCCD1}">
-              <a14:hiddenFill xmlns:a14="http://schemas.microsoft.com/office/drawing/2010/main">
-                <a:solidFill>
-                  <a:srgbClr val="FFFFFF"/>
-                </a:solidFill>
-              </a14:hiddenFill>
-            </a:ext>
-          </a:extLst>
-        </p:spPr>
-      </p:pic>
-    </p:spTree>
-    <p:extLst>
-      <p:ext uri="{BB962C8B-B14F-4D97-AF65-F5344CB8AC3E}">
-        <p14:creationId xmlns:p14="http://schemas.microsoft.com/office/powerpoint/2010/main" val="1839105398"/>
-      </p:ext>
-    </p:extLst>
-  </p:cSld>
-  <p:clrMapOvr>
-    <a:masterClrMapping/>
-  </p:clrMapOvr>
-</p:sld>
-</file>
-
-<file path=ppt/slides/slide16.xml><?xml version="1.0" encoding="utf-8"?>
-<p:sld xmlns:a="http://schemas.openxmlformats.org/drawingml/2006/main" xmlns:r="http://schemas.openxmlformats.org/officeDocument/2006/relationships" xmlns:p="http://schemas.openxmlformats.org/presentationml/2006/main">
-  <p:cSld>
-    <p:spTree>
-      <p:nvGrpSpPr>
-        <p:cNvPr id="1" name=""/>
-        <p:cNvGrpSpPr/>
-        <p:nvPr/>
-      </p:nvGrpSpPr>
-      <p:grpSpPr>
-        <a:xfrm>
-          <a:off x="0" y="0"/>
-          <a:ext cx="0" cy="0"/>
-          <a:chOff x="0" y="0"/>
-          <a:chExt cx="0" cy="0"/>
-        </a:xfrm>
-      </p:grpSpPr>
-      <p:sp>
-        <p:nvSpPr>
-          <p:cNvPr id="4" name="Espace réservé du contenu 3">
-            <a:extLst>
-              <a:ext uri="{FF2B5EF4-FFF2-40B4-BE49-F238E27FC236}">
-                <a16:creationId xmlns:a16="http://schemas.microsoft.com/office/drawing/2014/main" id="{44460E9F-FAAA-4EA8-9D47-3FC6440FC489}"/>
-              </a:ext>
-            </a:extLst>
-          </p:cNvPr>
-          <p:cNvSpPr>
-            <a:spLocks noGrp="1"/>
-          </p:cNvSpPr>
-          <p:nvPr>
-            <p:ph idx="1"/>
-          </p:nvPr>
-        </p:nvSpPr>
-        <p:spPr>
-          <a:xfrm>
-            <a:off x="396000" y="1544422"/>
-            <a:ext cx="8352000" cy="2952328"/>
-          </a:xfrm>
-        </p:spPr>
-        <p:txBody>
-          <a:bodyPr/>
-          <a:lstStyle/>
-          <a:p>
-            <a:pPr>
-              <a:buSzPct val="45000"/>
-            </a:pPr>
-            <a:r>
-              <a:rPr lang="fr-FR" dirty="0"/>
-              <a:t>Les composants d’accès</a:t>
-            </a:r>
-          </a:p>
-          <a:p>
-            <a:pPr lvl="0">
-              <a:buSzPct val="45000"/>
-            </a:pPr>
-            <a:endParaRPr lang="fr-FR" dirty="0"/>
-          </a:p>
-          <a:p>
-            <a:endParaRPr lang="fr-FR" dirty="0"/>
-          </a:p>
-        </p:txBody>
-      </p:sp>
-      <p:sp>
-        <p:nvSpPr>
-          <p:cNvPr id="3" name="Titre 2">
-            <a:extLst>
-              <a:ext uri="{FF2B5EF4-FFF2-40B4-BE49-F238E27FC236}">
-                <a16:creationId xmlns:a16="http://schemas.microsoft.com/office/drawing/2014/main" id="{746691C5-6519-4796-BF8F-9A439BF5E530}"/>
-              </a:ext>
-            </a:extLst>
-          </p:cNvPr>
-          <p:cNvSpPr>
-            <a:spLocks noGrp="1"/>
-          </p:cNvSpPr>
-          <p:nvPr>
-            <p:ph type="title"/>
-          </p:nvPr>
-        </p:nvSpPr>
-        <p:spPr/>
-        <p:txBody>
-          <a:bodyPr/>
-          <a:lstStyle/>
-          <a:p>
-            <a:r>
-              <a:rPr lang="fr-FR" sz="1200" dirty="0"/>
-              <a:t>Mon projet chef d’œuvre « Smart Fitness »: </a:t>
-            </a:r>
-            <a:r>
-              <a:rPr lang="fr-FR" dirty="0"/>
-              <a:t>La conception et le codage</a:t>
-            </a:r>
-            <a:br>
-              <a:rPr lang="fr-FR" dirty="0"/>
-            </a:br>
-            <a:r>
-              <a:rPr lang="fr-FR" dirty="0"/>
-              <a:t> 11. Spring Data JPA</a:t>
-            </a:r>
-          </a:p>
-        </p:txBody>
-      </p:sp>
-      <p:pic>
-        <p:nvPicPr>
-          <p:cNvPr id="7" name="Image 6">
-            <a:extLst>
-              <a:ext uri="{FF2B5EF4-FFF2-40B4-BE49-F238E27FC236}">
-                <a16:creationId xmlns:a16="http://schemas.microsoft.com/office/drawing/2014/main" id="{AB232F2B-6831-4280-A56F-EEF543CF6B0A}"/>
-              </a:ext>
-            </a:extLst>
-          </p:cNvPr>
-          <p:cNvPicPr>
-            <a:picLocks noChangeAspect="1"/>
-          </p:cNvPicPr>
-          <p:nvPr/>
-        </p:nvPicPr>
-        <p:blipFill rotWithShape="1">
-          <a:blip r:embed="rId2">
-            <a:lum/>
-            <a:alphaModFix/>
-            <a:extLst>
-              <a:ext uri="{28A0092B-C50C-407E-A947-70E740481C1C}">
-                <a14:useLocalDpi xmlns:a14="http://schemas.microsoft.com/office/drawing/2010/main" val="0"/>
-              </a:ext>
-            </a:extLst>
-          </a:blip>
-          <a:srcRect b="81714"/>
-          <a:stretch/>
-        </p:blipFill>
-        <p:spPr>
-          <a:xfrm>
-            <a:off x="2411760" y="1416522"/>
-            <a:ext cx="4475880" cy="614496"/>
-          </a:xfrm>
-          <a:prstGeom prst="rect">
-            <a:avLst/>
-          </a:prstGeom>
-          <a:noFill/>
-          <a:ln>
-            <a:noFill/>
-          </a:ln>
-        </p:spPr>
-      </p:pic>
-      <p:sp>
-        <p:nvSpPr>
-          <p:cNvPr id="6" name="Rectangle 5">
-            <a:extLst>
-              <a:ext uri="{FF2B5EF4-FFF2-40B4-BE49-F238E27FC236}">
-                <a16:creationId xmlns:a16="http://schemas.microsoft.com/office/drawing/2014/main" id="{B271923E-3F29-4708-9BB4-349826DBF79F}"/>
-              </a:ext>
-            </a:extLst>
-          </p:cNvPr>
-          <p:cNvSpPr/>
-          <p:nvPr/>
-        </p:nvSpPr>
-        <p:spPr>
-          <a:xfrm>
-            <a:off x="683568" y="2290398"/>
-            <a:ext cx="7416824" cy="1205458"/>
-          </a:xfrm>
-          <a:prstGeom prst="rect">
-            <a:avLst/>
-          </a:prstGeom>
-        </p:spPr>
-        <p:txBody>
-          <a:bodyPr wrap="square">
-            <a:spAutoFit/>
-          </a:bodyPr>
-          <a:lstStyle/>
-          <a:p>
-            <a:pPr marL="0" lvl="1" indent="0" hangingPunct="0">
-              <a:spcBef>
-                <a:spcPts val="0"/>
-              </a:spcBef>
-              <a:spcAft>
-                <a:spcPts val="1148"/>
-              </a:spcAft>
-              <a:buSzPct val="75000"/>
-            </a:pPr>
-            <a:r>
-              <a:rPr lang="fr-FR" dirty="0">
-                <a:latin typeface="Liberation Sans" pitchFamily="34"/>
-              </a:rPr>
-              <a:t>- Mapping entités Modèle Objet / tables Base De Données</a:t>
-            </a:r>
-          </a:p>
-          <a:p>
-            <a:pPr marL="0" lvl="1" indent="0" hangingPunct="0">
-              <a:spcBef>
-                <a:spcPts val="0"/>
-              </a:spcBef>
-              <a:spcAft>
-                <a:spcPts val="1148"/>
-              </a:spcAft>
-              <a:buSzPct val="75000"/>
-            </a:pPr>
-            <a:r>
-              <a:rPr lang="fr-FR" dirty="0">
-                <a:latin typeface="Liberation Sans" pitchFamily="34"/>
-              </a:rPr>
-              <a:t>- </a:t>
-            </a:r>
-            <a:r>
-              <a:rPr lang="fr-FR" dirty="0" err="1">
-                <a:latin typeface="Liberation Sans" pitchFamily="34"/>
-              </a:rPr>
-              <a:t>JpaRepository</a:t>
-            </a:r>
-            <a:r>
-              <a:rPr lang="fr-FR" dirty="0">
-                <a:latin typeface="Liberation Sans" pitchFamily="34"/>
-              </a:rPr>
-              <a:t> ⇒ CRUD auto-générées</a:t>
-            </a:r>
-          </a:p>
-          <a:p>
-            <a:pPr marL="0" lvl="1" indent="0" hangingPunct="0">
-              <a:spcBef>
-                <a:spcPts val="0"/>
-              </a:spcBef>
-              <a:spcAft>
-                <a:spcPts val="1148"/>
-              </a:spcAft>
-              <a:buSzPct val="75000"/>
-            </a:pPr>
-            <a:r>
-              <a:rPr lang="fr-FR" dirty="0">
-                <a:latin typeface="Liberation Sans" pitchFamily="34"/>
-              </a:rPr>
-              <a:t>- Requêtes à partir des noms de méthodes</a:t>
-            </a:r>
-          </a:p>
-        </p:txBody>
-      </p:sp>
-    </p:spTree>
-    <p:extLst>
-      <p:ext uri="{BB962C8B-B14F-4D97-AF65-F5344CB8AC3E}">
-        <p14:creationId xmlns:p14="http://schemas.microsoft.com/office/powerpoint/2010/main" val="3425248531"/>
-      </p:ext>
-    </p:extLst>
-  </p:cSld>
-  <p:clrMapOvr>
-    <a:masterClrMapping/>
-  </p:clrMapOvr>
-</p:sld>
-</file>
-
-<file path=ppt/slides/slide17.xml><?xml version="1.0" encoding="utf-8"?>
-<p:sld xmlns:a="http://schemas.openxmlformats.org/drawingml/2006/main" xmlns:r="http://schemas.openxmlformats.org/officeDocument/2006/relationships" xmlns:p="http://schemas.openxmlformats.org/presentationml/2006/main">
-  <p:cSld>
-    <p:spTree>
-      <p:nvGrpSpPr>
-        <p:cNvPr id="1" name=""/>
-        <p:cNvGrpSpPr/>
-        <p:nvPr/>
-      </p:nvGrpSpPr>
-      <p:grpSpPr>
-        <a:xfrm>
-          <a:off x="0" y="0"/>
-          <a:ext cx="0" cy="0"/>
-          <a:chOff x="0" y="0"/>
-          <a:chExt cx="0" cy="0"/>
-        </a:xfrm>
-      </p:grpSpPr>
-      <p:sp>
-        <p:nvSpPr>
-          <p:cNvPr id="4" name="Espace réservé du contenu 3">
-            <a:extLst>
-              <a:ext uri="{FF2B5EF4-FFF2-40B4-BE49-F238E27FC236}">
-                <a16:creationId xmlns:a16="http://schemas.microsoft.com/office/drawing/2014/main" id="{44460E9F-FAAA-4EA8-9D47-3FC6440FC489}"/>
-              </a:ext>
-            </a:extLst>
-          </p:cNvPr>
-          <p:cNvSpPr>
-            <a:spLocks noGrp="1"/>
-          </p:cNvSpPr>
-          <p:nvPr>
-            <p:ph idx="1"/>
-          </p:nvPr>
-        </p:nvSpPr>
-        <p:spPr/>
-        <p:txBody>
-          <a:bodyPr/>
-          <a:lstStyle/>
-          <a:p>
-            <a:pPr>
-              <a:buSzPct val="45000"/>
-            </a:pPr>
-            <a:r>
-              <a:rPr lang="fr-FR" dirty="0"/>
-              <a:t>Les requêtes par noms de méthode</a:t>
-            </a:r>
-          </a:p>
-          <a:p>
-            <a:pPr lvl="0">
-              <a:buSzPct val="45000"/>
-            </a:pPr>
-            <a:endParaRPr lang="fr-FR" dirty="0"/>
-          </a:p>
-          <a:p>
-            <a:endParaRPr lang="fr-FR" dirty="0"/>
-          </a:p>
-        </p:txBody>
-      </p:sp>
-      <p:sp>
-        <p:nvSpPr>
-          <p:cNvPr id="3" name="Titre 2">
-            <a:extLst>
-              <a:ext uri="{FF2B5EF4-FFF2-40B4-BE49-F238E27FC236}">
-                <a16:creationId xmlns:a16="http://schemas.microsoft.com/office/drawing/2014/main" id="{746691C5-6519-4796-BF8F-9A439BF5E530}"/>
-              </a:ext>
-            </a:extLst>
-          </p:cNvPr>
-          <p:cNvSpPr>
-            <a:spLocks noGrp="1"/>
-          </p:cNvSpPr>
-          <p:nvPr>
-            <p:ph type="title"/>
-          </p:nvPr>
-        </p:nvSpPr>
-        <p:spPr/>
-        <p:txBody>
-          <a:bodyPr/>
-          <a:lstStyle/>
-          <a:p>
-            <a:r>
-              <a:rPr lang="fr-FR" sz="1200" dirty="0"/>
-              <a:t>Mon projet chef d’œuvre « Smart Fitness »: </a:t>
-            </a:r>
-            <a:r>
-              <a:rPr lang="fr-FR" dirty="0"/>
-              <a:t>La conception et le codage </a:t>
-            </a:r>
-            <a:br>
-              <a:rPr lang="fr-FR" dirty="0"/>
-            </a:br>
-            <a:r>
-              <a:rPr lang="fr-FR" dirty="0"/>
-              <a:t> 12. Les requêtes </a:t>
-            </a:r>
-          </a:p>
-        </p:txBody>
-      </p:sp>
-      <p:pic>
-        <p:nvPicPr>
-          <p:cNvPr id="6" name="Image 5">
-            <a:extLst>
-              <a:ext uri="{FF2B5EF4-FFF2-40B4-BE49-F238E27FC236}">
-                <a16:creationId xmlns:a16="http://schemas.microsoft.com/office/drawing/2014/main" id="{ED3354CC-1DDD-4806-9520-A666807C7D42}"/>
-              </a:ext>
-            </a:extLst>
-          </p:cNvPr>
-          <p:cNvPicPr>
-            <a:picLocks noChangeAspect="1"/>
-          </p:cNvPicPr>
-          <p:nvPr/>
-        </p:nvPicPr>
-        <p:blipFill>
-          <a:blip r:embed="rId2">
-            <a:lum/>
-            <a:alphaModFix/>
-            <a:extLst>
-              <a:ext uri="{28A0092B-C50C-407E-A947-70E740481C1C}">
-                <a14:useLocalDpi xmlns:a14="http://schemas.microsoft.com/office/drawing/2010/main" val="0"/>
-              </a:ext>
-            </a:extLst>
-          </a:blip>
-          <a:srcRect/>
-          <a:stretch>
-            <a:fillRect/>
-          </a:stretch>
-        </p:blipFill>
-        <p:spPr>
-          <a:xfrm>
-            <a:off x="899592" y="1851670"/>
-            <a:ext cx="7025176" cy="2400394"/>
-          </a:xfrm>
-          <a:prstGeom prst="rect">
-            <a:avLst/>
-          </a:prstGeom>
-          <a:noFill/>
-          <a:ln>
-            <a:noFill/>
-          </a:ln>
-        </p:spPr>
-      </p:pic>
-    </p:spTree>
-    <p:extLst>
-      <p:ext uri="{BB962C8B-B14F-4D97-AF65-F5344CB8AC3E}">
-        <p14:creationId xmlns:p14="http://schemas.microsoft.com/office/powerpoint/2010/main" val="1404709003"/>
-      </p:ext>
-    </p:extLst>
-  </p:cSld>
-  <p:clrMapOvr>
-    <a:masterClrMapping/>
-  </p:clrMapOvr>
-</p:sld>
-</file>
-
-<file path=ppt/slides/slide18.xml><?xml version="1.0" encoding="utf-8"?>
-<p:sld xmlns:a="http://schemas.openxmlformats.org/drawingml/2006/main" xmlns:r="http://schemas.openxmlformats.org/officeDocument/2006/relationships" xmlns:p="http://schemas.openxmlformats.org/presentationml/2006/main">
-  <p:cSld>
-    <p:spTree>
-      <p:nvGrpSpPr>
-        <p:cNvPr id="1" name=""/>
-        <p:cNvGrpSpPr/>
-        <p:nvPr/>
-      </p:nvGrpSpPr>
-      <p:grpSpPr>
-        <a:xfrm>
-          <a:off x="0" y="0"/>
-          <a:ext cx="0" cy="0"/>
-          <a:chOff x="0" y="0"/>
-          <a:chExt cx="0" cy="0"/>
-        </a:xfrm>
-      </p:grpSpPr>
-      <p:sp>
-        <p:nvSpPr>
-          <p:cNvPr id="3" name="Titre 2">
-            <a:extLst>
-              <a:ext uri="{FF2B5EF4-FFF2-40B4-BE49-F238E27FC236}">
-                <a16:creationId xmlns:a16="http://schemas.microsoft.com/office/drawing/2014/main" id="{746691C5-6519-4796-BF8F-9A439BF5E530}"/>
-              </a:ext>
-            </a:extLst>
-          </p:cNvPr>
-          <p:cNvSpPr>
-            <a:spLocks noGrp="1"/>
-          </p:cNvSpPr>
-          <p:nvPr>
-            <p:ph type="title"/>
-          </p:nvPr>
-        </p:nvSpPr>
-        <p:spPr/>
-        <p:txBody>
-          <a:bodyPr/>
-          <a:lstStyle/>
-          <a:p>
-            <a:r>
-              <a:rPr lang="fr-FR" sz="1200" dirty="0"/>
-              <a:t>Mon projet chef d’œuvre « Smart Fitness »: </a:t>
-            </a:r>
-            <a:r>
-              <a:rPr lang="fr-FR" dirty="0"/>
-              <a:t>La conception et le codage </a:t>
-            </a:r>
-            <a:br>
-              <a:rPr lang="fr-FR" dirty="0"/>
-            </a:br>
-            <a:r>
-              <a:rPr lang="fr-FR" dirty="0"/>
-              <a:t> 13. L’injection SQL</a:t>
-            </a:r>
-          </a:p>
-        </p:txBody>
-      </p:sp>
-      <p:pic>
-        <p:nvPicPr>
-          <p:cNvPr id="7" name="Image 6">
-            <a:extLst>
-              <a:ext uri="{FF2B5EF4-FFF2-40B4-BE49-F238E27FC236}">
-                <a16:creationId xmlns:a16="http://schemas.microsoft.com/office/drawing/2014/main" id="{BA5BC2C6-CD2F-4E7A-98FF-2642FF5FF5E2}"/>
-              </a:ext>
-            </a:extLst>
-          </p:cNvPr>
-          <p:cNvPicPr>
-            <a:picLocks noChangeAspect="1"/>
-          </p:cNvPicPr>
-          <p:nvPr/>
-        </p:nvPicPr>
-        <p:blipFill>
-          <a:blip r:embed="rId2">
-            <a:lum/>
-            <a:alphaModFix/>
-          </a:blip>
-          <a:srcRect b="61118"/>
-          <a:stretch>
-            <a:fillRect/>
-          </a:stretch>
-        </p:blipFill>
-        <p:spPr>
-          <a:xfrm>
-            <a:off x="808558" y="2241718"/>
-            <a:ext cx="3388072" cy="1389763"/>
-          </a:xfrm>
-          <a:prstGeom prst="rect">
-            <a:avLst/>
-          </a:prstGeom>
-          <a:noFill/>
-          <a:ln>
-            <a:noFill/>
-          </a:ln>
-        </p:spPr>
-      </p:pic>
-      <p:pic>
-        <p:nvPicPr>
-          <p:cNvPr id="8" name="Image 7">
-            <a:extLst>
-              <a:ext uri="{FF2B5EF4-FFF2-40B4-BE49-F238E27FC236}">
-                <a16:creationId xmlns:a16="http://schemas.microsoft.com/office/drawing/2014/main" id="{A547A20D-1960-4624-9582-7D241193405A}"/>
-              </a:ext>
-            </a:extLst>
-          </p:cNvPr>
-          <p:cNvPicPr>
-            <a:picLocks noChangeAspect="1"/>
-          </p:cNvPicPr>
-          <p:nvPr/>
-        </p:nvPicPr>
-        <p:blipFill>
-          <a:blip r:embed="rId3">
-            <a:lum/>
-            <a:alphaModFix/>
-          </a:blip>
-          <a:srcRect/>
-          <a:stretch>
-            <a:fillRect/>
-          </a:stretch>
-        </p:blipFill>
-        <p:spPr>
-          <a:xfrm>
-            <a:off x="3666254" y="1735844"/>
-            <a:ext cx="648072" cy="577050"/>
-          </a:xfrm>
-          <a:prstGeom prst="rect">
-            <a:avLst/>
-          </a:prstGeom>
-          <a:noFill/>
-          <a:ln>
-            <a:noFill/>
-          </a:ln>
-        </p:spPr>
-      </p:pic>
-      <p:pic>
-        <p:nvPicPr>
-          <p:cNvPr id="9" name="Image 8" descr="Une image contenant clipart&#10;&#10;Description générée automatiquement">
-            <a:extLst>
-              <a:ext uri="{FF2B5EF4-FFF2-40B4-BE49-F238E27FC236}">
-                <a16:creationId xmlns:a16="http://schemas.microsoft.com/office/drawing/2014/main" id="{DCF1512A-EAD2-4E92-B93B-50241B9ABC33}"/>
-              </a:ext>
-            </a:extLst>
-          </p:cNvPr>
-          <p:cNvPicPr>
-            <a:picLocks noChangeAspect="1"/>
-          </p:cNvPicPr>
-          <p:nvPr/>
-        </p:nvPicPr>
-        <p:blipFill>
-          <a:blip r:embed="rId4" cstate="print">
-            <a:extLst>
-              <a:ext uri="{28A0092B-C50C-407E-A947-70E740481C1C}">
-                <a14:useLocalDpi xmlns:a14="http://schemas.microsoft.com/office/drawing/2010/main" val="0"/>
-              </a:ext>
-            </a:extLst>
-          </a:blip>
-          <a:stretch>
-            <a:fillRect/>
-          </a:stretch>
-        </p:blipFill>
-        <p:spPr>
-          <a:xfrm>
-            <a:off x="2040090" y="1136375"/>
-            <a:ext cx="958986" cy="771026"/>
-          </a:xfrm>
-          <a:prstGeom prst="rect">
-            <a:avLst/>
-          </a:prstGeom>
-        </p:spPr>
-      </p:pic>
-      <p:sp>
-        <p:nvSpPr>
-          <p:cNvPr id="6" name="Rectangle 5">
-            <a:extLst>
-              <a:ext uri="{FF2B5EF4-FFF2-40B4-BE49-F238E27FC236}">
-                <a16:creationId xmlns:a16="http://schemas.microsoft.com/office/drawing/2014/main" id="{DCC0CB5B-944E-4CF2-B7DF-32430AAABA72}"/>
-              </a:ext>
-            </a:extLst>
-          </p:cNvPr>
-          <p:cNvSpPr/>
-          <p:nvPr/>
-        </p:nvSpPr>
-        <p:spPr>
-          <a:xfrm>
-            <a:off x="4704723" y="2717062"/>
-            <a:ext cx="3649526" cy="646331"/>
-          </a:xfrm>
-          <a:prstGeom prst="rect">
-            <a:avLst/>
-          </a:prstGeom>
-        </p:spPr>
-        <p:txBody>
-          <a:bodyPr wrap="square">
-            <a:spAutoFit/>
-          </a:bodyPr>
-          <a:lstStyle/>
-          <a:p>
-            <a:r>
-              <a:rPr lang="fr-FR" dirty="0">
-                <a:latin typeface="Liberation Sans" pitchFamily="34"/>
-              </a:rPr>
-              <a:t> - Mapping </a:t>
-            </a:r>
-          </a:p>
-          <a:p>
-            <a:r>
-              <a:rPr lang="fr-FR" dirty="0">
-                <a:latin typeface="Liberation Sans" pitchFamily="34"/>
-              </a:rPr>
-              <a:t> - Requêtes paramétrées</a:t>
-            </a:r>
-            <a:endParaRPr lang="fr-FR" dirty="0"/>
-          </a:p>
-        </p:txBody>
-      </p:sp>
-      <p:pic>
-        <p:nvPicPr>
-          <p:cNvPr id="12" name="Image 11">
-            <a:extLst>
-              <a:ext uri="{FF2B5EF4-FFF2-40B4-BE49-F238E27FC236}">
-                <a16:creationId xmlns:a16="http://schemas.microsoft.com/office/drawing/2014/main" id="{1AE63AB2-D59A-4E98-AF6E-4105D9E4CE83}"/>
-              </a:ext>
-            </a:extLst>
-          </p:cNvPr>
-          <p:cNvPicPr>
-            <a:picLocks noChangeAspect="1"/>
-          </p:cNvPicPr>
-          <p:nvPr/>
-        </p:nvPicPr>
-        <p:blipFill>
-          <a:blip r:embed="rId5">
-            <a:lum/>
-            <a:alphaModFix/>
-          </a:blip>
-          <a:srcRect/>
-          <a:stretch>
-            <a:fillRect/>
-          </a:stretch>
-        </p:blipFill>
-        <p:spPr>
-          <a:xfrm>
-            <a:off x="4673843" y="3733170"/>
-            <a:ext cx="4208219" cy="278702"/>
-          </a:xfrm>
-          <a:prstGeom prst="rect">
-            <a:avLst/>
-          </a:prstGeom>
-          <a:noFill/>
-          <a:ln>
-            <a:noFill/>
-          </a:ln>
-        </p:spPr>
-      </p:pic>
-      <p:pic>
-        <p:nvPicPr>
-          <p:cNvPr id="13" name="Picture 2" descr="security(2016)73">
-            <a:extLst>
-              <a:ext uri="{FF2B5EF4-FFF2-40B4-BE49-F238E27FC236}">
-                <a16:creationId xmlns:a16="http://schemas.microsoft.com/office/drawing/2014/main" id="{21F9C9A8-9BD7-41A7-B160-F634A8F2BBD1}"/>
-              </a:ext>
-            </a:extLst>
-          </p:cNvPr>
-          <p:cNvPicPr>
-            <a:picLocks noChangeAspect="1" noChangeArrowheads="1"/>
-          </p:cNvPicPr>
-          <p:nvPr/>
-        </p:nvPicPr>
-        <p:blipFill>
-          <a:blip r:embed="rId6" cstate="print">
-            <a:extLst>
-              <a:ext uri="{28A0092B-C50C-407E-A947-70E740481C1C}">
-                <a14:useLocalDpi xmlns:a14="http://schemas.microsoft.com/office/drawing/2010/main" val="0"/>
-              </a:ext>
-            </a:extLst>
-          </a:blip>
-          <a:srcRect/>
-          <a:stretch>
-            <a:fillRect/>
-          </a:stretch>
-        </p:blipFill>
-        <p:spPr bwMode="auto">
-          <a:xfrm>
-            <a:off x="6205450" y="1197852"/>
-            <a:ext cx="648072" cy="648072"/>
-          </a:xfrm>
-          <a:prstGeom prst="rect">
-            <a:avLst/>
-          </a:prstGeom>
-          <a:noFill/>
-          <a:extLst>
-            <a:ext uri="{909E8E84-426E-40DD-AFC4-6F175D3DCCD1}">
-              <a14:hiddenFill xmlns:a14="http://schemas.microsoft.com/office/drawing/2010/main">
-                <a:solidFill>
-                  <a:srgbClr val="FFFFFF"/>
-                </a:solidFill>
-              </a14:hiddenFill>
-            </a:ext>
-          </a:extLst>
-        </p:spPr>
-      </p:pic>
-      <p:pic>
-        <p:nvPicPr>
-          <p:cNvPr id="14" name="Image 13">
-            <a:extLst>
-              <a:ext uri="{FF2B5EF4-FFF2-40B4-BE49-F238E27FC236}">
-                <a16:creationId xmlns:a16="http://schemas.microsoft.com/office/drawing/2014/main" id="{BA626DC1-8B0D-4815-9C19-A48DF027423F}"/>
-              </a:ext>
-            </a:extLst>
-          </p:cNvPr>
-          <p:cNvPicPr>
-            <a:picLocks noChangeAspect="1"/>
-          </p:cNvPicPr>
-          <p:nvPr/>
-        </p:nvPicPr>
-        <p:blipFill rotWithShape="1">
-          <a:blip r:embed="rId7">
-            <a:lum/>
-            <a:alphaModFix/>
-            <a:extLst>
-              <a:ext uri="{28A0092B-C50C-407E-A947-70E740481C1C}">
-                <a14:useLocalDpi xmlns:a14="http://schemas.microsoft.com/office/drawing/2010/main" val="0"/>
-              </a:ext>
-            </a:extLst>
-          </a:blip>
-          <a:srcRect l="15220" r="42083" b="81714"/>
-          <a:stretch/>
-        </p:blipFill>
-        <p:spPr>
-          <a:xfrm>
-            <a:off x="5573946" y="1941133"/>
-            <a:ext cx="1911080" cy="614496"/>
-          </a:xfrm>
-          <a:prstGeom prst="rect">
-            <a:avLst/>
-          </a:prstGeom>
-          <a:noFill/>
-          <a:ln>
-            <a:noFill/>
-          </a:ln>
-        </p:spPr>
-      </p:pic>
-      <p:cxnSp>
-        <p:nvCxnSpPr>
-          <p:cNvPr id="15" name="Connecteur droit 14">
-            <a:extLst>
-              <a:ext uri="{FF2B5EF4-FFF2-40B4-BE49-F238E27FC236}">
-                <a16:creationId xmlns:a16="http://schemas.microsoft.com/office/drawing/2014/main" id="{5E5A5CEB-1BB4-40F0-8DD4-545E9254FEC4}"/>
-              </a:ext>
-            </a:extLst>
-          </p:cNvPr>
-          <p:cNvCxnSpPr/>
-          <p:nvPr/>
-        </p:nvCxnSpPr>
-        <p:spPr>
-          <a:xfrm>
-            <a:off x="4572000" y="1275606"/>
-            <a:ext cx="0" cy="3321988"/>
-          </a:xfrm>
-          <a:prstGeom prst="line">
-            <a:avLst/>
-          </a:prstGeom>
-        </p:spPr>
-        <p:style>
-          <a:lnRef idx="1">
-            <a:schemeClr val="accent1"/>
-          </a:lnRef>
-          <a:fillRef idx="0">
-            <a:schemeClr val="accent1"/>
-          </a:fillRef>
-          <a:effectRef idx="0">
-            <a:schemeClr val="accent1"/>
-          </a:effectRef>
-          <a:fontRef idx="minor">
-            <a:schemeClr val="tx1"/>
-          </a:fontRef>
-        </p:style>
-      </p:cxnSp>
-    </p:spTree>
-    <p:extLst>
-      <p:ext uri="{BB962C8B-B14F-4D97-AF65-F5344CB8AC3E}">
-        <p14:creationId xmlns:p14="http://schemas.microsoft.com/office/powerpoint/2010/main" val="2052558776"/>
-      </p:ext>
-    </p:extLst>
-  </p:cSld>
-  <p:clrMapOvr>
-    <a:masterClrMapping/>
-  </p:clrMapOvr>
-</p:sld>
-</file>
-
 <file path=ppt/slides/slide19.xml><?xml version="1.0" encoding="utf-8"?>
 <p:sld xmlns:a="http://schemas.openxmlformats.org/drawingml/2006/main" xmlns:r="http://schemas.openxmlformats.org/officeDocument/2006/relationships" xmlns:p="http://schemas.openxmlformats.org/presentationml/2006/main">
   <p:cSld>
@@ -5724,7 +6592,12 @@
             <p:ph type="title"/>
           </p:nvPr>
         </p:nvSpPr>
-        <p:spPr/>
+        <p:spPr>
+          <a:xfrm>
+            <a:off x="396000" y="545906"/>
+            <a:ext cx="8748000" cy="479756"/>
+          </a:xfrm>
+        </p:spPr>
         <p:txBody>
           <a:bodyPr/>
           <a:lstStyle/>
@@ -5742,61 +6615,22 @@
             </a:br>
             <a:r>
               <a:rPr lang="fr-FR" dirty="0"/>
-              <a:t> 14. Java doc</a:t>
-            </a:r>
-          </a:p>
-        </p:txBody>
-      </p:sp>
-      <p:sp>
-        <p:nvSpPr>
-          <p:cNvPr id="2" name="Rectangle 1">
-            <a:extLst>
-              <a:ext uri="{FF2B5EF4-FFF2-40B4-BE49-F238E27FC236}">
-                <a16:creationId xmlns:a16="http://schemas.microsoft.com/office/drawing/2014/main" id="{11797539-246E-49A0-8651-D713325BDE0F}"/>
-              </a:ext>
-            </a:extLst>
-          </p:cNvPr>
-          <p:cNvSpPr/>
-          <p:nvPr/>
-        </p:nvSpPr>
-        <p:spPr>
-          <a:xfrm>
-            <a:off x="396000" y="1240464"/>
-            <a:ext cx="5904192" cy="464871"/>
-          </a:xfrm>
-          <a:prstGeom prst="rect">
-            <a:avLst/>
-          </a:prstGeom>
-        </p:spPr>
-        <p:txBody>
-          <a:bodyPr wrap="square">
-            <a:spAutoFit/>
-          </a:bodyPr>
-          <a:lstStyle/>
-          <a:p>
-            <a:pPr lvl="0">
-              <a:lnSpc>
-                <a:spcPct val="150000"/>
-              </a:lnSpc>
-              <a:buSzPct val="45000"/>
-            </a:pPr>
-            <a:r>
-              <a:rPr lang="fr-FR" u="sng" dirty="0"/>
-              <a:t>Objectif</a:t>
-            </a:r>
-            <a:r>
-              <a:rPr lang="fr-FR" dirty="0"/>
-              <a:t> : La documentation des composants du code source</a:t>
-            </a:r>
+              <a:t> 8. Le </a:t>
+            </a:r>
+            <a:r>
+              <a:rPr lang="fr-FR" dirty="0" err="1"/>
+              <a:t>back-end</a:t>
+            </a:r>
+            <a:endParaRPr lang="fr-FR" dirty="0"/>
           </a:p>
         </p:txBody>
       </p:sp>
       <p:pic>
         <p:nvPicPr>
-          <p:cNvPr id="11" name="Image 10">
-            <a:extLst>
-              <a:ext uri="{FF2B5EF4-FFF2-40B4-BE49-F238E27FC236}">
-                <a16:creationId xmlns:a16="http://schemas.microsoft.com/office/drawing/2014/main" id="{107E932C-378D-4ADC-8047-AB6E9899B082}"/>
+          <p:cNvPr id="5" name="Image 4">
+            <a:extLst>
+              <a:ext uri="{FF2B5EF4-FFF2-40B4-BE49-F238E27FC236}">
+                <a16:creationId xmlns:a16="http://schemas.microsoft.com/office/drawing/2014/main" id="{1FD00D04-D222-49D8-8247-B9453DFE66E6}"/>
               </a:ext>
             </a:extLst>
           </p:cNvPr>
@@ -5816,9 +6650,9 @@
           </a:stretch>
         </p:blipFill>
         <p:spPr>
-          <a:xfrm flipH="1">
-            <a:off x="6300192" y="1196900"/>
-            <a:ext cx="1152000" cy="811440"/>
+          <a:xfrm>
+            <a:off x="2051720" y="810942"/>
+            <a:ext cx="5789063" cy="3888432"/>
           </a:xfrm>
           <a:prstGeom prst="rect">
             <a:avLst/>
@@ -5829,48 +6663,10 @@
           </a:ln>
         </p:spPr>
       </p:pic>
-      <p:pic>
-        <p:nvPicPr>
-          <p:cNvPr id="15" name="Image 14">
-            <a:extLst>
-              <a:ext uri="{FF2B5EF4-FFF2-40B4-BE49-F238E27FC236}">
-                <a16:creationId xmlns:a16="http://schemas.microsoft.com/office/drawing/2014/main" id="{59BAB5C0-4B1C-4226-B587-9C57024B0B0D}"/>
-              </a:ext>
-            </a:extLst>
-          </p:cNvPr>
-          <p:cNvPicPr>
-            <a:picLocks noChangeAspect="1"/>
-          </p:cNvPicPr>
-          <p:nvPr/>
-        </p:nvPicPr>
-        <p:blipFill>
-          <a:blip r:embed="rId3">
-            <a:lum/>
-            <a:alphaModFix/>
-          </a:blip>
-          <a:srcRect/>
-          <a:stretch>
-            <a:fillRect/>
-          </a:stretch>
-        </p:blipFill>
-        <p:spPr>
-          <a:xfrm>
-            <a:off x="2033881" y="2200126"/>
-            <a:ext cx="4142879" cy="2476080"/>
-          </a:xfrm>
-          <a:prstGeom prst="rect">
-            <a:avLst/>
-          </a:prstGeom>
-          <a:noFill/>
-          <a:ln>
-            <a:noFill/>
-          </a:ln>
-        </p:spPr>
-      </p:pic>
     </p:spTree>
     <p:extLst>
       <p:ext uri="{BB962C8B-B14F-4D97-AF65-F5344CB8AC3E}">
-        <p14:creationId xmlns:p14="http://schemas.microsoft.com/office/powerpoint/2010/main" val="1965778337"/>
+        <p14:creationId xmlns:p14="http://schemas.microsoft.com/office/powerpoint/2010/main" val="2204857907"/>
       </p:ext>
     </p:extLst>
   </p:cSld>
@@ -6023,6 +6819,40 @@
       </p:grpSpPr>
       <p:sp>
         <p:nvSpPr>
+          <p:cNvPr id="4" name="Espace réservé du contenu 3">
+            <a:extLst>
+              <a:ext uri="{FF2B5EF4-FFF2-40B4-BE49-F238E27FC236}">
+                <a16:creationId xmlns:a16="http://schemas.microsoft.com/office/drawing/2014/main" id="{44460E9F-FAAA-4EA8-9D47-3FC6440FC489}"/>
+              </a:ext>
+            </a:extLst>
+          </p:cNvPr>
+          <p:cNvSpPr>
+            <a:spLocks noGrp="1"/>
+          </p:cNvSpPr>
+          <p:nvPr>
+            <p:ph idx="1"/>
+          </p:nvPr>
+        </p:nvSpPr>
+        <p:spPr/>
+        <p:txBody>
+          <a:bodyPr/>
+          <a:lstStyle/>
+          <a:p>
+            <a:pPr lvl="0">
+              <a:buSzPct val="45000"/>
+            </a:pPr>
+            <a:r>
+              <a:rPr lang="fr-FR" dirty="0"/>
+              <a:t>Le Modèle MVCL (Modèle Vue Contrôleur Logique métier)</a:t>
+            </a:r>
+          </a:p>
+          <a:p>
+            <a:endParaRPr lang="fr-FR" dirty="0"/>
+          </a:p>
+        </p:txBody>
+      </p:sp>
+      <p:sp>
+        <p:nvSpPr>
           <p:cNvPr id="3" name="Titre 2">
             <a:extLst>
               <a:ext uri="{FF2B5EF4-FFF2-40B4-BE49-F238E27FC236}">
@@ -6055,64 +6885,17 @@
             </a:br>
             <a:r>
               <a:rPr lang="fr-FR" dirty="0"/>
-              <a:t> 15. Les tests unitaires</a:t>
-            </a:r>
-          </a:p>
-        </p:txBody>
-      </p:sp>
-      <p:sp>
-        <p:nvSpPr>
-          <p:cNvPr id="2" name="Rectangle 1">
-            <a:extLst>
-              <a:ext uri="{FF2B5EF4-FFF2-40B4-BE49-F238E27FC236}">
-                <a16:creationId xmlns:a16="http://schemas.microsoft.com/office/drawing/2014/main" id="{11797539-246E-49A0-8651-D713325BDE0F}"/>
-              </a:ext>
-            </a:extLst>
-          </p:cNvPr>
-          <p:cNvSpPr/>
-          <p:nvPr/>
-        </p:nvSpPr>
-        <p:spPr>
-          <a:xfrm>
-            <a:off x="1691680" y="3363838"/>
-            <a:ext cx="5112568" cy="464871"/>
-          </a:xfrm>
-          <a:prstGeom prst="rect">
-            <a:avLst/>
-          </a:prstGeom>
-        </p:spPr>
-        <p:txBody>
-          <a:bodyPr wrap="square">
-            <a:spAutoFit/>
-          </a:bodyPr>
-          <a:lstStyle/>
-          <a:p>
-            <a:pPr lvl="0">
-              <a:lnSpc>
-                <a:spcPct val="150000"/>
-              </a:lnSpc>
-              <a:buSzPct val="45000"/>
-            </a:pPr>
-            <a:r>
-              <a:rPr lang="fr-FR" dirty="0"/>
-              <a:t>Entrée donnée </a:t>
-            </a:r>
-            <a:r>
-              <a:rPr lang="fr-FR" dirty="0">
-                <a:sym typeface="Wingdings" panose="05000000000000000000" pitchFamily="2" charset="2"/>
-              </a:rPr>
-              <a:t> sortie attendue</a:t>
-            </a:r>
-            <a:endParaRPr lang="fr-FR" dirty="0"/>
+              <a:t> 9. Le modèle MVC + L</a:t>
+            </a:r>
           </a:p>
         </p:txBody>
       </p:sp>
       <p:pic>
         <p:nvPicPr>
-          <p:cNvPr id="6" name="Image 5">
-            <a:extLst>
-              <a:ext uri="{FF2B5EF4-FFF2-40B4-BE49-F238E27FC236}">
-                <a16:creationId xmlns:a16="http://schemas.microsoft.com/office/drawing/2014/main" id="{4985989A-F66B-4E1D-852E-CDE12A666679}"/>
+          <p:cNvPr id="8" name="Image 7">
+            <a:extLst>
+              <a:ext uri="{FF2B5EF4-FFF2-40B4-BE49-F238E27FC236}">
+                <a16:creationId xmlns:a16="http://schemas.microsoft.com/office/drawing/2014/main" id="{2BB9A88C-1DA7-4F44-8781-9FF3BD9ED600}"/>
               </a:ext>
             </a:extLst>
           </p:cNvPr>
@@ -6125,6 +6908,11 @@
           <a:blip r:embed="rId2">
             <a:lum/>
             <a:alphaModFix/>
+            <a:extLst>
+              <a:ext uri="{28A0092B-C50C-407E-A947-70E740481C1C}">
+                <a14:useLocalDpi xmlns:a14="http://schemas.microsoft.com/office/drawing/2010/main" val="0"/>
+              </a:ext>
+            </a:extLst>
           </a:blip>
           <a:srcRect/>
           <a:stretch>
@@ -6133,8 +6921,8 @@
         </p:blipFill>
         <p:spPr>
           <a:xfrm>
-            <a:off x="1547664" y="2283718"/>
-            <a:ext cx="4965300" cy="936104"/>
+            <a:off x="759812" y="2067694"/>
+            <a:ext cx="7624377" cy="1567391"/>
           </a:xfrm>
           <a:prstGeom prst="rect">
             <a:avLst/>
@@ -6145,54 +6933,10 @@
           </a:ln>
         </p:spPr>
       </p:pic>
-      <p:sp>
-        <p:nvSpPr>
-          <p:cNvPr id="7" name="Rectangle 6">
-            <a:extLst>
-              <a:ext uri="{FF2B5EF4-FFF2-40B4-BE49-F238E27FC236}">
-                <a16:creationId xmlns:a16="http://schemas.microsoft.com/office/drawing/2014/main" id="{6AD20866-C040-4317-82A2-F34F5938F356}"/>
-              </a:ext>
-            </a:extLst>
-          </p:cNvPr>
-          <p:cNvSpPr/>
-          <p:nvPr/>
-        </p:nvSpPr>
-        <p:spPr>
-          <a:xfrm>
-            <a:off x="611560" y="1169678"/>
-            <a:ext cx="5112568" cy="464871"/>
-          </a:xfrm>
-          <a:prstGeom prst="rect">
-            <a:avLst/>
-          </a:prstGeom>
-        </p:spPr>
-        <p:txBody>
-          <a:bodyPr wrap="square">
-            <a:spAutoFit/>
-          </a:bodyPr>
-          <a:lstStyle/>
-          <a:p>
-            <a:pPr lvl="0">
-              <a:lnSpc>
-                <a:spcPct val="150000"/>
-              </a:lnSpc>
-              <a:buSzPct val="45000"/>
-            </a:pPr>
-            <a:r>
-              <a:rPr lang="fr-FR" u="sng" dirty="0"/>
-              <a:t>Objectif</a:t>
-            </a:r>
-            <a:r>
-              <a:rPr lang="fr-FR" dirty="0"/>
-              <a:t> : Tester les méthodes de chaque classe</a:t>
-            </a:r>
-          </a:p>
-        </p:txBody>
-      </p:sp>
     </p:spTree>
     <p:extLst>
       <p:ext uri="{BB962C8B-B14F-4D97-AF65-F5344CB8AC3E}">
-        <p14:creationId xmlns:p14="http://schemas.microsoft.com/office/powerpoint/2010/main" val="3437041222"/>
+        <p14:creationId xmlns:p14="http://schemas.microsoft.com/office/powerpoint/2010/main" val="3484586290"/>
       </p:ext>
     </p:extLst>
   </p:cSld>
@@ -6246,58 +6990,14 @@
             </a:r>
             <a:r>
               <a:rPr lang="fr-FR" dirty="0"/>
-              <a:t>La conception et le codage </a:t>
+              <a:t>La conception et le codage</a:t>
             </a:r>
             <a:br>
               <a:rPr lang="fr-FR" dirty="0"/>
             </a:br>
             <a:r>
               <a:rPr lang="fr-FR" dirty="0"/>
-              <a:t>16. Les tests fonctionnels</a:t>
-            </a:r>
-          </a:p>
-        </p:txBody>
-      </p:sp>
-      <p:sp>
-        <p:nvSpPr>
-          <p:cNvPr id="7" name="Rectangle 6">
-            <a:extLst>
-              <a:ext uri="{FF2B5EF4-FFF2-40B4-BE49-F238E27FC236}">
-                <a16:creationId xmlns:a16="http://schemas.microsoft.com/office/drawing/2014/main" id="{6AD20866-C040-4317-82A2-F34F5938F356}"/>
-              </a:ext>
-            </a:extLst>
-          </p:cNvPr>
-          <p:cNvSpPr/>
-          <p:nvPr/>
-        </p:nvSpPr>
-        <p:spPr>
-          <a:xfrm>
-            <a:off x="611560" y="1169678"/>
-            <a:ext cx="5112568" cy="464871"/>
-          </a:xfrm>
-          <a:prstGeom prst="rect">
-            <a:avLst/>
-          </a:prstGeom>
-        </p:spPr>
-        <p:txBody>
-          <a:bodyPr wrap="square">
-            <a:spAutoFit/>
-          </a:bodyPr>
-          <a:lstStyle/>
-          <a:p>
-            <a:pPr lvl="0">
-              <a:lnSpc>
-                <a:spcPct val="150000"/>
-              </a:lnSpc>
-              <a:buSzPct val="45000"/>
-            </a:pPr>
-            <a:r>
-              <a:rPr lang="fr-FR" u="sng" dirty="0"/>
-              <a:t>Objectif</a:t>
-            </a:r>
-            <a:r>
-              <a:rPr lang="fr-FR" dirty="0"/>
-              <a:t> : Tester les fonctionnalités de l’application</a:t>
+              <a:t> 10. Le CSRF</a:t>
             </a:r>
           </a:p>
         </p:txBody>
@@ -6307,7 +7007,7 @@
           <p:cNvPr id="8" name="Image 7">
             <a:extLst>
               <a:ext uri="{FF2B5EF4-FFF2-40B4-BE49-F238E27FC236}">
-                <a16:creationId xmlns:a16="http://schemas.microsoft.com/office/drawing/2014/main" id="{E78235D0-2FD5-48F1-8E40-8728079CDA72}"/>
+                <a16:creationId xmlns:a16="http://schemas.microsoft.com/office/drawing/2014/main" id="{CC3795A5-38C3-4528-AAC2-E8BD54CDA498}"/>
               </a:ext>
             </a:extLst>
           </p:cNvPr>
@@ -6328,8 +7028,8 @@
         </p:blipFill>
         <p:spPr>
           <a:xfrm>
-            <a:off x="3707904" y="2071710"/>
-            <a:ext cx="2304000" cy="500040"/>
+            <a:off x="1009994" y="2855063"/>
+            <a:ext cx="2739182" cy="1535038"/>
           </a:xfrm>
           <a:prstGeom prst="rect">
             <a:avLst/>
@@ -6345,7 +7045,7 @@
           <p:cNvPr id="9" name="Rectangle 8">
             <a:extLst>
               <a:ext uri="{FF2B5EF4-FFF2-40B4-BE49-F238E27FC236}">
-                <a16:creationId xmlns:a16="http://schemas.microsoft.com/office/drawing/2014/main" id="{C06E4F71-8333-4891-BE17-F6F7BF1551C6}"/>
+                <a16:creationId xmlns:a16="http://schemas.microsoft.com/office/drawing/2014/main" id="{57569E5C-4FFE-4564-970C-03122ABEC3D3}"/>
               </a:ext>
             </a:extLst>
           </p:cNvPr>
@@ -6354,8 +7054,8 @@
         </p:nvSpPr>
         <p:spPr>
           <a:xfrm>
-            <a:off x="899592" y="2071710"/>
-            <a:ext cx="2592288" cy="464871"/>
+            <a:off x="428016" y="2067694"/>
+            <a:ext cx="3960440" cy="646331"/>
           </a:xfrm>
           <a:prstGeom prst="rect">
             <a:avLst/>
@@ -6367,16 +7067,48 @@
           </a:bodyPr>
           <a:lstStyle/>
           <a:p>
-            <a:pPr lvl="0">
-              <a:lnSpc>
-                <a:spcPct val="150000"/>
-              </a:lnSpc>
-              <a:buSzPct val="45000"/>
-            </a:pPr>
-            <a:r>
-              <a:rPr lang="fr-FR" dirty="0"/>
-              <a:t>Élaborer des scénarios</a:t>
-            </a:r>
+            <a:pPr lvl="0" hangingPunct="0"/>
+            <a:r>
+              <a:rPr lang="fr-FR" dirty="0">
+                <a:latin typeface="Arial" pitchFamily="18"/>
+                <a:ea typeface="DejaVu Sans" pitchFamily="2"/>
+                <a:cs typeface="DejaVu Sans" pitchFamily="2"/>
+              </a:rPr>
+              <a:t>CSRF – Cross-Site </a:t>
+            </a:r>
+            <a:r>
+              <a:rPr lang="fr-FR" dirty="0" err="1">
+                <a:latin typeface="Arial" pitchFamily="18"/>
+                <a:ea typeface="DejaVu Sans" pitchFamily="2"/>
+                <a:cs typeface="DejaVu Sans" pitchFamily="2"/>
+              </a:rPr>
+              <a:t>Request</a:t>
+            </a:r>
+            <a:r>
+              <a:rPr lang="fr-FR" dirty="0">
+                <a:latin typeface="Arial" pitchFamily="18"/>
+                <a:ea typeface="DejaVu Sans" pitchFamily="2"/>
+                <a:cs typeface="DejaVu Sans" pitchFamily="2"/>
+              </a:rPr>
+              <a:t> </a:t>
+            </a:r>
+            <a:r>
+              <a:rPr lang="fr-FR" dirty="0" err="1">
+                <a:latin typeface="Arial" pitchFamily="18"/>
+                <a:ea typeface="DejaVu Sans" pitchFamily="2"/>
+                <a:cs typeface="DejaVu Sans" pitchFamily="2"/>
+              </a:rPr>
+              <a:t>Forgery</a:t>
+            </a:r>
+            <a:endParaRPr lang="fr-FR" sz="1600" dirty="0"/>
+          </a:p>
+          <a:p>
+            <a:pPr lvl="0" hangingPunct="0"/>
+            <a:endParaRPr lang="fr-FR" i="1" dirty="0">
+              <a:latin typeface="Arial" pitchFamily="18"/>
+              <a:ea typeface="DejaVu Sans" pitchFamily="2"/>
+              <a:cs typeface="DejaVu Sans" pitchFamily="2"/>
+            </a:endParaRPr>
           </a:p>
         </p:txBody>
       </p:sp>
@@ -6385,7 +7117,7 @@
           <p:cNvPr id="10" name="Image 9">
             <a:extLst>
               <a:ext uri="{FF2B5EF4-FFF2-40B4-BE49-F238E27FC236}">
-                <a16:creationId xmlns:a16="http://schemas.microsoft.com/office/drawing/2014/main" id="{F3A9E109-E67C-4387-8168-A3CCE3781D54}"/>
+                <a16:creationId xmlns:a16="http://schemas.microsoft.com/office/drawing/2014/main" id="{81A3A02B-8B8F-4C1B-9520-D1D4AEC99FC1}"/>
               </a:ext>
             </a:extLst>
           </p:cNvPr>
@@ -6406,8 +7138,8 @@
         </p:blipFill>
         <p:spPr>
           <a:xfrm>
-            <a:off x="899592" y="2623352"/>
-            <a:ext cx="7286399" cy="1771200"/>
+            <a:off x="4698060" y="3451433"/>
+            <a:ext cx="4445940" cy="792179"/>
           </a:xfrm>
           <a:prstGeom prst="rect">
             <a:avLst/>
@@ -6418,10 +7150,174 @@
           </a:ln>
         </p:spPr>
       </p:pic>
+      <p:pic>
+        <p:nvPicPr>
+          <p:cNvPr id="12" name="Picture 2" descr="security(2016)73">
+            <a:extLst>
+              <a:ext uri="{FF2B5EF4-FFF2-40B4-BE49-F238E27FC236}">
+                <a16:creationId xmlns:a16="http://schemas.microsoft.com/office/drawing/2014/main" id="{56B76564-0748-4D38-92C4-E96ADB11100F}"/>
+              </a:ext>
+            </a:extLst>
+          </p:cNvPr>
+          <p:cNvPicPr>
+            <a:picLocks noChangeAspect="1" noChangeArrowheads="1"/>
+          </p:cNvPicPr>
+          <p:nvPr/>
+        </p:nvPicPr>
+        <p:blipFill>
+          <a:blip r:embed="rId4" cstate="print">
+            <a:extLst>
+              <a:ext uri="{28A0092B-C50C-407E-A947-70E740481C1C}">
+                <a14:useLocalDpi xmlns:a14="http://schemas.microsoft.com/office/drawing/2010/main" val="0"/>
+              </a:ext>
+            </a:extLst>
+          </a:blip>
+          <a:srcRect/>
+          <a:stretch>
+            <a:fillRect/>
+          </a:stretch>
+        </p:blipFill>
+        <p:spPr bwMode="auto">
+          <a:xfrm>
+            <a:off x="6372200" y="1102042"/>
+            <a:ext cx="648072" cy="648072"/>
+          </a:xfrm>
+          <a:prstGeom prst="rect">
+            <a:avLst/>
+          </a:prstGeom>
+          <a:noFill/>
+          <a:extLst>
+            <a:ext uri="{909E8E84-426E-40DD-AFC4-6F175D3DCCD1}">
+              <a14:hiddenFill xmlns:a14="http://schemas.microsoft.com/office/drawing/2010/main">
+                <a:solidFill>
+                  <a:srgbClr val="FFFFFF"/>
+                </a:solidFill>
+              </a14:hiddenFill>
+            </a:ext>
+          </a:extLst>
+        </p:spPr>
+      </p:pic>
+      <p:pic>
+        <p:nvPicPr>
+          <p:cNvPr id="14" name="Image 13" descr="Une image contenant clipart&#10;&#10;Description générée automatiquement">
+            <a:extLst>
+              <a:ext uri="{FF2B5EF4-FFF2-40B4-BE49-F238E27FC236}">
+                <a16:creationId xmlns:a16="http://schemas.microsoft.com/office/drawing/2014/main" id="{66B681C1-4AE6-43F8-9264-7C24963A6D4B}"/>
+              </a:ext>
+            </a:extLst>
+          </p:cNvPr>
+          <p:cNvPicPr>
+            <a:picLocks noChangeAspect="1"/>
+          </p:cNvPicPr>
+          <p:nvPr/>
+        </p:nvPicPr>
+        <p:blipFill>
+          <a:blip r:embed="rId5" cstate="print">
+            <a:extLst>
+              <a:ext uri="{28A0092B-C50C-407E-A947-70E740481C1C}">
+                <a14:useLocalDpi xmlns:a14="http://schemas.microsoft.com/office/drawing/2010/main" val="0"/>
+              </a:ext>
+            </a:extLst>
+          </a:blip>
+          <a:stretch>
+            <a:fillRect/>
+          </a:stretch>
+        </p:blipFill>
+        <p:spPr>
+          <a:xfrm>
+            <a:off x="1928743" y="1082008"/>
+            <a:ext cx="958986" cy="771026"/>
+          </a:xfrm>
+          <a:prstGeom prst="rect">
+            <a:avLst/>
+          </a:prstGeom>
+        </p:spPr>
+      </p:pic>
+      <p:cxnSp>
+        <p:nvCxnSpPr>
+          <p:cNvPr id="15" name="Connecteur droit 14">
+            <a:extLst>
+              <a:ext uri="{FF2B5EF4-FFF2-40B4-BE49-F238E27FC236}">
+                <a16:creationId xmlns:a16="http://schemas.microsoft.com/office/drawing/2014/main" id="{0E1EEFD2-E559-4268-80C8-E9110E8DF333}"/>
+              </a:ext>
+            </a:extLst>
+          </p:cNvPr>
+          <p:cNvCxnSpPr/>
+          <p:nvPr/>
+        </p:nvCxnSpPr>
+        <p:spPr>
+          <a:xfrm>
+            <a:off x="4572000" y="1194069"/>
+            <a:ext cx="0" cy="3321988"/>
+          </a:xfrm>
+          <a:prstGeom prst="line">
+            <a:avLst/>
+          </a:prstGeom>
+        </p:spPr>
+        <p:style>
+          <a:lnRef idx="1">
+            <a:schemeClr val="accent1"/>
+          </a:lnRef>
+          <a:fillRef idx="0">
+            <a:schemeClr val="accent1"/>
+          </a:fillRef>
+          <a:effectRef idx="0">
+            <a:schemeClr val="accent1"/>
+          </a:effectRef>
+          <a:fontRef idx="minor">
+            <a:schemeClr val="tx1"/>
+          </a:fontRef>
+        </p:style>
+      </p:cxnSp>
+      <p:pic>
+        <p:nvPicPr>
+          <p:cNvPr id="16" name="Picture 4" descr="Image associÃ©e">
+            <a:extLst>
+              <a:ext uri="{FF2B5EF4-FFF2-40B4-BE49-F238E27FC236}">
+                <a16:creationId xmlns:a16="http://schemas.microsoft.com/office/drawing/2014/main" id="{C45B2EBE-42E0-4C40-B1FF-DBF80337F4BC}"/>
+              </a:ext>
+            </a:extLst>
+          </p:cNvPr>
+          <p:cNvPicPr>
+            <a:picLocks noChangeAspect="1" noChangeArrowheads="1"/>
+          </p:cNvPicPr>
+          <p:nvPr/>
+        </p:nvPicPr>
+        <p:blipFill rotWithShape="1">
+          <a:blip r:embed="rId6" cstate="print">
+            <a:extLst>
+              <a:ext uri="{28A0092B-C50C-407E-A947-70E740481C1C}">
+                <a14:useLocalDpi xmlns:a14="http://schemas.microsoft.com/office/drawing/2010/main" val="0"/>
+              </a:ext>
+            </a:extLst>
+          </a:blip>
+          <a:srcRect/>
+          <a:stretch/>
+        </p:blipFill>
+        <p:spPr bwMode="auto">
+          <a:xfrm>
+            <a:off x="4755545" y="1750114"/>
+            <a:ext cx="3784418" cy="1584175"/>
+          </a:xfrm>
+          <a:prstGeom prst="rect">
+            <a:avLst/>
+          </a:prstGeom>
+          <a:noFill/>
+          <a:extLst>
+            <a:ext uri="{909E8E84-426E-40DD-AFC4-6F175D3DCCD1}">
+              <a14:hiddenFill xmlns:a14="http://schemas.microsoft.com/office/drawing/2010/main">
+                <a:solidFill>
+                  <a:srgbClr val="FFFFFF"/>
+                </a:solidFill>
+              </a14:hiddenFill>
+            </a:ext>
+          </a:extLst>
+        </p:spPr>
+      </p:pic>
     </p:spTree>
     <p:extLst>
       <p:ext uri="{BB962C8B-B14F-4D97-AF65-F5344CB8AC3E}">
-        <p14:creationId xmlns:p14="http://schemas.microsoft.com/office/powerpoint/2010/main" val="4286529994"/>
+        <p14:creationId xmlns:p14="http://schemas.microsoft.com/office/powerpoint/2010/main" val="1839105398"/>
       </p:ext>
     </p:extLst>
   </p:cSld>
@@ -6450,10 +7346,10 @@
       </p:grpSpPr>
       <p:sp>
         <p:nvSpPr>
-          <p:cNvPr id="3" name="Titre 2">
-            <a:extLst>
-              <a:ext uri="{FF2B5EF4-FFF2-40B4-BE49-F238E27FC236}">
-                <a16:creationId xmlns:a16="http://schemas.microsoft.com/office/drawing/2014/main" id="{746691C5-6519-4796-BF8F-9A439BF5E530}"/>
+          <p:cNvPr id="4" name="Espace réservé du contenu 3">
+            <a:extLst>
+              <a:ext uri="{FF2B5EF4-FFF2-40B4-BE49-F238E27FC236}">
+                <a16:creationId xmlns:a16="http://schemas.microsoft.com/office/drawing/2014/main" id="{44460E9F-FAAA-4EA8-9D47-3FC6440FC489}"/>
               </a:ext>
             </a:extLst>
           </p:cNvPr>
@@ -6461,99 +7357,83 @@
             <a:spLocks noGrp="1"/>
           </p:cNvSpPr>
           <p:nvPr>
-            <p:ph type="title"/>
-          </p:nvPr>
-        </p:nvSpPr>
-        <p:spPr/>
+            <p:ph idx="1"/>
+          </p:nvPr>
+        </p:nvSpPr>
+        <p:spPr>
+          <a:xfrm>
+            <a:off x="396000" y="1544422"/>
+            <a:ext cx="8352000" cy="2952328"/>
+          </a:xfrm>
+        </p:spPr>
         <p:txBody>
           <a:bodyPr/>
           <a:lstStyle/>
           <a:p>
+            <a:pPr>
+              <a:buSzPct val="45000"/>
+            </a:pPr>
+            <a:r>
+              <a:rPr lang="fr-FR" dirty="0"/>
+              <a:t>Les composants d’accès</a:t>
+            </a:r>
+          </a:p>
+          <a:p>
+            <a:pPr lvl="0">
+              <a:buSzPct val="45000"/>
+            </a:pPr>
+            <a:endParaRPr lang="fr-FR" dirty="0"/>
+          </a:p>
+          <a:p>
+            <a:endParaRPr lang="fr-FR" dirty="0"/>
+          </a:p>
+        </p:txBody>
+      </p:sp>
+      <p:sp>
+        <p:nvSpPr>
+          <p:cNvPr id="3" name="Titre 2">
+            <a:extLst>
+              <a:ext uri="{FF2B5EF4-FFF2-40B4-BE49-F238E27FC236}">
+                <a16:creationId xmlns:a16="http://schemas.microsoft.com/office/drawing/2014/main" id="{746691C5-6519-4796-BF8F-9A439BF5E530}"/>
+              </a:ext>
+            </a:extLst>
+          </p:cNvPr>
+          <p:cNvSpPr>
+            <a:spLocks noGrp="1"/>
+          </p:cNvSpPr>
+          <p:nvPr>
+            <p:ph type="title"/>
+          </p:nvPr>
+        </p:nvSpPr>
+        <p:spPr/>
+        <p:txBody>
+          <a:bodyPr/>
+          <a:lstStyle/>
+          <a:p>
             <a:r>
               <a:rPr lang="fr-FR" sz="1200" dirty="0"/>
               <a:t>Mon projet chef d’œuvre « Smart Fitness »: </a:t>
             </a:r>
             <a:r>
               <a:rPr lang="fr-FR" dirty="0"/>
-              <a:t>La conception et le codage </a:t>
+              <a:t>La conception et le codage</a:t>
             </a:r>
             <a:br>
               <a:rPr lang="fr-FR" dirty="0"/>
             </a:br>
             <a:r>
               <a:rPr lang="fr-FR" dirty="0"/>
-              <a:t>17. Le code </a:t>
-            </a:r>
-            <a:r>
-              <a:rPr lang="fr-FR" dirty="0" err="1"/>
-              <a:t>review</a:t>
-            </a:r>
-            <a:endParaRPr lang="fr-FR" dirty="0"/>
-          </a:p>
-        </p:txBody>
-      </p:sp>
-      <p:sp>
-        <p:nvSpPr>
-          <p:cNvPr id="7" name="Rectangle 6">
-            <a:extLst>
-              <a:ext uri="{FF2B5EF4-FFF2-40B4-BE49-F238E27FC236}">
-                <a16:creationId xmlns:a16="http://schemas.microsoft.com/office/drawing/2014/main" id="{6AD20866-C040-4317-82A2-F34F5938F356}"/>
-              </a:ext>
-            </a:extLst>
-          </p:cNvPr>
-          <p:cNvSpPr/>
-          <p:nvPr/>
-        </p:nvSpPr>
-        <p:spPr>
-          <a:xfrm>
-            <a:off x="611560" y="1169678"/>
-            <a:ext cx="5760640" cy="880369"/>
-          </a:xfrm>
-          <a:prstGeom prst="rect">
-            <a:avLst/>
-          </a:prstGeom>
-        </p:spPr>
-        <p:txBody>
-          <a:bodyPr wrap="square">
-            <a:spAutoFit/>
-          </a:bodyPr>
-          <a:lstStyle/>
-          <a:p>
-            <a:pPr lvl="0">
-              <a:lnSpc>
-                <a:spcPct val="150000"/>
-              </a:lnSpc>
-              <a:buSzPct val="45000"/>
-            </a:pPr>
-            <a:r>
-              <a:rPr lang="fr-FR" u="sng" dirty="0"/>
-              <a:t>Objectifs</a:t>
-            </a:r>
-            <a:r>
-              <a:rPr lang="fr-FR" dirty="0"/>
-              <a:t> : - Produire un code de qualité  </a:t>
-            </a:r>
-          </a:p>
-          <a:p>
-            <a:pPr lvl="0">
-              <a:lnSpc>
-                <a:spcPct val="150000"/>
-              </a:lnSpc>
-              <a:buSzPct val="45000"/>
-            </a:pPr>
-            <a:r>
-              <a:rPr lang="fr-FR" dirty="0"/>
-              <a:t>	 - détecter les bugs </a:t>
+              <a:t> 11. Spring Data JPA</a:t>
             </a:r>
           </a:p>
         </p:txBody>
       </p:sp>
       <p:pic>
         <p:nvPicPr>
-          <p:cNvPr id="11" name="Image 10">
-            <a:extLst>
-              <a:ext uri="{FF2B5EF4-FFF2-40B4-BE49-F238E27FC236}">
-                <a16:creationId xmlns:a16="http://schemas.microsoft.com/office/drawing/2014/main" id="{7AAD17B1-5F12-41B5-9C49-6AF9D07BC07F}"/>
+          <p:cNvPr id="7" name="Image 6">
+            <a:extLst>
+              <a:ext uri="{FF2B5EF4-FFF2-40B4-BE49-F238E27FC236}">
+                <a16:creationId xmlns:a16="http://schemas.microsoft.com/office/drawing/2014/main" id="{AB232F2B-6831-4280-A56F-EEF543CF6B0A}"/>
               </a:ext>
             </a:extLst>
           </p:cNvPr>
@@ -6562,20 +7442,23 @@
           </p:cNvPicPr>
           <p:nvPr/>
         </p:nvPicPr>
-        <p:blipFill>
+        <p:blipFill rotWithShape="1">
           <a:blip r:embed="rId2">
             <a:lum/>
             <a:alphaModFix/>
+            <a:extLst>
+              <a:ext uri="{28A0092B-C50C-407E-A947-70E740481C1C}">
+                <a14:useLocalDpi xmlns:a14="http://schemas.microsoft.com/office/drawing/2010/main" val="0"/>
+              </a:ext>
+            </a:extLst>
           </a:blip>
-          <a:srcRect/>
-          <a:stretch>
-            <a:fillRect/>
-          </a:stretch>
+          <a:srcRect b="81714"/>
+          <a:stretch/>
         </p:blipFill>
         <p:spPr>
           <a:xfrm>
-            <a:off x="6228000" y="1079772"/>
-            <a:ext cx="2520000" cy="667800"/>
+            <a:off x="2411760" y="1416522"/>
+            <a:ext cx="4475880" cy="614496"/>
           </a:xfrm>
           <a:prstGeom prst="rect">
             <a:avLst/>
@@ -6586,48 +7469,101 @@
           </a:ln>
         </p:spPr>
       </p:pic>
-      <p:pic>
-        <p:nvPicPr>
-          <p:cNvPr id="12" name="Image 11">
-            <a:extLst>
-              <a:ext uri="{FF2B5EF4-FFF2-40B4-BE49-F238E27FC236}">
-                <a16:creationId xmlns:a16="http://schemas.microsoft.com/office/drawing/2014/main" id="{206D22A4-6592-4BBF-B299-0593F2BA5531}"/>
-              </a:ext>
-            </a:extLst>
-          </p:cNvPr>
-          <p:cNvPicPr>
-            <a:picLocks noChangeAspect="1"/>
-          </p:cNvPicPr>
+      <p:sp>
+        <p:nvSpPr>
+          <p:cNvPr id="6" name="Rectangle 5">
+            <a:extLst>
+              <a:ext uri="{FF2B5EF4-FFF2-40B4-BE49-F238E27FC236}">
+                <a16:creationId xmlns:a16="http://schemas.microsoft.com/office/drawing/2014/main" id="{B271923E-3F29-4708-9BB4-349826DBF79F}"/>
+              </a:ext>
+            </a:extLst>
+          </p:cNvPr>
+          <p:cNvSpPr/>
           <p:nvPr/>
-        </p:nvPicPr>
-        <p:blipFill>
-          <a:blip r:embed="rId3">
-            <a:lum/>
-            <a:alphaModFix/>
-          </a:blip>
-          <a:srcRect/>
-          <a:stretch>
-            <a:fillRect/>
-          </a:stretch>
-        </p:blipFill>
-        <p:spPr>
-          <a:xfrm>
-            <a:off x="558528" y="2202332"/>
-            <a:ext cx="7775588" cy="1861396"/>
+        </p:nvSpPr>
+        <p:spPr>
+          <a:xfrm>
+            <a:off x="683568" y="2290398"/>
+            <a:ext cx="7416824" cy="1205458"/>
           </a:xfrm>
           <a:prstGeom prst="rect">
             <a:avLst/>
           </a:prstGeom>
-          <a:noFill/>
-          <a:ln>
-            <a:noFill/>
-          </a:ln>
-        </p:spPr>
-      </p:pic>
+        </p:spPr>
+        <p:txBody>
+          <a:bodyPr wrap="square">
+            <a:spAutoFit/>
+          </a:bodyPr>
+          <a:lstStyle/>
+          <a:p>
+            <a:pPr marL="0" lvl="1" indent="0" hangingPunct="0">
+              <a:spcBef>
+                <a:spcPts val="0"/>
+              </a:spcBef>
+              <a:spcAft>
+                <a:spcPts val="1148"/>
+              </a:spcAft>
+              <a:buSzPct val="75000"/>
+            </a:pPr>
+            <a:r>
+              <a:rPr lang="fr-FR" dirty="0">
+                <a:latin typeface="Liberation Sans" pitchFamily="34"/>
+              </a:rPr>
+              <a:t>- Mapping entités Modèle Objet / tables Base De Données</a:t>
+            </a:r>
+          </a:p>
+          <a:p>
+            <a:pPr marL="0" lvl="1" indent="0" hangingPunct="0">
+              <a:spcBef>
+                <a:spcPts val="0"/>
+              </a:spcBef>
+              <a:spcAft>
+                <a:spcPts val="1148"/>
+              </a:spcAft>
+              <a:buSzPct val="75000"/>
+            </a:pPr>
+            <a:r>
+              <a:rPr lang="fr-FR" dirty="0">
+                <a:latin typeface="Liberation Sans" pitchFamily="34"/>
+              </a:rPr>
+              <a:t>- </a:t>
+            </a:r>
+            <a:r>
+              <a:rPr lang="fr-FR" dirty="0" err="1">
+                <a:latin typeface="Liberation Sans" pitchFamily="34"/>
+              </a:rPr>
+              <a:t>JpaRepository</a:t>
+            </a:r>
+            <a:r>
+              <a:rPr lang="fr-FR" dirty="0">
+                <a:latin typeface="Liberation Sans" pitchFamily="34"/>
+              </a:rPr>
+              <a:t> ⇒ CRUD auto-générées</a:t>
+            </a:r>
+          </a:p>
+          <a:p>
+            <a:pPr marL="0" lvl="1" indent="0" hangingPunct="0">
+              <a:spcBef>
+                <a:spcPts val="0"/>
+              </a:spcBef>
+              <a:spcAft>
+                <a:spcPts val="1148"/>
+              </a:spcAft>
+              <a:buSzPct val="75000"/>
+            </a:pPr>
+            <a:r>
+              <a:rPr lang="fr-FR" dirty="0">
+                <a:latin typeface="Liberation Sans" pitchFamily="34"/>
+              </a:rPr>
+              <a:t>- Requêtes à partir des noms de méthodes</a:t>
+            </a:r>
+          </a:p>
+        </p:txBody>
+      </p:sp>
     </p:spTree>
     <p:extLst>
       <p:ext uri="{BB962C8B-B14F-4D97-AF65-F5344CB8AC3E}">
-        <p14:creationId xmlns:p14="http://schemas.microsoft.com/office/powerpoint/2010/main" val="3220386362"/>
+        <p14:creationId xmlns:p14="http://schemas.microsoft.com/office/powerpoint/2010/main" val="3425248531"/>
       </p:ext>
     </p:extLst>
   </p:cSld>
@@ -6656,10 +7592,10 @@
       </p:grpSpPr>
       <p:sp>
         <p:nvSpPr>
-          <p:cNvPr id="3" name="Titre 2">
-            <a:extLst>
-              <a:ext uri="{FF2B5EF4-FFF2-40B4-BE49-F238E27FC236}">
-                <a16:creationId xmlns:a16="http://schemas.microsoft.com/office/drawing/2014/main" id="{746691C5-6519-4796-BF8F-9A439BF5E530}"/>
+          <p:cNvPr id="4" name="Espace réservé du contenu 3">
+            <a:extLst>
+              <a:ext uri="{FF2B5EF4-FFF2-40B4-BE49-F238E27FC236}">
+                <a16:creationId xmlns:a16="http://schemas.microsoft.com/office/drawing/2014/main" id="{44460E9F-FAAA-4EA8-9D47-3FC6440FC489}"/>
               </a:ext>
             </a:extLst>
           </p:cNvPr>
@@ -6667,7 +7603,7 @@
             <a:spLocks noGrp="1"/>
           </p:cNvSpPr>
           <p:nvPr>
-            <p:ph type="title"/>
+            <p:ph idx="1"/>
           </p:nvPr>
         </p:nvSpPr>
         <p:spPr/>
@@ -6675,64 +7611,60 @@
           <a:bodyPr/>
           <a:lstStyle/>
           <a:p>
+            <a:pPr>
+              <a:buSzPct val="45000"/>
+            </a:pPr>
+            <a:r>
+              <a:rPr lang="fr-FR" dirty="0"/>
+              <a:t>Les requêtes par noms de méthode</a:t>
+            </a:r>
+          </a:p>
+          <a:p>
+            <a:pPr lvl="0">
+              <a:buSzPct val="45000"/>
+            </a:pPr>
+            <a:endParaRPr lang="fr-FR" dirty="0"/>
+          </a:p>
+          <a:p>
+            <a:endParaRPr lang="fr-FR" dirty="0"/>
+          </a:p>
+        </p:txBody>
+      </p:sp>
+      <p:sp>
+        <p:nvSpPr>
+          <p:cNvPr id="3" name="Titre 2">
+            <a:extLst>
+              <a:ext uri="{FF2B5EF4-FFF2-40B4-BE49-F238E27FC236}">
+                <a16:creationId xmlns:a16="http://schemas.microsoft.com/office/drawing/2014/main" id="{746691C5-6519-4796-BF8F-9A439BF5E530}"/>
+              </a:ext>
+            </a:extLst>
+          </p:cNvPr>
+          <p:cNvSpPr>
+            <a:spLocks noGrp="1"/>
+          </p:cNvSpPr>
+          <p:nvPr>
+            <p:ph type="title"/>
+          </p:nvPr>
+        </p:nvSpPr>
+        <p:spPr/>
+        <p:txBody>
+          <a:bodyPr/>
+          <a:lstStyle/>
+          <a:p>
             <a:r>
               <a:rPr lang="fr-FR" sz="1200" dirty="0"/>
               <a:t>Mon projet chef d’œuvre « Smart Fitness »: </a:t>
             </a:r>
             <a:r>
               <a:rPr lang="fr-FR" dirty="0"/>
-              <a:t>La conception et le codage – 18.</a:t>
+              <a:t>La conception et le codage </a:t>
             </a:r>
             <a:br>
               <a:rPr lang="fr-FR" dirty="0"/>
             </a:br>
             <a:r>
               <a:rPr lang="fr-FR" dirty="0"/>
-              <a:t> La sécurité applicative</a:t>
-            </a:r>
-          </a:p>
-        </p:txBody>
-      </p:sp>
-      <p:sp>
-        <p:nvSpPr>
-          <p:cNvPr id="7" name="Rectangle 6">
-            <a:extLst>
-              <a:ext uri="{FF2B5EF4-FFF2-40B4-BE49-F238E27FC236}">
-                <a16:creationId xmlns:a16="http://schemas.microsoft.com/office/drawing/2014/main" id="{6AD20866-C040-4317-82A2-F34F5938F356}"/>
-              </a:ext>
-            </a:extLst>
-          </p:cNvPr>
-          <p:cNvSpPr/>
-          <p:nvPr/>
-        </p:nvSpPr>
-        <p:spPr>
-          <a:xfrm>
-            <a:off x="611560" y="1169678"/>
-            <a:ext cx="6048672" cy="464871"/>
-          </a:xfrm>
-          <a:prstGeom prst="rect">
-            <a:avLst/>
-          </a:prstGeom>
-        </p:spPr>
-        <p:txBody>
-          <a:bodyPr wrap="square">
-            <a:spAutoFit/>
-          </a:bodyPr>
-          <a:lstStyle/>
-          <a:p>
-            <a:pPr lvl="0">
-              <a:lnSpc>
-                <a:spcPct val="150000"/>
-              </a:lnSpc>
-              <a:buSzPct val="45000"/>
-            </a:pPr>
-            <a:r>
-              <a:rPr lang="fr-FR" u="sng" dirty="0"/>
-              <a:t>Objectifs</a:t>
-            </a:r>
-            <a:r>
-              <a:rPr lang="fr-FR" dirty="0"/>
-              <a:t> : Identifier les failles de sécurité de l’application</a:t>
+              <a:t> 12. Les requêtes </a:t>
             </a:r>
           </a:p>
         </p:txBody>
@@ -6742,7 +7674,7 @@
           <p:cNvPr id="6" name="Image 5">
             <a:extLst>
               <a:ext uri="{FF2B5EF4-FFF2-40B4-BE49-F238E27FC236}">
-                <a16:creationId xmlns:a16="http://schemas.microsoft.com/office/drawing/2014/main" id="{125946EF-AA28-45DD-9981-201CC7E03F52}"/>
+                <a16:creationId xmlns:a16="http://schemas.microsoft.com/office/drawing/2014/main" id="{ED3354CC-1DDD-4806-9520-A666807C7D42}"/>
               </a:ext>
             </a:extLst>
           </p:cNvPr>
@@ -6755,6 +7687,11 @@
           <a:blip r:embed="rId2">
             <a:lum/>
             <a:alphaModFix/>
+            <a:extLst>
+              <a:ext uri="{28A0092B-C50C-407E-A947-70E740481C1C}">
+                <a14:useLocalDpi xmlns:a14="http://schemas.microsoft.com/office/drawing/2010/main" val="0"/>
+              </a:ext>
+            </a:extLst>
           </a:blip>
           <a:srcRect/>
           <a:stretch>
@@ -6763,8 +7700,8 @@
         </p:blipFill>
         <p:spPr>
           <a:xfrm>
-            <a:off x="4541096" y="1718321"/>
-            <a:ext cx="1975120" cy="749447"/>
+            <a:off x="899592" y="1851670"/>
+            <a:ext cx="7025176" cy="2400394"/>
           </a:xfrm>
           <a:prstGeom prst="rect">
             <a:avLst/>
@@ -6775,88 +7712,10 @@
           </a:ln>
         </p:spPr>
       </p:pic>
-      <p:sp>
-        <p:nvSpPr>
-          <p:cNvPr id="2" name="Rectangle 1">
-            <a:extLst>
-              <a:ext uri="{FF2B5EF4-FFF2-40B4-BE49-F238E27FC236}">
-                <a16:creationId xmlns:a16="http://schemas.microsoft.com/office/drawing/2014/main" id="{B77891C1-09B8-4BF7-A876-FD0C13FE83CC}"/>
-              </a:ext>
-            </a:extLst>
-          </p:cNvPr>
-          <p:cNvSpPr/>
-          <p:nvPr/>
-        </p:nvSpPr>
-        <p:spPr>
-          <a:xfrm>
-            <a:off x="827584" y="1778565"/>
-            <a:ext cx="3226011" cy="464871"/>
-          </a:xfrm>
-          <a:prstGeom prst="rect">
-            <a:avLst/>
-          </a:prstGeom>
-        </p:spPr>
-        <p:txBody>
-          <a:bodyPr wrap="none">
-            <a:spAutoFit/>
-          </a:bodyPr>
-          <a:lstStyle/>
-          <a:p>
-            <a:pPr lvl="0">
-              <a:lnSpc>
-                <a:spcPct val="150000"/>
-              </a:lnSpc>
-              <a:buSzPct val="45000"/>
-            </a:pPr>
-            <a:r>
-              <a:rPr lang="fr-FR" dirty="0"/>
-              <a:t>Réaliser des tests de pénétration</a:t>
-            </a:r>
-          </a:p>
-        </p:txBody>
-      </p:sp>
-      <p:pic>
-        <p:nvPicPr>
-          <p:cNvPr id="8" name="Image 7">
-            <a:extLst>
-              <a:ext uri="{FF2B5EF4-FFF2-40B4-BE49-F238E27FC236}">
-                <a16:creationId xmlns:a16="http://schemas.microsoft.com/office/drawing/2014/main" id="{23D55C6F-BA86-4BDB-B7E8-2756B9CC90BE}"/>
-              </a:ext>
-            </a:extLst>
-          </p:cNvPr>
-          <p:cNvPicPr>
-            <a:picLocks noChangeAspect="1"/>
-          </p:cNvPicPr>
-          <p:nvPr/>
-        </p:nvPicPr>
-        <p:blipFill>
-          <a:blip r:embed="rId3">
-            <a:lum/>
-            <a:alphaModFix/>
-          </a:blip>
-          <a:srcRect/>
-          <a:stretch>
-            <a:fillRect/>
-          </a:stretch>
-        </p:blipFill>
-        <p:spPr>
-          <a:xfrm>
-            <a:off x="1259632" y="2467768"/>
-            <a:ext cx="6300239" cy="2134572"/>
-          </a:xfrm>
-          <a:prstGeom prst="rect">
-            <a:avLst/>
-          </a:prstGeom>
-          <a:noFill/>
-          <a:ln>
-            <a:noFill/>
-          </a:ln>
-        </p:spPr>
-      </p:pic>
     </p:spTree>
     <p:extLst>
       <p:ext uri="{BB962C8B-B14F-4D97-AF65-F5344CB8AC3E}">
-        <p14:creationId xmlns:p14="http://schemas.microsoft.com/office/powerpoint/2010/main" val="1121555192"/>
+        <p14:creationId xmlns:p14="http://schemas.microsoft.com/office/powerpoint/2010/main" val="1404709003"/>
       </p:ext>
     </p:extLst>
   </p:cSld>
@@ -6888,7 +7747,7 @@
           <p:cNvPr id="3" name="Titre 2">
             <a:extLst>
               <a:ext uri="{FF2B5EF4-FFF2-40B4-BE49-F238E27FC236}">
-                <a16:creationId xmlns:a16="http://schemas.microsoft.com/office/drawing/2014/main" id="{158C704D-4FE6-42C6-8D3A-3A19C902ADA4}"/>
+                <a16:creationId xmlns:a16="http://schemas.microsoft.com/office/drawing/2014/main" id="{746691C5-6519-4796-BF8F-9A439BF5E530}"/>
               </a:ext>
             </a:extLst>
           </p:cNvPr>
@@ -6905,26 +7764,29 @@
           <a:lstStyle/>
           <a:p>
             <a:r>
-              <a:rPr lang="fr-FR" sz="1200" dirty="0">
-                <a:solidFill>
-                  <a:srgbClr val="717073"/>
-                </a:solidFill>
-              </a:rPr>
+              <a:rPr lang="fr-FR" sz="1200" dirty="0"/>
               <a:t>Mon projet chef d’œuvre « Smart Fitness »: </a:t>
             </a:r>
             <a:r>
               <a:rPr lang="fr-FR" dirty="0"/>
-              <a:t>Recherche sur un site anglophone</a:t>
+              <a:t>La conception et le codage </a:t>
+            </a:r>
+            <a:br>
+              <a:rPr lang="fr-FR" dirty="0"/>
+            </a:br>
+            <a:r>
+              <a:rPr lang="fr-FR" dirty="0"/>
+              <a:t> 13. L’injection SQL</a:t>
             </a:r>
           </a:p>
         </p:txBody>
       </p:sp>
       <p:pic>
         <p:nvPicPr>
-          <p:cNvPr id="9" name="Image 8">
-            <a:extLst>
-              <a:ext uri="{FF2B5EF4-FFF2-40B4-BE49-F238E27FC236}">
-                <a16:creationId xmlns:a16="http://schemas.microsoft.com/office/drawing/2014/main" id="{8A856E22-F0A4-45A0-8D8F-6083847B4CCA}"/>
+          <p:cNvPr id="7" name="Image 6">
+            <a:extLst>
+              <a:ext uri="{FF2B5EF4-FFF2-40B4-BE49-F238E27FC236}">
+                <a16:creationId xmlns:a16="http://schemas.microsoft.com/office/drawing/2014/main" id="{BA5BC2C6-CD2F-4E7A-98FF-2642FF5FF5E2}"/>
               </a:ext>
             </a:extLst>
           </p:cNvPr>
@@ -6937,21 +7799,16 @@
           <a:blip r:embed="rId2">
             <a:lum/>
             <a:alphaModFix/>
-            <a:extLst>
-              <a:ext uri="{28A0092B-C50C-407E-A947-70E740481C1C}">
-                <a14:useLocalDpi xmlns:a14="http://schemas.microsoft.com/office/drawing/2010/main" val="0"/>
-              </a:ext>
-            </a:extLst>
           </a:blip>
-          <a:srcRect/>
+          <a:srcRect b="61118"/>
           <a:stretch>
             <a:fillRect/>
           </a:stretch>
         </p:blipFill>
         <p:spPr>
           <a:xfrm>
-            <a:off x="3779912" y="1131590"/>
-            <a:ext cx="3699042" cy="1655557"/>
+            <a:off x="808558" y="2241718"/>
+            <a:ext cx="3388072" cy="1389763"/>
           </a:xfrm>
           <a:prstGeom prst="rect">
             <a:avLst/>
@@ -6964,11 +7821,10 @@
       </p:pic>
       <p:pic>
         <p:nvPicPr>
-          <p:cNvPr id="7" name="Image 6">
-            <a:hlinkClick r:id="rId3"/>
-            <a:extLst>
-              <a:ext uri="{FF2B5EF4-FFF2-40B4-BE49-F238E27FC236}">
-                <a16:creationId xmlns:a16="http://schemas.microsoft.com/office/drawing/2014/main" id="{8026F9EC-6539-4766-BE09-4861D4E7006E}"/>
+          <p:cNvPr id="8" name="Image 7">
+            <a:extLst>
+              <a:ext uri="{FF2B5EF4-FFF2-40B4-BE49-F238E27FC236}">
+                <a16:creationId xmlns:a16="http://schemas.microsoft.com/office/drawing/2014/main" id="{A547A20D-1960-4624-9582-7D241193405A}"/>
               </a:ext>
             </a:extLst>
           </p:cNvPr>
@@ -6978,7 +7834,7 @@
           <p:nvPr/>
         </p:nvPicPr>
         <p:blipFill>
-          <a:blip r:embed="rId4">
+          <a:blip r:embed="rId3">
             <a:lum/>
             <a:alphaModFix/>
           </a:blip>
@@ -6989,8 +7845,8 @@
         </p:blipFill>
         <p:spPr>
           <a:xfrm>
-            <a:off x="750240" y="1507319"/>
-            <a:ext cx="2561760" cy="580680"/>
+            <a:off x="3666254" y="1735844"/>
+            <a:ext cx="648072" cy="577050"/>
           </a:xfrm>
           <a:prstGeom prst="rect">
             <a:avLst/>
@@ -7003,11 +7859,10 @@
       </p:pic>
       <p:pic>
         <p:nvPicPr>
-          <p:cNvPr id="8" name="Image 7">
-            <a:hlinkClick r:id="rId5"/>
-            <a:extLst>
-              <a:ext uri="{FF2B5EF4-FFF2-40B4-BE49-F238E27FC236}">
-                <a16:creationId xmlns:a16="http://schemas.microsoft.com/office/drawing/2014/main" id="{5289E681-2A11-4531-A86D-970D604EA37C}"/>
+          <p:cNvPr id="9" name="Image 8" descr="Une image contenant clipart&#10;&#10;Description générée automatiquement">
+            <a:extLst>
+              <a:ext uri="{FF2B5EF4-FFF2-40B4-BE49-F238E27FC236}">
+                <a16:creationId xmlns:a16="http://schemas.microsoft.com/office/drawing/2014/main" id="{DCF1512A-EAD2-4E92-B93B-50241B9ABC33}"/>
               </a:ext>
             </a:extLst>
           </p:cNvPr>
@@ -7017,7 +7872,88 @@
           <p:nvPr/>
         </p:nvPicPr>
         <p:blipFill>
-          <a:blip r:embed="rId6">
+          <a:blip r:embed="rId4" cstate="print">
+            <a:extLst>
+              <a:ext uri="{28A0092B-C50C-407E-A947-70E740481C1C}">
+                <a14:useLocalDpi xmlns:a14="http://schemas.microsoft.com/office/drawing/2010/main" val="0"/>
+              </a:ext>
+            </a:extLst>
+          </a:blip>
+          <a:stretch>
+            <a:fillRect/>
+          </a:stretch>
+        </p:blipFill>
+        <p:spPr>
+          <a:xfrm>
+            <a:off x="2040090" y="1136375"/>
+            <a:ext cx="958986" cy="771026"/>
+          </a:xfrm>
+          <a:prstGeom prst="rect">
+            <a:avLst/>
+          </a:prstGeom>
+        </p:spPr>
+      </p:pic>
+      <p:sp>
+        <p:nvSpPr>
+          <p:cNvPr id="6" name="Rectangle 5">
+            <a:extLst>
+              <a:ext uri="{FF2B5EF4-FFF2-40B4-BE49-F238E27FC236}">
+                <a16:creationId xmlns:a16="http://schemas.microsoft.com/office/drawing/2014/main" id="{DCC0CB5B-944E-4CF2-B7DF-32430AAABA72}"/>
+              </a:ext>
+            </a:extLst>
+          </p:cNvPr>
+          <p:cNvSpPr/>
+          <p:nvPr/>
+        </p:nvSpPr>
+        <p:spPr>
+          <a:xfrm>
+            <a:off x="4704723" y="2717062"/>
+            <a:ext cx="3649526" cy="646331"/>
+          </a:xfrm>
+          <a:prstGeom prst="rect">
+            <a:avLst/>
+          </a:prstGeom>
+        </p:spPr>
+        <p:txBody>
+          <a:bodyPr wrap="square">
+            <a:spAutoFit/>
+          </a:bodyPr>
+          <a:lstStyle/>
+          <a:p>
+            <a:r>
+              <a:rPr lang="fr-FR" dirty="0">
+                <a:latin typeface="Liberation Sans" pitchFamily="34"/>
+              </a:rPr>
+              <a:t> - Mapping </a:t>
+            </a:r>
+          </a:p>
+          <a:p>
+            <a:r>
+              <a:rPr lang="fr-FR" dirty="0">
+                <a:latin typeface="Liberation Sans" pitchFamily="34"/>
+              </a:rPr>
+              <a:t> - Requêtes paramétrées</a:t>
+            </a:r>
+            <a:endParaRPr lang="fr-FR" dirty="0"/>
+          </a:p>
+        </p:txBody>
+      </p:sp>
+      <p:pic>
+        <p:nvPicPr>
+          <p:cNvPr id="12" name="Image 11">
+            <a:extLst>
+              <a:ext uri="{FF2B5EF4-FFF2-40B4-BE49-F238E27FC236}">
+                <a16:creationId xmlns:a16="http://schemas.microsoft.com/office/drawing/2014/main" id="{1AE63AB2-D59A-4E98-AF6E-4105D9E4CE83}"/>
+              </a:ext>
+            </a:extLst>
+          </p:cNvPr>
+          <p:cNvPicPr>
+            <a:picLocks noChangeAspect="1"/>
+          </p:cNvPicPr>
+          <p:nvPr/>
+        </p:nvPicPr>
+        <p:blipFill>
+          <a:blip r:embed="rId5">
             <a:lum/>
             <a:alphaModFix/>
           </a:blip>
@@ -7028,8 +7964,8 @@
         </p:blipFill>
         <p:spPr>
           <a:xfrm>
-            <a:off x="781128" y="3215206"/>
-            <a:ext cx="2634686" cy="956113"/>
+            <a:off x="4673843" y="3733170"/>
+            <a:ext cx="4208219" cy="278702"/>
           </a:xfrm>
           <a:prstGeom prst="rect">
             <a:avLst/>
@@ -7042,33 +7978,82 @@
       </p:pic>
       <p:pic>
         <p:nvPicPr>
-          <p:cNvPr id="10" name="Image 9">
-            <a:hlinkClick r:id="rId7"/>
-            <a:extLst>
-              <a:ext uri="{FF2B5EF4-FFF2-40B4-BE49-F238E27FC236}">
-                <a16:creationId xmlns:a16="http://schemas.microsoft.com/office/drawing/2014/main" id="{E212CD6D-EC35-4336-8CC0-6D3CCF767F37}"/>
+          <p:cNvPr id="13" name="Picture 2" descr="security(2016)73">
+            <a:extLst>
+              <a:ext uri="{FF2B5EF4-FFF2-40B4-BE49-F238E27FC236}">
+                <a16:creationId xmlns:a16="http://schemas.microsoft.com/office/drawing/2014/main" id="{21F9C9A8-9BD7-41A7-B160-F634A8F2BBD1}"/>
               </a:ext>
             </a:extLst>
           </p:cNvPr>
           <p:cNvPicPr>
-            <a:picLocks noChangeAspect="1"/>
+            <a:picLocks noChangeAspect="1" noChangeArrowheads="1"/>
           </p:cNvPicPr>
           <p:nvPr/>
         </p:nvPicPr>
         <p:blipFill>
-          <a:blip r:embed="rId8">
-            <a:lum/>
-            <a:alphaModFix/>
+          <a:blip r:embed="rId6" cstate="print">
+            <a:extLst>
+              <a:ext uri="{28A0092B-C50C-407E-A947-70E740481C1C}">
+                <a14:useLocalDpi xmlns:a14="http://schemas.microsoft.com/office/drawing/2010/main" val="0"/>
+              </a:ext>
+            </a:extLst>
           </a:blip>
           <a:srcRect/>
           <a:stretch>
             <a:fillRect/>
           </a:stretch>
         </p:blipFill>
-        <p:spPr>
-          <a:xfrm>
-            <a:off x="4644008" y="3168572"/>
-            <a:ext cx="2966759" cy="1056959"/>
+        <p:spPr bwMode="auto">
+          <a:xfrm>
+            <a:off x="6205450" y="1197852"/>
+            <a:ext cx="648072" cy="648072"/>
+          </a:xfrm>
+          <a:prstGeom prst="rect">
+            <a:avLst/>
+          </a:prstGeom>
+          <a:noFill/>
+          <a:extLst>
+            <a:ext uri="{909E8E84-426E-40DD-AFC4-6F175D3DCCD1}">
+              <a14:hiddenFill xmlns:a14="http://schemas.microsoft.com/office/drawing/2010/main">
+                <a:solidFill>
+                  <a:srgbClr val="FFFFFF"/>
+                </a:solidFill>
+              </a14:hiddenFill>
+            </a:ext>
+          </a:extLst>
+        </p:spPr>
+      </p:pic>
+      <p:pic>
+        <p:nvPicPr>
+          <p:cNvPr id="14" name="Image 13">
+            <a:extLst>
+              <a:ext uri="{FF2B5EF4-FFF2-40B4-BE49-F238E27FC236}">
+                <a16:creationId xmlns:a16="http://schemas.microsoft.com/office/drawing/2014/main" id="{BA626DC1-8B0D-4815-9C19-A48DF027423F}"/>
+              </a:ext>
+            </a:extLst>
+          </p:cNvPr>
+          <p:cNvPicPr>
+            <a:picLocks noChangeAspect="1"/>
+          </p:cNvPicPr>
+          <p:nvPr/>
+        </p:nvPicPr>
+        <p:blipFill rotWithShape="1">
+          <a:blip r:embed="rId7">
+            <a:lum/>
+            <a:alphaModFix/>
+            <a:extLst>
+              <a:ext uri="{28A0092B-C50C-407E-A947-70E740481C1C}">
+                <a14:useLocalDpi xmlns:a14="http://schemas.microsoft.com/office/drawing/2010/main" val="0"/>
+              </a:ext>
+            </a:extLst>
+          </a:blip>
+          <a:srcRect l="15220" r="42083" b="81714"/>
+          <a:stretch/>
+        </p:blipFill>
+        <p:spPr>
+          <a:xfrm>
+            <a:off x="5573946" y="1941133"/>
+            <a:ext cx="1911080" cy="614496"/>
           </a:xfrm>
           <a:prstGeom prst="rect">
             <a:avLst/>
@@ -7079,10 +8064,46 @@
           </a:ln>
         </p:spPr>
       </p:pic>
+      <p:cxnSp>
+        <p:nvCxnSpPr>
+          <p:cNvPr id="15" name="Connecteur droit 14">
+            <a:extLst>
+              <a:ext uri="{FF2B5EF4-FFF2-40B4-BE49-F238E27FC236}">
+                <a16:creationId xmlns:a16="http://schemas.microsoft.com/office/drawing/2014/main" id="{5E5A5CEB-1BB4-40F0-8DD4-545E9254FEC4}"/>
+              </a:ext>
+            </a:extLst>
+          </p:cNvPr>
+          <p:cNvCxnSpPr/>
+          <p:nvPr/>
+        </p:nvCxnSpPr>
+        <p:spPr>
+          <a:xfrm>
+            <a:off x="4572000" y="1275606"/>
+            <a:ext cx="0" cy="3321988"/>
+          </a:xfrm>
+          <a:prstGeom prst="line">
+            <a:avLst/>
+          </a:prstGeom>
+        </p:spPr>
+        <p:style>
+          <a:lnRef idx="1">
+            <a:schemeClr val="accent1"/>
+          </a:lnRef>
+          <a:fillRef idx="0">
+            <a:schemeClr val="accent1"/>
+          </a:fillRef>
+          <a:effectRef idx="0">
+            <a:schemeClr val="accent1"/>
+          </a:effectRef>
+          <a:fontRef idx="minor">
+            <a:schemeClr val="tx1"/>
+          </a:fontRef>
+        </p:style>
+      </p:cxnSp>
     </p:spTree>
     <p:extLst>
       <p:ext uri="{BB962C8B-B14F-4D97-AF65-F5344CB8AC3E}">
-        <p14:creationId xmlns:p14="http://schemas.microsoft.com/office/powerpoint/2010/main" val="3720103920"/>
+        <p14:creationId xmlns:p14="http://schemas.microsoft.com/office/powerpoint/2010/main" val="2052558776"/>
       </p:ext>
     </p:extLst>
   </p:cSld>
@@ -7114,6 +8135,1454 @@
           <p:cNvPr id="3" name="Titre 2">
             <a:extLst>
               <a:ext uri="{FF2B5EF4-FFF2-40B4-BE49-F238E27FC236}">
+                <a16:creationId xmlns:a16="http://schemas.microsoft.com/office/drawing/2014/main" id="{746691C5-6519-4796-BF8F-9A439BF5E530}"/>
+              </a:ext>
+            </a:extLst>
+          </p:cNvPr>
+          <p:cNvSpPr>
+            <a:spLocks noGrp="1"/>
+          </p:cNvSpPr>
+          <p:nvPr>
+            <p:ph type="title"/>
+          </p:nvPr>
+        </p:nvSpPr>
+        <p:spPr/>
+        <p:txBody>
+          <a:bodyPr/>
+          <a:lstStyle/>
+          <a:p>
+            <a:r>
+              <a:rPr lang="fr-FR" sz="1200" dirty="0"/>
+              <a:t>Mon projet chef d’œuvre « Smart Fitness »: </a:t>
+            </a:r>
+            <a:r>
+              <a:rPr lang="fr-FR" dirty="0"/>
+              <a:t>La conception et le codage</a:t>
+            </a:r>
+            <a:br>
+              <a:rPr lang="fr-FR" dirty="0"/>
+            </a:br>
+            <a:r>
+              <a:rPr lang="fr-FR" dirty="0"/>
+              <a:t> 14. Java doc</a:t>
+            </a:r>
+          </a:p>
+        </p:txBody>
+      </p:sp>
+      <p:sp>
+        <p:nvSpPr>
+          <p:cNvPr id="2" name="Rectangle 1">
+            <a:extLst>
+              <a:ext uri="{FF2B5EF4-FFF2-40B4-BE49-F238E27FC236}">
+                <a16:creationId xmlns:a16="http://schemas.microsoft.com/office/drawing/2014/main" id="{11797539-246E-49A0-8651-D713325BDE0F}"/>
+              </a:ext>
+            </a:extLst>
+          </p:cNvPr>
+          <p:cNvSpPr/>
+          <p:nvPr/>
+        </p:nvSpPr>
+        <p:spPr>
+          <a:xfrm>
+            <a:off x="396000" y="1240464"/>
+            <a:ext cx="5904192" cy="464871"/>
+          </a:xfrm>
+          <a:prstGeom prst="rect">
+            <a:avLst/>
+          </a:prstGeom>
+        </p:spPr>
+        <p:txBody>
+          <a:bodyPr wrap="square">
+            <a:spAutoFit/>
+          </a:bodyPr>
+          <a:lstStyle/>
+          <a:p>
+            <a:pPr lvl="0">
+              <a:lnSpc>
+                <a:spcPct val="150000"/>
+              </a:lnSpc>
+              <a:buSzPct val="45000"/>
+            </a:pPr>
+            <a:r>
+              <a:rPr lang="fr-FR" u="sng" dirty="0"/>
+              <a:t>Objectif</a:t>
+            </a:r>
+            <a:r>
+              <a:rPr lang="fr-FR" dirty="0"/>
+              <a:t> : La documentation des composants du code source</a:t>
+            </a:r>
+          </a:p>
+        </p:txBody>
+      </p:sp>
+      <p:pic>
+        <p:nvPicPr>
+          <p:cNvPr id="11" name="Image 10">
+            <a:extLst>
+              <a:ext uri="{FF2B5EF4-FFF2-40B4-BE49-F238E27FC236}">
+                <a16:creationId xmlns:a16="http://schemas.microsoft.com/office/drawing/2014/main" id="{107E932C-378D-4ADC-8047-AB6E9899B082}"/>
+              </a:ext>
+            </a:extLst>
+          </p:cNvPr>
+          <p:cNvPicPr>
+            <a:picLocks noChangeAspect="1"/>
+          </p:cNvPicPr>
+          <p:nvPr/>
+        </p:nvPicPr>
+        <p:blipFill>
+          <a:blip r:embed="rId2">
+            <a:lum/>
+            <a:alphaModFix/>
+          </a:blip>
+          <a:srcRect/>
+          <a:stretch>
+            <a:fillRect/>
+          </a:stretch>
+        </p:blipFill>
+        <p:spPr>
+          <a:xfrm flipH="1">
+            <a:off x="6300192" y="1196900"/>
+            <a:ext cx="1152000" cy="811440"/>
+          </a:xfrm>
+          <a:prstGeom prst="rect">
+            <a:avLst/>
+          </a:prstGeom>
+          <a:noFill/>
+          <a:ln>
+            <a:noFill/>
+          </a:ln>
+        </p:spPr>
+      </p:pic>
+      <p:pic>
+        <p:nvPicPr>
+          <p:cNvPr id="15" name="Image 14">
+            <a:extLst>
+              <a:ext uri="{FF2B5EF4-FFF2-40B4-BE49-F238E27FC236}">
+                <a16:creationId xmlns:a16="http://schemas.microsoft.com/office/drawing/2014/main" id="{59BAB5C0-4B1C-4226-B587-9C57024B0B0D}"/>
+              </a:ext>
+            </a:extLst>
+          </p:cNvPr>
+          <p:cNvPicPr>
+            <a:picLocks noChangeAspect="1"/>
+          </p:cNvPicPr>
+          <p:nvPr/>
+        </p:nvPicPr>
+        <p:blipFill>
+          <a:blip r:embed="rId3">
+            <a:lum/>
+            <a:alphaModFix/>
+          </a:blip>
+          <a:srcRect/>
+          <a:stretch>
+            <a:fillRect/>
+          </a:stretch>
+        </p:blipFill>
+        <p:spPr>
+          <a:xfrm>
+            <a:off x="2033881" y="2200126"/>
+            <a:ext cx="4142879" cy="2476080"/>
+          </a:xfrm>
+          <a:prstGeom prst="rect">
+            <a:avLst/>
+          </a:prstGeom>
+          <a:noFill/>
+          <a:ln>
+            <a:noFill/>
+          </a:ln>
+        </p:spPr>
+      </p:pic>
+    </p:spTree>
+    <p:extLst>
+      <p:ext uri="{BB962C8B-B14F-4D97-AF65-F5344CB8AC3E}">
+        <p14:creationId xmlns:p14="http://schemas.microsoft.com/office/powerpoint/2010/main" val="1965778337"/>
+      </p:ext>
+    </p:extLst>
+  </p:cSld>
+  <p:clrMapOvr>
+    <a:masterClrMapping/>
+  </p:clrMapOvr>
+</p:sld>
+</file>
+
+<file path=ppt/slides/slide26.xml><?xml version="1.0" encoding="utf-8"?>
+<p:sld xmlns:a="http://schemas.openxmlformats.org/drawingml/2006/main" xmlns:r="http://schemas.openxmlformats.org/officeDocument/2006/relationships" xmlns:p="http://schemas.openxmlformats.org/presentationml/2006/main">
+  <p:cSld>
+    <p:spTree>
+      <p:nvGrpSpPr>
+        <p:cNvPr id="1" name=""/>
+        <p:cNvGrpSpPr/>
+        <p:nvPr/>
+      </p:nvGrpSpPr>
+      <p:grpSpPr>
+        <a:xfrm>
+          <a:off x="0" y="0"/>
+          <a:ext cx="0" cy="0"/>
+          <a:chOff x="0" y="0"/>
+          <a:chExt cx="0" cy="0"/>
+        </a:xfrm>
+      </p:grpSpPr>
+      <p:sp>
+        <p:nvSpPr>
+          <p:cNvPr id="3" name="Titre 2">
+            <a:extLst>
+              <a:ext uri="{FF2B5EF4-FFF2-40B4-BE49-F238E27FC236}">
+                <a16:creationId xmlns:a16="http://schemas.microsoft.com/office/drawing/2014/main" id="{746691C5-6519-4796-BF8F-9A439BF5E530}"/>
+              </a:ext>
+            </a:extLst>
+          </p:cNvPr>
+          <p:cNvSpPr>
+            <a:spLocks noGrp="1"/>
+          </p:cNvSpPr>
+          <p:nvPr>
+            <p:ph type="title"/>
+          </p:nvPr>
+        </p:nvSpPr>
+        <p:spPr/>
+        <p:txBody>
+          <a:bodyPr/>
+          <a:lstStyle/>
+          <a:p>
+            <a:r>
+              <a:rPr lang="fr-FR" sz="1200" dirty="0"/>
+              <a:t>Mon projet chef d’œuvre « Smart Fitness »: </a:t>
+            </a:r>
+            <a:r>
+              <a:rPr lang="fr-FR" dirty="0"/>
+              <a:t>La conception et le codage</a:t>
+            </a:r>
+            <a:br>
+              <a:rPr lang="fr-FR" dirty="0"/>
+            </a:br>
+            <a:r>
+              <a:rPr lang="fr-FR" dirty="0"/>
+              <a:t> 15. Les tests unitaires</a:t>
+            </a:r>
+          </a:p>
+        </p:txBody>
+      </p:sp>
+      <p:sp>
+        <p:nvSpPr>
+          <p:cNvPr id="2" name="Rectangle 1">
+            <a:extLst>
+              <a:ext uri="{FF2B5EF4-FFF2-40B4-BE49-F238E27FC236}">
+                <a16:creationId xmlns:a16="http://schemas.microsoft.com/office/drawing/2014/main" id="{11797539-246E-49A0-8651-D713325BDE0F}"/>
+              </a:ext>
+            </a:extLst>
+          </p:cNvPr>
+          <p:cNvSpPr/>
+          <p:nvPr/>
+        </p:nvSpPr>
+        <p:spPr>
+          <a:xfrm>
+            <a:off x="1691680" y="3363838"/>
+            <a:ext cx="5112568" cy="464871"/>
+          </a:xfrm>
+          <a:prstGeom prst="rect">
+            <a:avLst/>
+          </a:prstGeom>
+        </p:spPr>
+        <p:txBody>
+          <a:bodyPr wrap="square">
+            <a:spAutoFit/>
+          </a:bodyPr>
+          <a:lstStyle/>
+          <a:p>
+            <a:pPr lvl="0">
+              <a:lnSpc>
+                <a:spcPct val="150000"/>
+              </a:lnSpc>
+              <a:buSzPct val="45000"/>
+            </a:pPr>
+            <a:r>
+              <a:rPr lang="fr-FR" dirty="0"/>
+              <a:t>Entrée donnée </a:t>
+            </a:r>
+            <a:r>
+              <a:rPr lang="fr-FR" dirty="0">
+                <a:sym typeface="Wingdings" panose="05000000000000000000" pitchFamily="2" charset="2"/>
+              </a:rPr>
+              <a:t> sortie attendue</a:t>
+            </a:r>
+            <a:endParaRPr lang="fr-FR" dirty="0"/>
+          </a:p>
+        </p:txBody>
+      </p:sp>
+      <p:pic>
+        <p:nvPicPr>
+          <p:cNvPr id="6" name="Image 5">
+            <a:extLst>
+              <a:ext uri="{FF2B5EF4-FFF2-40B4-BE49-F238E27FC236}">
+                <a16:creationId xmlns:a16="http://schemas.microsoft.com/office/drawing/2014/main" id="{4985989A-F66B-4E1D-852E-CDE12A666679}"/>
+              </a:ext>
+            </a:extLst>
+          </p:cNvPr>
+          <p:cNvPicPr>
+            <a:picLocks noChangeAspect="1"/>
+          </p:cNvPicPr>
+          <p:nvPr/>
+        </p:nvPicPr>
+        <p:blipFill>
+          <a:blip r:embed="rId2">
+            <a:lum/>
+            <a:alphaModFix/>
+          </a:blip>
+          <a:srcRect/>
+          <a:stretch>
+            <a:fillRect/>
+          </a:stretch>
+        </p:blipFill>
+        <p:spPr>
+          <a:xfrm>
+            <a:off x="1547664" y="2283718"/>
+            <a:ext cx="4965300" cy="936104"/>
+          </a:xfrm>
+          <a:prstGeom prst="rect">
+            <a:avLst/>
+          </a:prstGeom>
+          <a:noFill/>
+          <a:ln>
+            <a:noFill/>
+          </a:ln>
+        </p:spPr>
+      </p:pic>
+      <p:sp>
+        <p:nvSpPr>
+          <p:cNvPr id="7" name="Rectangle 6">
+            <a:extLst>
+              <a:ext uri="{FF2B5EF4-FFF2-40B4-BE49-F238E27FC236}">
+                <a16:creationId xmlns:a16="http://schemas.microsoft.com/office/drawing/2014/main" id="{6AD20866-C040-4317-82A2-F34F5938F356}"/>
+              </a:ext>
+            </a:extLst>
+          </p:cNvPr>
+          <p:cNvSpPr/>
+          <p:nvPr/>
+        </p:nvSpPr>
+        <p:spPr>
+          <a:xfrm>
+            <a:off x="611560" y="1169678"/>
+            <a:ext cx="5112568" cy="464871"/>
+          </a:xfrm>
+          <a:prstGeom prst="rect">
+            <a:avLst/>
+          </a:prstGeom>
+        </p:spPr>
+        <p:txBody>
+          <a:bodyPr wrap="square">
+            <a:spAutoFit/>
+          </a:bodyPr>
+          <a:lstStyle/>
+          <a:p>
+            <a:pPr lvl="0">
+              <a:lnSpc>
+                <a:spcPct val="150000"/>
+              </a:lnSpc>
+              <a:buSzPct val="45000"/>
+            </a:pPr>
+            <a:r>
+              <a:rPr lang="fr-FR" u="sng" dirty="0"/>
+              <a:t>Objectif</a:t>
+            </a:r>
+            <a:r>
+              <a:rPr lang="fr-FR" dirty="0"/>
+              <a:t> : Tester les méthodes de chaque classe</a:t>
+            </a:r>
+          </a:p>
+        </p:txBody>
+      </p:sp>
+    </p:spTree>
+    <p:extLst>
+      <p:ext uri="{BB962C8B-B14F-4D97-AF65-F5344CB8AC3E}">
+        <p14:creationId xmlns:p14="http://schemas.microsoft.com/office/powerpoint/2010/main" val="3437041222"/>
+      </p:ext>
+    </p:extLst>
+  </p:cSld>
+  <p:clrMapOvr>
+    <a:masterClrMapping/>
+  </p:clrMapOvr>
+</p:sld>
+</file>
+
+<file path=ppt/slides/slide27.xml><?xml version="1.0" encoding="utf-8"?>
+<p:sld xmlns:a="http://schemas.openxmlformats.org/drawingml/2006/main" xmlns:r="http://schemas.openxmlformats.org/officeDocument/2006/relationships" xmlns:p="http://schemas.openxmlformats.org/presentationml/2006/main">
+  <p:cSld>
+    <p:spTree>
+      <p:nvGrpSpPr>
+        <p:cNvPr id="1" name=""/>
+        <p:cNvGrpSpPr/>
+        <p:nvPr/>
+      </p:nvGrpSpPr>
+      <p:grpSpPr>
+        <a:xfrm>
+          <a:off x="0" y="0"/>
+          <a:ext cx="0" cy="0"/>
+          <a:chOff x="0" y="0"/>
+          <a:chExt cx="0" cy="0"/>
+        </a:xfrm>
+      </p:grpSpPr>
+      <p:sp>
+        <p:nvSpPr>
+          <p:cNvPr id="3" name="Titre 2">
+            <a:extLst>
+              <a:ext uri="{FF2B5EF4-FFF2-40B4-BE49-F238E27FC236}">
+                <a16:creationId xmlns:a16="http://schemas.microsoft.com/office/drawing/2014/main" id="{746691C5-6519-4796-BF8F-9A439BF5E530}"/>
+              </a:ext>
+            </a:extLst>
+          </p:cNvPr>
+          <p:cNvSpPr>
+            <a:spLocks noGrp="1"/>
+          </p:cNvSpPr>
+          <p:nvPr>
+            <p:ph type="title"/>
+          </p:nvPr>
+        </p:nvSpPr>
+        <p:spPr/>
+        <p:txBody>
+          <a:bodyPr/>
+          <a:lstStyle/>
+          <a:p>
+            <a:r>
+              <a:rPr lang="fr-FR" sz="1200" dirty="0"/>
+              <a:t>Mon projet chef d’œuvre « Smart Fitness »: </a:t>
+            </a:r>
+            <a:r>
+              <a:rPr lang="fr-FR" dirty="0"/>
+              <a:t>La conception et le codage </a:t>
+            </a:r>
+            <a:br>
+              <a:rPr lang="fr-FR" dirty="0"/>
+            </a:br>
+            <a:r>
+              <a:rPr lang="fr-FR" dirty="0"/>
+              <a:t>16. Les tests fonctionnels</a:t>
+            </a:r>
+          </a:p>
+        </p:txBody>
+      </p:sp>
+      <p:sp>
+        <p:nvSpPr>
+          <p:cNvPr id="7" name="Rectangle 6">
+            <a:extLst>
+              <a:ext uri="{FF2B5EF4-FFF2-40B4-BE49-F238E27FC236}">
+                <a16:creationId xmlns:a16="http://schemas.microsoft.com/office/drawing/2014/main" id="{6AD20866-C040-4317-82A2-F34F5938F356}"/>
+              </a:ext>
+            </a:extLst>
+          </p:cNvPr>
+          <p:cNvSpPr/>
+          <p:nvPr/>
+        </p:nvSpPr>
+        <p:spPr>
+          <a:xfrm>
+            <a:off x="611560" y="1169678"/>
+            <a:ext cx="5112568" cy="464871"/>
+          </a:xfrm>
+          <a:prstGeom prst="rect">
+            <a:avLst/>
+          </a:prstGeom>
+        </p:spPr>
+        <p:txBody>
+          <a:bodyPr wrap="square">
+            <a:spAutoFit/>
+          </a:bodyPr>
+          <a:lstStyle/>
+          <a:p>
+            <a:pPr lvl="0">
+              <a:lnSpc>
+                <a:spcPct val="150000"/>
+              </a:lnSpc>
+              <a:buSzPct val="45000"/>
+            </a:pPr>
+            <a:r>
+              <a:rPr lang="fr-FR" u="sng" dirty="0"/>
+              <a:t>Objectif</a:t>
+            </a:r>
+            <a:r>
+              <a:rPr lang="fr-FR" dirty="0"/>
+              <a:t> : Tester les fonctionnalités de l’application</a:t>
+            </a:r>
+          </a:p>
+        </p:txBody>
+      </p:sp>
+      <p:pic>
+        <p:nvPicPr>
+          <p:cNvPr id="8" name="Image 7">
+            <a:extLst>
+              <a:ext uri="{FF2B5EF4-FFF2-40B4-BE49-F238E27FC236}">
+                <a16:creationId xmlns:a16="http://schemas.microsoft.com/office/drawing/2014/main" id="{E78235D0-2FD5-48F1-8E40-8728079CDA72}"/>
+              </a:ext>
+            </a:extLst>
+          </p:cNvPr>
+          <p:cNvPicPr>
+            <a:picLocks noChangeAspect="1"/>
+          </p:cNvPicPr>
+          <p:nvPr/>
+        </p:nvPicPr>
+        <p:blipFill>
+          <a:blip r:embed="rId2">
+            <a:lum/>
+            <a:alphaModFix/>
+          </a:blip>
+          <a:srcRect/>
+          <a:stretch>
+            <a:fillRect/>
+          </a:stretch>
+        </p:blipFill>
+        <p:spPr>
+          <a:xfrm>
+            <a:off x="3707904" y="2071710"/>
+            <a:ext cx="2304000" cy="500040"/>
+          </a:xfrm>
+          <a:prstGeom prst="rect">
+            <a:avLst/>
+          </a:prstGeom>
+          <a:noFill/>
+          <a:ln>
+            <a:noFill/>
+          </a:ln>
+        </p:spPr>
+      </p:pic>
+      <p:sp>
+        <p:nvSpPr>
+          <p:cNvPr id="9" name="Rectangle 8">
+            <a:extLst>
+              <a:ext uri="{FF2B5EF4-FFF2-40B4-BE49-F238E27FC236}">
+                <a16:creationId xmlns:a16="http://schemas.microsoft.com/office/drawing/2014/main" id="{C06E4F71-8333-4891-BE17-F6F7BF1551C6}"/>
+              </a:ext>
+            </a:extLst>
+          </p:cNvPr>
+          <p:cNvSpPr/>
+          <p:nvPr/>
+        </p:nvSpPr>
+        <p:spPr>
+          <a:xfrm>
+            <a:off x="899592" y="2071710"/>
+            <a:ext cx="2592288" cy="464871"/>
+          </a:xfrm>
+          <a:prstGeom prst="rect">
+            <a:avLst/>
+          </a:prstGeom>
+        </p:spPr>
+        <p:txBody>
+          <a:bodyPr wrap="square">
+            <a:spAutoFit/>
+          </a:bodyPr>
+          <a:lstStyle/>
+          <a:p>
+            <a:pPr lvl="0">
+              <a:lnSpc>
+                <a:spcPct val="150000"/>
+              </a:lnSpc>
+              <a:buSzPct val="45000"/>
+            </a:pPr>
+            <a:r>
+              <a:rPr lang="fr-FR" dirty="0"/>
+              <a:t>Élaborer des scénarios</a:t>
+            </a:r>
+          </a:p>
+        </p:txBody>
+      </p:sp>
+      <p:pic>
+        <p:nvPicPr>
+          <p:cNvPr id="10" name="Image 9">
+            <a:extLst>
+              <a:ext uri="{FF2B5EF4-FFF2-40B4-BE49-F238E27FC236}">
+                <a16:creationId xmlns:a16="http://schemas.microsoft.com/office/drawing/2014/main" id="{F3A9E109-E67C-4387-8168-A3CCE3781D54}"/>
+              </a:ext>
+            </a:extLst>
+          </p:cNvPr>
+          <p:cNvPicPr>
+            <a:picLocks noChangeAspect="1"/>
+          </p:cNvPicPr>
+          <p:nvPr/>
+        </p:nvPicPr>
+        <p:blipFill>
+          <a:blip r:embed="rId3">
+            <a:lum/>
+            <a:alphaModFix/>
+          </a:blip>
+          <a:srcRect/>
+          <a:stretch>
+            <a:fillRect/>
+          </a:stretch>
+        </p:blipFill>
+        <p:spPr>
+          <a:xfrm>
+            <a:off x="899592" y="2623352"/>
+            <a:ext cx="7286399" cy="1771200"/>
+          </a:xfrm>
+          <a:prstGeom prst="rect">
+            <a:avLst/>
+          </a:prstGeom>
+          <a:noFill/>
+          <a:ln>
+            <a:noFill/>
+          </a:ln>
+        </p:spPr>
+      </p:pic>
+    </p:spTree>
+    <p:extLst>
+      <p:ext uri="{BB962C8B-B14F-4D97-AF65-F5344CB8AC3E}">
+        <p14:creationId xmlns:p14="http://schemas.microsoft.com/office/powerpoint/2010/main" val="4286529994"/>
+      </p:ext>
+    </p:extLst>
+  </p:cSld>
+  <p:clrMapOvr>
+    <a:masterClrMapping/>
+  </p:clrMapOvr>
+</p:sld>
+</file>
+
+<file path=ppt/slides/slide28.xml><?xml version="1.0" encoding="utf-8"?>
+<p:sld xmlns:a="http://schemas.openxmlformats.org/drawingml/2006/main" xmlns:r="http://schemas.openxmlformats.org/officeDocument/2006/relationships" xmlns:p="http://schemas.openxmlformats.org/presentationml/2006/main">
+  <p:cSld>
+    <p:spTree>
+      <p:nvGrpSpPr>
+        <p:cNvPr id="1" name=""/>
+        <p:cNvGrpSpPr/>
+        <p:nvPr/>
+      </p:nvGrpSpPr>
+      <p:grpSpPr>
+        <a:xfrm>
+          <a:off x="0" y="0"/>
+          <a:ext cx="0" cy="0"/>
+          <a:chOff x="0" y="0"/>
+          <a:chExt cx="0" cy="0"/>
+        </a:xfrm>
+      </p:grpSpPr>
+      <p:sp>
+        <p:nvSpPr>
+          <p:cNvPr id="3" name="Titre 2">
+            <a:extLst>
+              <a:ext uri="{FF2B5EF4-FFF2-40B4-BE49-F238E27FC236}">
+                <a16:creationId xmlns:a16="http://schemas.microsoft.com/office/drawing/2014/main" id="{746691C5-6519-4796-BF8F-9A439BF5E530}"/>
+              </a:ext>
+            </a:extLst>
+          </p:cNvPr>
+          <p:cNvSpPr>
+            <a:spLocks noGrp="1"/>
+          </p:cNvSpPr>
+          <p:nvPr>
+            <p:ph type="title"/>
+          </p:nvPr>
+        </p:nvSpPr>
+        <p:spPr/>
+        <p:txBody>
+          <a:bodyPr/>
+          <a:lstStyle/>
+          <a:p>
+            <a:r>
+              <a:rPr lang="fr-FR" sz="1200" dirty="0"/>
+              <a:t>Mon projet chef d’œuvre « Smart Fitness »: </a:t>
+            </a:r>
+            <a:r>
+              <a:rPr lang="fr-FR" dirty="0"/>
+              <a:t>La conception et le codage </a:t>
+            </a:r>
+            <a:br>
+              <a:rPr lang="fr-FR" dirty="0"/>
+            </a:br>
+            <a:r>
+              <a:rPr lang="fr-FR" dirty="0"/>
+              <a:t>17. Le code </a:t>
+            </a:r>
+            <a:r>
+              <a:rPr lang="fr-FR" dirty="0" err="1"/>
+              <a:t>review</a:t>
+            </a:r>
+            <a:endParaRPr lang="fr-FR" dirty="0"/>
+          </a:p>
+        </p:txBody>
+      </p:sp>
+      <p:sp>
+        <p:nvSpPr>
+          <p:cNvPr id="7" name="Rectangle 6">
+            <a:extLst>
+              <a:ext uri="{FF2B5EF4-FFF2-40B4-BE49-F238E27FC236}">
+                <a16:creationId xmlns:a16="http://schemas.microsoft.com/office/drawing/2014/main" id="{6AD20866-C040-4317-82A2-F34F5938F356}"/>
+              </a:ext>
+            </a:extLst>
+          </p:cNvPr>
+          <p:cNvSpPr/>
+          <p:nvPr/>
+        </p:nvSpPr>
+        <p:spPr>
+          <a:xfrm>
+            <a:off x="611560" y="1169678"/>
+            <a:ext cx="5760640" cy="880369"/>
+          </a:xfrm>
+          <a:prstGeom prst="rect">
+            <a:avLst/>
+          </a:prstGeom>
+        </p:spPr>
+        <p:txBody>
+          <a:bodyPr wrap="square">
+            <a:spAutoFit/>
+          </a:bodyPr>
+          <a:lstStyle/>
+          <a:p>
+            <a:pPr lvl="0">
+              <a:lnSpc>
+                <a:spcPct val="150000"/>
+              </a:lnSpc>
+              <a:buSzPct val="45000"/>
+            </a:pPr>
+            <a:r>
+              <a:rPr lang="fr-FR" u="sng" dirty="0"/>
+              <a:t>Objectifs</a:t>
+            </a:r>
+            <a:r>
+              <a:rPr lang="fr-FR" dirty="0"/>
+              <a:t> : - Produire un code de qualité  </a:t>
+            </a:r>
+          </a:p>
+          <a:p>
+            <a:pPr lvl="0">
+              <a:lnSpc>
+                <a:spcPct val="150000"/>
+              </a:lnSpc>
+              <a:buSzPct val="45000"/>
+            </a:pPr>
+            <a:r>
+              <a:rPr lang="fr-FR" dirty="0"/>
+              <a:t>	 - détecter les bugs </a:t>
+            </a:r>
+          </a:p>
+        </p:txBody>
+      </p:sp>
+      <p:pic>
+        <p:nvPicPr>
+          <p:cNvPr id="11" name="Image 10">
+            <a:extLst>
+              <a:ext uri="{FF2B5EF4-FFF2-40B4-BE49-F238E27FC236}">
+                <a16:creationId xmlns:a16="http://schemas.microsoft.com/office/drawing/2014/main" id="{7AAD17B1-5F12-41B5-9C49-6AF9D07BC07F}"/>
+              </a:ext>
+            </a:extLst>
+          </p:cNvPr>
+          <p:cNvPicPr>
+            <a:picLocks noChangeAspect="1"/>
+          </p:cNvPicPr>
+          <p:nvPr/>
+        </p:nvPicPr>
+        <p:blipFill>
+          <a:blip r:embed="rId2">
+            <a:lum/>
+            <a:alphaModFix/>
+          </a:blip>
+          <a:srcRect/>
+          <a:stretch>
+            <a:fillRect/>
+          </a:stretch>
+        </p:blipFill>
+        <p:spPr>
+          <a:xfrm>
+            <a:off x="6228000" y="1079772"/>
+            <a:ext cx="2520000" cy="667800"/>
+          </a:xfrm>
+          <a:prstGeom prst="rect">
+            <a:avLst/>
+          </a:prstGeom>
+          <a:noFill/>
+          <a:ln>
+            <a:noFill/>
+          </a:ln>
+        </p:spPr>
+      </p:pic>
+      <p:pic>
+        <p:nvPicPr>
+          <p:cNvPr id="12" name="Image 11">
+            <a:extLst>
+              <a:ext uri="{FF2B5EF4-FFF2-40B4-BE49-F238E27FC236}">
+                <a16:creationId xmlns:a16="http://schemas.microsoft.com/office/drawing/2014/main" id="{206D22A4-6592-4BBF-B299-0593F2BA5531}"/>
+              </a:ext>
+            </a:extLst>
+          </p:cNvPr>
+          <p:cNvPicPr>
+            <a:picLocks noChangeAspect="1"/>
+          </p:cNvPicPr>
+          <p:nvPr/>
+        </p:nvPicPr>
+        <p:blipFill>
+          <a:blip r:embed="rId3">
+            <a:lum/>
+            <a:alphaModFix/>
+          </a:blip>
+          <a:srcRect/>
+          <a:stretch>
+            <a:fillRect/>
+          </a:stretch>
+        </p:blipFill>
+        <p:spPr>
+          <a:xfrm>
+            <a:off x="558528" y="2202332"/>
+            <a:ext cx="7775588" cy="1861396"/>
+          </a:xfrm>
+          <a:prstGeom prst="rect">
+            <a:avLst/>
+          </a:prstGeom>
+          <a:noFill/>
+          <a:ln>
+            <a:noFill/>
+          </a:ln>
+        </p:spPr>
+      </p:pic>
+    </p:spTree>
+    <p:extLst>
+      <p:ext uri="{BB962C8B-B14F-4D97-AF65-F5344CB8AC3E}">
+        <p14:creationId xmlns:p14="http://schemas.microsoft.com/office/powerpoint/2010/main" val="3220386362"/>
+      </p:ext>
+    </p:extLst>
+  </p:cSld>
+  <p:clrMapOvr>
+    <a:masterClrMapping/>
+  </p:clrMapOvr>
+</p:sld>
+</file>
+
+<file path=ppt/slides/slide29.xml><?xml version="1.0" encoding="utf-8"?>
+<p:sld xmlns:a="http://schemas.openxmlformats.org/drawingml/2006/main" xmlns:r="http://schemas.openxmlformats.org/officeDocument/2006/relationships" xmlns:p="http://schemas.openxmlformats.org/presentationml/2006/main">
+  <p:cSld>
+    <p:spTree>
+      <p:nvGrpSpPr>
+        <p:cNvPr id="1" name=""/>
+        <p:cNvGrpSpPr/>
+        <p:nvPr/>
+      </p:nvGrpSpPr>
+      <p:grpSpPr>
+        <a:xfrm>
+          <a:off x="0" y="0"/>
+          <a:ext cx="0" cy="0"/>
+          <a:chOff x="0" y="0"/>
+          <a:chExt cx="0" cy="0"/>
+        </a:xfrm>
+      </p:grpSpPr>
+      <p:sp>
+        <p:nvSpPr>
+          <p:cNvPr id="3" name="Titre 2">
+            <a:extLst>
+              <a:ext uri="{FF2B5EF4-FFF2-40B4-BE49-F238E27FC236}">
+                <a16:creationId xmlns:a16="http://schemas.microsoft.com/office/drawing/2014/main" id="{746691C5-6519-4796-BF8F-9A439BF5E530}"/>
+              </a:ext>
+            </a:extLst>
+          </p:cNvPr>
+          <p:cNvSpPr>
+            <a:spLocks noGrp="1"/>
+          </p:cNvSpPr>
+          <p:nvPr>
+            <p:ph type="title"/>
+          </p:nvPr>
+        </p:nvSpPr>
+        <p:spPr/>
+        <p:txBody>
+          <a:bodyPr/>
+          <a:lstStyle/>
+          <a:p>
+            <a:r>
+              <a:rPr lang="fr-FR" sz="1200" dirty="0"/>
+              <a:t>Mon projet chef d’œuvre « Smart Fitness »: </a:t>
+            </a:r>
+            <a:r>
+              <a:rPr lang="fr-FR" dirty="0"/>
+              <a:t>La conception et le codage – 18.</a:t>
+            </a:r>
+            <a:br>
+              <a:rPr lang="fr-FR" dirty="0"/>
+            </a:br>
+            <a:r>
+              <a:rPr lang="fr-FR" dirty="0"/>
+              <a:t> La sécurité applicative</a:t>
+            </a:r>
+          </a:p>
+        </p:txBody>
+      </p:sp>
+      <p:sp>
+        <p:nvSpPr>
+          <p:cNvPr id="7" name="Rectangle 6">
+            <a:extLst>
+              <a:ext uri="{FF2B5EF4-FFF2-40B4-BE49-F238E27FC236}">
+                <a16:creationId xmlns:a16="http://schemas.microsoft.com/office/drawing/2014/main" id="{6AD20866-C040-4317-82A2-F34F5938F356}"/>
+              </a:ext>
+            </a:extLst>
+          </p:cNvPr>
+          <p:cNvSpPr/>
+          <p:nvPr/>
+        </p:nvSpPr>
+        <p:spPr>
+          <a:xfrm>
+            <a:off x="611560" y="1169678"/>
+            <a:ext cx="6048672" cy="464871"/>
+          </a:xfrm>
+          <a:prstGeom prst="rect">
+            <a:avLst/>
+          </a:prstGeom>
+        </p:spPr>
+        <p:txBody>
+          <a:bodyPr wrap="square">
+            <a:spAutoFit/>
+          </a:bodyPr>
+          <a:lstStyle/>
+          <a:p>
+            <a:pPr lvl="0">
+              <a:lnSpc>
+                <a:spcPct val="150000"/>
+              </a:lnSpc>
+              <a:buSzPct val="45000"/>
+            </a:pPr>
+            <a:r>
+              <a:rPr lang="fr-FR" u="sng" dirty="0"/>
+              <a:t>Objectifs</a:t>
+            </a:r>
+            <a:r>
+              <a:rPr lang="fr-FR" dirty="0"/>
+              <a:t> : Identifier les failles de sécurité de l’application</a:t>
+            </a:r>
+          </a:p>
+        </p:txBody>
+      </p:sp>
+      <p:pic>
+        <p:nvPicPr>
+          <p:cNvPr id="6" name="Image 5">
+            <a:extLst>
+              <a:ext uri="{FF2B5EF4-FFF2-40B4-BE49-F238E27FC236}">
+                <a16:creationId xmlns:a16="http://schemas.microsoft.com/office/drawing/2014/main" id="{125946EF-AA28-45DD-9981-201CC7E03F52}"/>
+              </a:ext>
+            </a:extLst>
+          </p:cNvPr>
+          <p:cNvPicPr>
+            <a:picLocks noChangeAspect="1"/>
+          </p:cNvPicPr>
+          <p:nvPr/>
+        </p:nvPicPr>
+        <p:blipFill>
+          <a:blip r:embed="rId2">
+            <a:lum/>
+            <a:alphaModFix/>
+          </a:blip>
+          <a:srcRect/>
+          <a:stretch>
+            <a:fillRect/>
+          </a:stretch>
+        </p:blipFill>
+        <p:spPr>
+          <a:xfrm>
+            <a:off x="4541096" y="1718321"/>
+            <a:ext cx="1975120" cy="749447"/>
+          </a:xfrm>
+          <a:prstGeom prst="rect">
+            <a:avLst/>
+          </a:prstGeom>
+          <a:noFill/>
+          <a:ln>
+            <a:noFill/>
+          </a:ln>
+        </p:spPr>
+      </p:pic>
+      <p:sp>
+        <p:nvSpPr>
+          <p:cNvPr id="2" name="Rectangle 1">
+            <a:extLst>
+              <a:ext uri="{FF2B5EF4-FFF2-40B4-BE49-F238E27FC236}">
+                <a16:creationId xmlns:a16="http://schemas.microsoft.com/office/drawing/2014/main" id="{B77891C1-09B8-4BF7-A876-FD0C13FE83CC}"/>
+              </a:ext>
+            </a:extLst>
+          </p:cNvPr>
+          <p:cNvSpPr/>
+          <p:nvPr/>
+        </p:nvSpPr>
+        <p:spPr>
+          <a:xfrm>
+            <a:off x="827584" y="1778565"/>
+            <a:ext cx="3226011" cy="464871"/>
+          </a:xfrm>
+          <a:prstGeom prst="rect">
+            <a:avLst/>
+          </a:prstGeom>
+        </p:spPr>
+        <p:txBody>
+          <a:bodyPr wrap="none">
+            <a:spAutoFit/>
+          </a:bodyPr>
+          <a:lstStyle/>
+          <a:p>
+            <a:pPr lvl="0">
+              <a:lnSpc>
+                <a:spcPct val="150000"/>
+              </a:lnSpc>
+              <a:buSzPct val="45000"/>
+            </a:pPr>
+            <a:r>
+              <a:rPr lang="fr-FR" dirty="0"/>
+              <a:t>Réaliser des tests de pénétration</a:t>
+            </a:r>
+          </a:p>
+        </p:txBody>
+      </p:sp>
+      <p:pic>
+        <p:nvPicPr>
+          <p:cNvPr id="8" name="Image 7">
+            <a:extLst>
+              <a:ext uri="{FF2B5EF4-FFF2-40B4-BE49-F238E27FC236}">
+                <a16:creationId xmlns:a16="http://schemas.microsoft.com/office/drawing/2014/main" id="{23D55C6F-BA86-4BDB-B7E8-2756B9CC90BE}"/>
+              </a:ext>
+            </a:extLst>
+          </p:cNvPr>
+          <p:cNvPicPr>
+            <a:picLocks noChangeAspect="1"/>
+          </p:cNvPicPr>
+          <p:nvPr/>
+        </p:nvPicPr>
+        <p:blipFill>
+          <a:blip r:embed="rId3">
+            <a:lum/>
+            <a:alphaModFix/>
+          </a:blip>
+          <a:srcRect/>
+          <a:stretch>
+            <a:fillRect/>
+          </a:stretch>
+        </p:blipFill>
+        <p:spPr>
+          <a:xfrm>
+            <a:off x="1259632" y="2467768"/>
+            <a:ext cx="6300239" cy="2134572"/>
+          </a:xfrm>
+          <a:prstGeom prst="rect">
+            <a:avLst/>
+          </a:prstGeom>
+          <a:noFill/>
+          <a:ln>
+            <a:noFill/>
+          </a:ln>
+        </p:spPr>
+      </p:pic>
+    </p:spTree>
+    <p:extLst>
+      <p:ext uri="{BB962C8B-B14F-4D97-AF65-F5344CB8AC3E}">
+        <p14:creationId xmlns:p14="http://schemas.microsoft.com/office/powerpoint/2010/main" val="1121555192"/>
+      </p:ext>
+    </p:extLst>
+  </p:cSld>
+  <p:clrMapOvr>
+    <a:masterClrMapping/>
+  </p:clrMapOvr>
+</p:sld>
+</file>
+
+<file path=ppt/slides/slide3.xml><?xml version="1.0" encoding="utf-8"?>
+<p:sld xmlns:a="http://schemas.openxmlformats.org/drawingml/2006/main" xmlns:r="http://schemas.openxmlformats.org/officeDocument/2006/relationships" xmlns:p="http://schemas.openxmlformats.org/presentationml/2006/main">
+  <p:cSld>
+    <p:spTree>
+      <p:nvGrpSpPr>
+        <p:cNvPr id="1" name=""/>
+        <p:cNvGrpSpPr/>
+        <p:nvPr/>
+      </p:nvGrpSpPr>
+      <p:grpSpPr>
+        <a:xfrm>
+          <a:off x="0" y="0"/>
+          <a:ext cx="0" cy="0"/>
+          <a:chOff x="0" y="0"/>
+          <a:chExt cx="0" cy="0"/>
+        </a:xfrm>
+      </p:grpSpPr>
+      <p:sp>
+        <p:nvSpPr>
+          <p:cNvPr id="11" name="Rectangle 10">
+            <a:extLst>
+              <a:ext uri="{FF2B5EF4-FFF2-40B4-BE49-F238E27FC236}">
+                <a16:creationId xmlns:a16="http://schemas.microsoft.com/office/drawing/2014/main" id="{A05D4896-E12D-441E-9795-FDFAAA8392C9}"/>
+              </a:ext>
+            </a:extLst>
+          </p:cNvPr>
+          <p:cNvSpPr/>
+          <p:nvPr/>
+        </p:nvSpPr>
+        <p:spPr>
+          <a:xfrm>
+            <a:off x="467544" y="4597594"/>
+            <a:ext cx="2376264" cy="422428"/>
+          </a:xfrm>
+          <a:prstGeom prst="rect">
+            <a:avLst/>
+          </a:prstGeom>
+          <a:solidFill>
+            <a:schemeClr val="bg1"/>
+          </a:solidFill>
+          <a:ln>
+            <a:noFill/>
+          </a:ln>
+        </p:spPr>
+        <p:style>
+          <a:lnRef idx="2">
+            <a:schemeClr val="accent1">
+              <a:shade val="50000"/>
+            </a:schemeClr>
+          </a:lnRef>
+          <a:fillRef idx="1">
+            <a:schemeClr val="accent1"/>
+          </a:fillRef>
+          <a:effectRef idx="0">
+            <a:schemeClr val="accent1"/>
+          </a:effectRef>
+          <a:fontRef idx="minor">
+            <a:schemeClr val="lt1"/>
+          </a:fontRef>
+        </p:style>
+        <p:txBody>
+          <a:bodyPr rtlCol="0" anchor="ctr"/>
+          <a:lstStyle/>
+          <a:p>
+            <a:pPr algn="ctr"/>
+            <a:endParaRPr lang="fr-FR"/>
+          </a:p>
+        </p:txBody>
+      </p:sp>
+      <p:sp>
+        <p:nvSpPr>
+          <p:cNvPr id="3" name="Titre 2">
+            <a:extLst>
+              <a:ext uri="{FF2B5EF4-FFF2-40B4-BE49-F238E27FC236}">
+                <a16:creationId xmlns:a16="http://schemas.microsoft.com/office/drawing/2014/main" id="{746691C5-6519-4796-BF8F-9A439BF5E530}"/>
+              </a:ext>
+            </a:extLst>
+          </p:cNvPr>
+          <p:cNvSpPr>
+            <a:spLocks noGrp="1"/>
+          </p:cNvSpPr>
+          <p:nvPr>
+            <p:ph type="title"/>
+          </p:nvPr>
+        </p:nvSpPr>
+        <p:spPr/>
+        <p:txBody>
+          <a:bodyPr/>
+          <a:lstStyle/>
+          <a:p>
+            <a:r>
+              <a:rPr lang="fr-FR" sz="1200" dirty="0"/>
+              <a:t>Le contexte de mon stage </a:t>
+            </a:r>
+            <a:br>
+              <a:rPr lang="fr-FR" sz="1200" dirty="0"/>
+            </a:br>
+            <a:r>
+              <a:rPr lang="fr-FR" dirty="0"/>
+              <a:t>Le Groupe</a:t>
+            </a:r>
+            <a:br>
+              <a:rPr lang="fr-FR" dirty="0"/>
+            </a:br>
+            <a:r>
+              <a:rPr lang="fr-FR" dirty="0"/>
+              <a:t>La Poste</a:t>
+            </a:r>
+          </a:p>
+        </p:txBody>
+      </p:sp>
+      <p:pic>
+        <p:nvPicPr>
+          <p:cNvPr id="5" name="Picture 2" descr="Image associÃ©e">
+            <a:extLst>
+              <a:ext uri="{FF2B5EF4-FFF2-40B4-BE49-F238E27FC236}">
+                <a16:creationId xmlns:a16="http://schemas.microsoft.com/office/drawing/2014/main" id="{F2F70EBD-AABE-45E0-995B-178CC34D18F3}"/>
+              </a:ext>
+            </a:extLst>
+          </p:cNvPr>
+          <p:cNvPicPr>
+            <a:picLocks noChangeAspect="1" noChangeArrowheads="1"/>
+          </p:cNvPicPr>
+          <p:nvPr/>
+        </p:nvPicPr>
+        <p:blipFill>
+          <a:blip r:embed="rId2" cstate="print">
+            <a:extLst>
+              <a:ext uri="{28A0092B-C50C-407E-A947-70E740481C1C}">
+                <a14:useLocalDpi xmlns:a14="http://schemas.microsoft.com/office/drawing/2010/main" val="0"/>
+              </a:ext>
+            </a:extLst>
+          </a:blip>
+          <a:srcRect/>
+          <a:stretch>
+            <a:fillRect/>
+          </a:stretch>
+        </p:blipFill>
+        <p:spPr bwMode="auto">
+          <a:xfrm>
+            <a:off x="2662590" y="339502"/>
+            <a:ext cx="5642160" cy="4598892"/>
+          </a:xfrm>
+          <a:prstGeom prst="rect">
+            <a:avLst/>
+          </a:prstGeom>
+          <a:noFill/>
+          <a:extLst>
+            <a:ext uri="{909E8E84-426E-40DD-AFC4-6F175D3DCCD1}">
+              <a14:hiddenFill xmlns:a14="http://schemas.microsoft.com/office/drawing/2010/main">
+                <a:solidFill>
+                  <a:srgbClr val="FFFFFF"/>
+                </a:solidFill>
+              </a14:hiddenFill>
+            </a:ext>
+          </a:extLst>
+        </p:spPr>
+      </p:pic>
+    </p:spTree>
+    <p:extLst>
+      <p:ext uri="{BB962C8B-B14F-4D97-AF65-F5344CB8AC3E}">
+        <p14:creationId xmlns:p14="http://schemas.microsoft.com/office/powerpoint/2010/main" val="3929591567"/>
+      </p:ext>
+    </p:extLst>
+  </p:cSld>
+  <p:clrMapOvr>
+    <a:masterClrMapping/>
+  </p:clrMapOvr>
+</p:sld>
+</file>
+
+<file path=ppt/slides/slide30.xml><?xml version="1.0" encoding="utf-8"?>
+<p:sld xmlns:a="http://schemas.openxmlformats.org/drawingml/2006/main" xmlns:r="http://schemas.openxmlformats.org/officeDocument/2006/relationships" xmlns:p="http://schemas.openxmlformats.org/presentationml/2006/main">
+  <p:cSld>
+    <p:spTree>
+      <p:nvGrpSpPr>
+        <p:cNvPr id="1" name=""/>
+        <p:cNvGrpSpPr/>
+        <p:nvPr/>
+      </p:nvGrpSpPr>
+      <p:grpSpPr>
+        <a:xfrm>
+          <a:off x="0" y="0"/>
+          <a:ext cx="0" cy="0"/>
+          <a:chOff x="0" y="0"/>
+          <a:chExt cx="0" cy="0"/>
+        </a:xfrm>
+      </p:grpSpPr>
+      <p:sp>
+        <p:nvSpPr>
+          <p:cNvPr id="3" name="Titre 2">
+            <a:extLst>
+              <a:ext uri="{FF2B5EF4-FFF2-40B4-BE49-F238E27FC236}">
+                <a16:creationId xmlns:a16="http://schemas.microsoft.com/office/drawing/2014/main" id="{158C704D-4FE6-42C6-8D3A-3A19C902ADA4}"/>
+              </a:ext>
+            </a:extLst>
+          </p:cNvPr>
+          <p:cNvSpPr>
+            <a:spLocks noGrp="1"/>
+          </p:cNvSpPr>
+          <p:nvPr>
+            <p:ph type="title"/>
+          </p:nvPr>
+        </p:nvSpPr>
+        <p:spPr/>
+        <p:txBody>
+          <a:bodyPr/>
+          <a:lstStyle/>
+          <a:p>
+            <a:r>
+              <a:rPr lang="fr-FR" sz="1200" dirty="0">
+                <a:solidFill>
+                  <a:srgbClr val="717073"/>
+                </a:solidFill>
+              </a:rPr>
+              <a:t>Mon projet chef d’œuvre « Smart Fitness »: </a:t>
+            </a:r>
+            <a:r>
+              <a:rPr lang="fr-FR" dirty="0"/>
+              <a:t>Recherche sur un site anglophone</a:t>
+            </a:r>
+          </a:p>
+        </p:txBody>
+      </p:sp>
+      <p:pic>
+        <p:nvPicPr>
+          <p:cNvPr id="9" name="Image 8">
+            <a:extLst>
+              <a:ext uri="{FF2B5EF4-FFF2-40B4-BE49-F238E27FC236}">
+                <a16:creationId xmlns:a16="http://schemas.microsoft.com/office/drawing/2014/main" id="{8A856E22-F0A4-45A0-8D8F-6083847B4CCA}"/>
+              </a:ext>
+            </a:extLst>
+          </p:cNvPr>
+          <p:cNvPicPr>
+            <a:picLocks noChangeAspect="1"/>
+          </p:cNvPicPr>
+          <p:nvPr/>
+        </p:nvPicPr>
+        <p:blipFill>
+          <a:blip r:embed="rId2">
+            <a:lum/>
+            <a:alphaModFix/>
+            <a:extLst>
+              <a:ext uri="{28A0092B-C50C-407E-A947-70E740481C1C}">
+                <a14:useLocalDpi xmlns:a14="http://schemas.microsoft.com/office/drawing/2010/main" val="0"/>
+              </a:ext>
+            </a:extLst>
+          </a:blip>
+          <a:srcRect/>
+          <a:stretch>
+            <a:fillRect/>
+          </a:stretch>
+        </p:blipFill>
+        <p:spPr>
+          <a:xfrm>
+            <a:off x="3779912" y="1131590"/>
+            <a:ext cx="3699042" cy="1655557"/>
+          </a:xfrm>
+          <a:prstGeom prst="rect">
+            <a:avLst/>
+          </a:prstGeom>
+          <a:noFill/>
+          <a:ln>
+            <a:noFill/>
+          </a:ln>
+        </p:spPr>
+      </p:pic>
+      <p:pic>
+        <p:nvPicPr>
+          <p:cNvPr id="7" name="Image 6">
+            <a:hlinkClick r:id="rId3"/>
+            <a:extLst>
+              <a:ext uri="{FF2B5EF4-FFF2-40B4-BE49-F238E27FC236}">
+                <a16:creationId xmlns:a16="http://schemas.microsoft.com/office/drawing/2014/main" id="{8026F9EC-6539-4766-BE09-4861D4E7006E}"/>
+              </a:ext>
+            </a:extLst>
+          </p:cNvPr>
+          <p:cNvPicPr>
+            <a:picLocks noChangeAspect="1"/>
+          </p:cNvPicPr>
+          <p:nvPr/>
+        </p:nvPicPr>
+        <p:blipFill>
+          <a:blip r:embed="rId4">
+            <a:lum/>
+            <a:alphaModFix/>
+          </a:blip>
+          <a:srcRect/>
+          <a:stretch>
+            <a:fillRect/>
+          </a:stretch>
+        </p:blipFill>
+        <p:spPr>
+          <a:xfrm>
+            <a:off x="750240" y="1507319"/>
+            <a:ext cx="2561760" cy="580680"/>
+          </a:xfrm>
+          <a:prstGeom prst="rect">
+            <a:avLst/>
+          </a:prstGeom>
+          <a:noFill/>
+          <a:ln>
+            <a:noFill/>
+          </a:ln>
+        </p:spPr>
+      </p:pic>
+      <p:pic>
+        <p:nvPicPr>
+          <p:cNvPr id="8" name="Image 7">
+            <a:hlinkClick r:id="rId5"/>
+            <a:extLst>
+              <a:ext uri="{FF2B5EF4-FFF2-40B4-BE49-F238E27FC236}">
+                <a16:creationId xmlns:a16="http://schemas.microsoft.com/office/drawing/2014/main" id="{5289E681-2A11-4531-A86D-970D604EA37C}"/>
+              </a:ext>
+            </a:extLst>
+          </p:cNvPr>
+          <p:cNvPicPr>
+            <a:picLocks noChangeAspect="1"/>
+          </p:cNvPicPr>
+          <p:nvPr/>
+        </p:nvPicPr>
+        <p:blipFill>
+          <a:blip r:embed="rId6">
+            <a:lum/>
+            <a:alphaModFix/>
+          </a:blip>
+          <a:srcRect/>
+          <a:stretch>
+            <a:fillRect/>
+          </a:stretch>
+        </p:blipFill>
+        <p:spPr>
+          <a:xfrm>
+            <a:off x="781128" y="3215206"/>
+            <a:ext cx="2634686" cy="956113"/>
+          </a:xfrm>
+          <a:prstGeom prst="rect">
+            <a:avLst/>
+          </a:prstGeom>
+          <a:noFill/>
+          <a:ln>
+            <a:noFill/>
+          </a:ln>
+        </p:spPr>
+      </p:pic>
+      <p:pic>
+        <p:nvPicPr>
+          <p:cNvPr id="10" name="Image 9">
+            <a:hlinkClick r:id="rId7"/>
+            <a:extLst>
+              <a:ext uri="{FF2B5EF4-FFF2-40B4-BE49-F238E27FC236}">
+                <a16:creationId xmlns:a16="http://schemas.microsoft.com/office/drawing/2014/main" id="{E212CD6D-EC35-4336-8CC0-6D3CCF767F37}"/>
+              </a:ext>
+            </a:extLst>
+          </p:cNvPr>
+          <p:cNvPicPr>
+            <a:picLocks noChangeAspect="1"/>
+          </p:cNvPicPr>
+          <p:nvPr/>
+        </p:nvPicPr>
+        <p:blipFill>
+          <a:blip r:embed="rId8">
+            <a:lum/>
+            <a:alphaModFix/>
+          </a:blip>
+          <a:srcRect/>
+          <a:stretch>
+            <a:fillRect/>
+          </a:stretch>
+        </p:blipFill>
+        <p:spPr>
+          <a:xfrm>
+            <a:off x="4644008" y="3168572"/>
+            <a:ext cx="2966759" cy="1056959"/>
+          </a:xfrm>
+          <a:prstGeom prst="rect">
+            <a:avLst/>
+          </a:prstGeom>
+          <a:noFill/>
+          <a:ln>
+            <a:noFill/>
+          </a:ln>
+        </p:spPr>
+      </p:pic>
+    </p:spTree>
+    <p:extLst>
+      <p:ext uri="{BB962C8B-B14F-4D97-AF65-F5344CB8AC3E}">
+        <p14:creationId xmlns:p14="http://schemas.microsoft.com/office/powerpoint/2010/main" val="3720103920"/>
+      </p:ext>
+    </p:extLst>
+  </p:cSld>
+  <p:clrMapOvr>
+    <a:masterClrMapping/>
+  </p:clrMapOvr>
+</p:sld>
+</file>
+
+<file path=ppt/slides/slide31.xml><?xml version="1.0" encoding="utf-8"?>
+<p:sld xmlns:a="http://schemas.openxmlformats.org/drawingml/2006/main" xmlns:r="http://schemas.openxmlformats.org/officeDocument/2006/relationships" xmlns:p="http://schemas.openxmlformats.org/presentationml/2006/main">
+  <p:cSld>
+    <p:spTree>
+      <p:nvGrpSpPr>
+        <p:cNvPr id="1" name=""/>
+        <p:cNvGrpSpPr/>
+        <p:nvPr/>
+      </p:nvGrpSpPr>
+      <p:grpSpPr>
+        <a:xfrm>
+          <a:off x="0" y="0"/>
+          <a:ext cx="0" cy="0"/>
+          <a:chOff x="0" y="0"/>
+          <a:chExt cx="0" cy="0"/>
+        </a:xfrm>
+      </p:grpSpPr>
+      <p:sp>
+        <p:nvSpPr>
+          <p:cNvPr id="3" name="Titre 2">
+            <a:extLst>
+              <a:ext uri="{FF2B5EF4-FFF2-40B4-BE49-F238E27FC236}">
                 <a16:creationId xmlns:a16="http://schemas.microsoft.com/office/drawing/2014/main" id="{158C704D-4FE6-42C6-8D3A-3A19C902ADA4}"/>
               </a:ext>
             </a:extLst>
@@ -7201,7 +9670,7 @@
 </p:sld>
 </file>
 
-<file path=ppt/slides/slide26.xml><?xml version="1.0" encoding="utf-8"?>
+<file path=ppt/slides/slide32.xml><?xml version="1.0" encoding="utf-8"?>
 <p:sld xmlns:a="http://schemas.openxmlformats.org/drawingml/2006/main" xmlns:r="http://schemas.openxmlformats.org/officeDocument/2006/relationships" xmlns:p="http://schemas.openxmlformats.org/presentationml/2006/main">
   <p:cSld>
     <p:spTree>
@@ -7543,7 +10012,7 @@
 </p:sld>
 </file>
 
-<file path=ppt/slides/slide27.xml><?xml version="1.0" encoding="utf-8"?>
+<file path=ppt/slides/slide33.xml><?xml version="1.0" encoding="utf-8"?>
 <p:sld xmlns:a="http://schemas.openxmlformats.org/drawingml/2006/main" xmlns:r="http://schemas.openxmlformats.org/officeDocument/2006/relationships" xmlns:p="http://schemas.openxmlformats.org/presentationml/2006/main">
   <p:cSld>
     <p:spTree>
@@ -7657,7 +10126,7 @@
             <a:fld id="{733122C9-A0B9-462F-8757-0847AD287B63}" type="slidenum">
               <a:rPr lang="fr-FR" smtClean="0"/>
               <a:pPr/>
-              <a:t>27</a:t>
+              <a:t>33</a:t>
             </a:fld>
             <a:endParaRPr lang="fr-FR" dirty="0"/>
           </a:p>
@@ -7690,177 +10159,6 @@
     <p:extLst>
       <p:ext uri="{BB962C8B-B14F-4D97-AF65-F5344CB8AC3E}">
         <p14:creationId xmlns:p14="http://schemas.microsoft.com/office/powerpoint/2010/main" val="2395634798"/>
-      </p:ext>
-    </p:extLst>
-  </p:cSld>
-  <p:clrMapOvr>
-    <a:masterClrMapping/>
-  </p:clrMapOvr>
-</p:sld>
-</file>
-
-<file path=ppt/slides/slide3.xml><?xml version="1.0" encoding="utf-8"?>
-<p:sld xmlns:a="http://schemas.openxmlformats.org/drawingml/2006/main" xmlns:r="http://schemas.openxmlformats.org/officeDocument/2006/relationships" xmlns:p="http://schemas.openxmlformats.org/presentationml/2006/main">
-  <p:cSld>
-    <p:spTree>
-      <p:nvGrpSpPr>
-        <p:cNvPr id="1" name=""/>
-        <p:cNvGrpSpPr/>
-        <p:nvPr/>
-      </p:nvGrpSpPr>
-      <p:grpSpPr>
-        <a:xfrm>
-          <a:off x="0" y="0"/>
-          <a:ext cx="0" cy="0"/>
-          <a:chOff x="0" y="0"/>
-          <a:chExt cx="0" cy="0"/>
-        </a:xfrm>
-      </p:grpSpPr>
-      <p:sp>
-        <p:nvSpPr>
-          <p:cNvPr id="11" name="Rectangle 10">
-            <a:extLst>
-              <a:ext uri="{FF2B5EF4-FFF2-40B4-BE49-F238E27FC236}">
-                <a16:creationId xmlns:a16="http://schemas.microsoft.com/office/drawing/2014/main" id="{A05D4896-E12D-441E-9795-FDFAAA8392C9}"/>
-              </a:ext>
-            </a:extLst>
-          </p:cNvPr>
-          <p:cNvSpPr/>
-          <p:nvPr/>
-        </p:nvSpPr>
-        <p:spPr>
-          <a:xfrm>
-            <a:off x="467544" y="4597594"/>
-            <a:ext cx="2376264" cy="422428"/>
-          </a:xfrm>
-          <a:prstGeom prst="rect">
-            <a:avLst/>
-          </a:prstGeom>
-          <a:solidFill>
-            <a:schemeClr val="bg1"/>
-          </a:solidFill>
-          <a:ln>
-            <a:noFill/>
-          </a:ln>
-        </p:spPr>
-        <p:style>
-          <a:lnRef idx="2">
-            <a:schemeClr val="accent1">
-              <a:shade val="50000"/>
-            </a:schemeClr>
-          </a:lnRef>
-          <a:fillRef idx="1">
-            <a:schemeClr val="accent1"/>
-          </a:fillRef>
-          <a:effectRef idx="0">
-            <a:schemeClr val="accent1"/>
-          </a:effectRef>
-          <a:fontRef idx="minor">
-            <a:schemeClr val="lt1"/>
-          </a:fontRef>
-        </p:style>
-        <p:txBody>
-          <a:bodyPr rtlCol="0" anchor="ctr"/>
-          <a:lstStyle/>
-          <a:p>
-            <a:pPr algn="ctr"/>
-            <a:endParaRPr lang="fr-FR"/>
-          </a:p>
-        </p:txBody>
-      </p:sp>
-      <p:sp>
-        <p:nvSpPr>
-          <p:cNvPr id="3" name="Titre 2">
-            <a:extLst>
-              <a:ext uri="{FF2B5EF4-FFF2-40B4-BE49-F238E27FC236}">
-                <a16:creationId xmlns:a16="http://schemas.microsoft.com/office/drawing/2014/main" id="{746691C5-6519-4796-BF8F-9A439BF5E530}"/>
-              </a:ext>
-            </a:extLst>
-          </p:cNvPr>
-          <p:cNvSpPr>
-            <a:spLocks noGrp="1"/>
-          </p:cNvSpPr>
-          <p:nvPr>
-            <p:ph type="title"/>
-          </p:nvPr>
-        </p:nvSpPr>
-        <p:spPr/>
-        <p:txBody>
-          <a:bodyPr/>
-          <a:lstStyle/>
-          <a:p>
-            <a:r>
-              <a:rPr lang="fr-FR" sz="1200" dirty="0"/>
-              <a:t>Le contexte de mon stage </a:t>
-            </a:r>
-            <a:br>
-              <a:rPr lang="fr-FR" sz="1200" dirty="0"/>
-            </a:br>
-            <a:r>
-              <a:rPr lang="fr-FR" dirty="0"/>
-              <a:t>Le Groupe</a:t>
-            </a:r>
-            <a:br>
-              <a:rPr lang="fr-FR" dirty="0"/>
-            </a:br>
-            <a:r>
-              <a:rPr lang="fr-FR" dirty="0"/>
-              <a:t>La Poste</a:t>
-            </a:r>
-          </a:p>
-        </p:txBody>
-      </p:sp>
-      <p:pic>
-        <p:nvPicPr>
-          <p:cNvPr id="5" name="Picture 2" descr="Image associÃ©e">
-            <a:extLst>
-              <a:ext uri="{FF2B5EF4-FFF2-40B4-BE49-F238E27FC236}">
-                <a16:creationId xmlns:a16="http://schemas.microsoft.com/office/drawing/2014/main" id="{F2F70EBD-AABE-45E0-995B-178CC34D18F3}"/>
-              </a:ext>
-            </a:extLst>
-          </p:cNvPr>
-          <p:cNvPicPr>
-            <a:picLocks noChangeAspect="1" noChangeArrowheads="1"/>
-          </p:cNvPicPr>
-          <p:nvPr/>
-        </p:nvPicPr>
-        <p:blipFill>
-          <a:blip r:embed="rId2" cstate="print">
-            <a:extLst>
-              <a:ext uri="{28A0092B-C50C-407E-A947-70E740481C1C}">
-                <a14:useLocalDpi xmlns:a14="http://schemas.microsoft.com/office/drawing/2010/main" val="0"/>
-              </a:ext>
-            </a:extLst>
-          </a:blip>
-          <a:srcRect/>
-          <a:stretch>
-            <a:fillRect/>
-          </a:stretch>
-        </p:blipFill>
-        <p:spPr bwMode="auto">
-          <a:xfrm>
-            <a:off x="2662590" y="339502"/>
-            <a:ext cx="5642160" cy="4598892"/>
-          </a:xfrm>
-          <a:prstGeom prst="rect">
-            <a:avLst/>
-          </a:prstGeom>
-          <a:noFill/>
-          <a:extLst>
-            <a:ext uri="{909E8E84-426E-40DD-AFC4-6F175D3DCCD1}">
-              <a14:hiddenFill xmlns:a14="http://schemas.microsoft.com/office/drawing/2010/main">
-                <a:solidFill>
-                  <a:srgbClr val="FFFFFF"/>
-                </a:solidFill>
-              </a14:hiddenFill>
-            </a:ext>
-          </a:extLst>
-        </p:spPr>
-      </p:pic>
-    </p:spTree>
-    <p:extLst>
-      <p:ext uri="{BB962C8B-B14F-4D97-AF65-F5344CB8AC3E}">
-        <p14:creationId xmlns:p14="http://schemas.microsoft.com/office/powerpoint/2010/main" val="3929591567"/>
       </p:ext>
     </p:extLst>
   </p:cSld>
@@ -8446,148 +10744,12 @@
           <a:chExt cx="0" cy="0"/>
         </a:xfrm>
       </p:grpSpPr>
-      <p:sp>
-        <p:nvSpPr>
-          <p:cNvPr id="11" name="Rectangle 10">
-            <a:extLst>
-              <a:ext uri="{FF2B5EF4-FFF2-40B4-BE49-F238E27FC236}">
-                <a16:creationId xmlns:a16="http://schemas.microsoft.com/office/drawing/2014/main" id="{A05D4896-E12D-441E-9795-FDFAAA8392C9}"/>
-              </a:ext>
-            </a:extLst>
-          </p:cNvPr>
-          <p:cNvSpPr/>
-          <p:nvPr/>
-        </p:nvSpPr>
-        <p:spPr>
-          <a:xfrm>
-            <a:off x="467544" y="4597594"/>
-            <a:ext cx="2376264" cy="422428"/>
-          </a:xfrm>
-          <a:prstGeom prst="rect">
-            <a:avLst/>
-          </a:prstGeom>
-          <a:solidFill>
-            <a:schemeClr val="bg1"/>
-          </a:solidFill>
-          <a:ln>
-            <a:noFill/>
-          </a:ln>
-        </p:spPr>
-        <p:style>
-          <a:lnRef idx="2">
-            <a:schemeClr val="accent1">
-              <a:shade val="50000"/>
-            </a:schemeClr>
-          </a:lnRef>
-          <a:fillRef idx="1">
-            <a:schemeClr val="accent1"/>
-          </a:fillRef>
-          <a:effectRef idx="0">
-            <a:schemeClr val="accent1"/>
-          </a:effectRef>
-          <a:fontRef idx="minor">
-            <a:schemeClr val="lt1"/>
-          </a:fontRef>
-        </p:style>
-        <p:txBody>
-          <a:bodyPr rtlCol="0" anchor="ctr"/>
-          <a:lstStyle/>
-          <a:p>
-            <a:pPr algn="ctr"/>
-            <a:endParaRPr lang="fr-FR"/>
-          </a:p>
-        </p:txBody>
-      </p:sp>
-      <p:sp>
-        <p:nvSpPr>
-          <p:cNvPr id="3" name="Titre 2">
-            <a:extLst>
-              <a:ext uri="{FF2B5EF4-FFF2-40B4-BE49-F238E27FC236}">
-                <a16:creationId xmlns:a16="http://schemas.microsoft.com/office/drawing/2014/main" id="{746691C5-6519-4796-BF8F-9A439BF5E530}"/>
-              </a:ext>
-            </a:extLst>
-          </p:cNvPr>
-          <p:cNvSpPr>
-            <a:spLocks noGrp="1"/>
-          </p:cNvSpPr>
-          <p:nvPr>
-            <p:ph type="title"/>
-          </p:nvPr>
-        </p:nvSpPr>
-        <p:spPr/>
-        <p:txBody>
-          <a:bodyPr/>
-          <a:lstStyle/>
-          <a:p>
-            <a:r>
-              <a:rPr lang="fr-FR" sz="1200" dirty="0"/>
-              <a:t>Mon projet chef d’œuvre « Smart Fitness »: </a:t>
-            </a:r>
-            <a:r>
-              <a:rPr lang="fr-FR" dirty="0"/>
-              <a:t>La conception et le codage</a:t>
-            </a:r>
-            <a:br>
-              <a:rPr lang="fr-FR" dirty="0"/>
-            </a:br>
-            <a:r>
-              <a:rPr lang="fr-FR" dirty="0"/>
-              <a:t> 1. </a:t>
-            </a:r>
-            <a:r>
-              <a:rPr lang="fr-FR" dirty="0">
-                <a:sym typeface="Wingdings" panose="05000000000000000000" pitchFamily="2" charset="2"/>
-              </a:rPr>
-              <a:t>La modélisation</a:t>
-            </a:r>
-            <a:endParaRPr lang="fr-FR" dirty="0"/>
-          </a:p>
-        </p:txBody>
-      </p:sp>
       <p:pic>
         <p:nvPicPr>
-          <p:cNvPr id="5" name="Image 4">
-            <a:extLst>
-              <a:ext uri="{FF2B5EF4-FFF2-40B4-BE49-F238E27FC236}">
-                <a16:creationId xmlns:a16="http://schemas.microsoft.com/office/drawing/2014/main" id="{4A1894FE-976B-4BC2-BEAD-08F7193529B5}"/>
-              </a:ext>
-            </a:extLst>
-          </p:cNvPr>
-          <p:cNvPicPr>
-            <a:picLocks noChangeAspect="1"/>
-          </p:cNvPicPr>
-          <p:nvPr/>
-        </p:nvPicPr>
-        <p:blipFill>
-          <a:blip r:embed="rId2">
-            <a:lum/>
-            <a:alphaModFix/>
-          </a:blip>
-          <a:srcRect/>
-          <a:stretch>
-            <a:fillRect/>
-          </a:stretch>
-        </p:blipFill>
-        <p:spPr>
-          <a:xfrm>
-            <a:off x="467544" y="1113874"/>
-            <a:ext cx="6480720" cy="3969601"/>
-          </a:xfrm>
-          <a:prstGeom prst="rect">
-            <a:avLst/>
-          </a:prstGeom>
-          <a:noFill/>
-          <a:ln>
-            <a:noFill/>
-          </a:ln>
-        </p:spPr>
-      </p:pic>
-      <p:pic>
-        <p:nvPicPr>
-          <p:cNvPr id="6" name="Image 5">
-            <a:extLst>
-              <a:ext uri="{FF2B5EF4-FFF2-40B4-BE49-F238E27FC236}">
-                <a16:creationId xmlns:a16="http://schemas.microsoft.com/office/drawing/2014/main" id="{6134C031-8C59-4FEE-952A-55A127B5BF86}"/>
+          <p:cNvPr id="2" name="">
+            <a:extLst>
+              <a:ext uri="{FF2B5EF4-FFF2-40B4-BE49-F238E27FC236}">
+                <a16:creationId xmlns:a16="http://schemas.microsoft.com/office/drawing/2014/main" id="{BFB18CC0-919C-4198-AC81-8E654D9549F5}"/>
               </a:ext>
             </a:extLst>
           </p:cNvPr>
@@ -8608,24 +10770,243 @@
         </p:blipFill>
         <p:spPr>
           <a:xfrm>
-            <a:off x="7421739" y="990241"/>
-            <a:ext cx="1514160" cy="3943080"/>
+            <a:off x="350640" y="1779840"/>
+            <a:ext cx="3758040" cy="1656360"/>
           </a:xfrm>
           <a:prstGeom prst="rect">
             <a:avLst/>
           </a:prstGeom>
           <a:noFill/>
-          <a:ln>
+          <a:ln cap="flat">
             <a:noFill/>
           </a:ln>
         </p:spPr>
       </p:pic>
+      <p:pic>
+        <p:nvPicPr>
+          <p:cNvPr id="3" name="">
+            <a:extLst>
+              <a:ext uri="{FF2B5EF4-FFF2-40B4-BE49-F238E27FC236}">
+                <a16:creationId xmlns:a16="http://schemas.microsoft.com/office/drawing/2014/main" id="{C02D8841-1038-42AE-AEC9-B690D94B98DC}"/>
+              </a:ext>
+            </a:extLst>
+          </p:cNvPr>
+          <p:cNvPicPr>
+            <a:picLocks noChangeAspect="1"/>
+          </p:cNvPicPr>
+          <p:nvPr/>
+        </p:nvPicPr>
+        <p:blipFill>
+          <a:blip r:embed="rId4">
+            <a:lum/>
+            <a:alphaModFix/>
+          </a:blip>
+          <a:srcRect/>
+          <a:stretch>
+            <a:fillRect/>
+          </a:stretch>
+        </p:blipFill>
+        <p:spPr>
+          <a:xfrm>
+            <a:off x="5011200" y="1584720"/>
+            <a:ext cx="3489480" cy="2182680"/>
+          </a:xfrm>
+          <a:prstGeom prst="rect">
+            <a:avLst/>
+          </a:prstGeom>
+          <a:noFill/>
+          <a:ln cap="flat">
+            <a:noFill/>
+          </a:ln>
+        </p:spPr>
+      </p:pic>
+      <p:pic>
+        <p:nvPicPr>
+          <p:cNvPr id="4" name="">
+            <a:extLst>
+              <a:ext uri="{FF2B5EF4-FFF2-40B4-BE49-F238E27FC236}">
+                <a16:creationId xmlns:a16="http://schemas.microsoft.com/office/drawing/2014/main" id="{00BC6045-805A-489A-88EF-08B1386342D5}"/>
+              </a:ext>
+            </a:extLst>
+          </p:cNvPr>
+          <p:cNvPicPr>
+            <a:picLocks noChangeAspect="1"/>
+          </p:cNvPicPr>
+          <p:nvPr/>
+        </p:nvPicPr>
+        <p:blipFill>
+          <a:blip r:embed="rId5">
+            <a:lum/>
+            <a:alphaModFix/>
+          </a:blip>
+          <a:srcRect/>
+          <a:stretch>
+            <a:fillRect/>
+          </a:stretch>
+        </p:blipFill>
+        <p:spPr>
+          <a:xfrm>
+            <a:off x="4350600" y="2312640"/>
+            <a:ext cx="475920" cy="380520"/>
+          </a:xfrm>
+          <a:prstGeom prst="rect">
+            <a:avLst/>
+          </a:prstGeom>
+          <a:noFill/>
+          <a:ln cap="flat">
+            <a:noFill/>
+          </a:ln>
+        </p:spPr>
+      </p:pic>
+      <p:sp>
+        <p:nvSpPr>
+          <p:cNvPr id="5" name="Titre 2">
+            <a:extLst>
+              <a:ext uri="{FF2B5EF4-FFF2-40B4-BE49-F238E27FC236}">
+                <a16:creationId xmlns:a16="http://schemas.microsoft.com/office/drawing/2014/main" id="{C3588C23-AFF5-4E3E-AC8D-5387F3EA07F6}"/>
+              </a:ext>
+            </a:extLst>
+          </p:cNvPr>
+          <p:cNvSpPr txBox="1">
+            <a:spLocks noGrp="1"/>
+          </p:cNvSpPr>
+          <p:nvPr>
+            <p:ph type="title"/>
+          </p:nvPr>
+        </p:nvSpPr>
+        <p:spPr>
+          <a:xfrm>
+            <a:off x="1223639" y="3855240"/>
+            <a:ext cx="3281760" cy="479880"/>
+          </a:xfrm>
+        </p:spPr>
+        <p:txBody>
+          <a:bodyPr/>
+          <a:lstStyle/>
+          <a:p>
+            <a:pPr lvl="0"/>
+            <a:r>
+              <a:rPr lang="fr-FR" sz="2000" b="1"/>
+              <a:t>Analyse des besoins</a:t>
+            </a:r>
+          </a:p>
+        </p:txBody>
+      </p:sp>
+      <p:sp>
+        <p:nvSpPr>
+          <p:cNvPr id="6" name="Titre 2">
+            <a:extLst>
+              <a:ext uri="{FF2B5EF4-FFF2-40B4-BE49-F238E27FC236}">
+                <a16:creationId xmlns:a16="http://schemas.microsoft.com/office/drawing/2014/main" id="{A241D4E4-0C62-4BDF-A832-C9806981AC6D}"/>
+              </a:ext>
+            </a:extLst>
+          </p:cNvPr>
+          <p:cNvSpPr txBox="1">
+            <a:spLocks noGrp="1"/>
+          </p:cNvSpPr>
+          <p:nvPr>
+            <p:ph type="title" idx="4294967295"/>
+          </p:nvPr>
+        </p:nvSpPr>
+        <p:spPr>
+          <a:xfrm>
+            <a:off x="4901760" y="3834720"/>
+            <a:ext cx="3969719" cy="479880"/>
+          </a:xfrm>
+        </p:spPr>
+        <p:txBody>
+          <a:bodyPr/>
+          <a:lstStyle/>
+          <a:p>
+            <a:pPr lvl="0"/>
+            <a:r>
+              <a:rPr lang="fr-FR" b="1"/>
+              <a:t>Modèle logique de données</a:t>
+            </a:r>
+          </a:p>
+        </p:txBody>
+      </p:sp>
+      <p:pic>
+        <p:nvPicPr>
+          <p:cNvPr id="7" name="">
+            <a:extLst>
+              <a:ext uri="{FF2B5EF4-FFF2-40B4-BE49-F238E27FC236}">
+                <a16:creationId xmlns:a16="http://schemas.microsoft.com/office/drawing/2014/main" id="{C9EAB7F7-76C6-494C-85CD-70F93AE84013}"/>
+              </a:ext>
+            </a:extLst>
+          </p:cNvPr>
+          <p:cNvPicPr>
+            <a:picLocks noChangeAspect="1"/>
+          </p:cNvPicPr>
+          <p:nvPr/>
+        </p:nvPicPr>
+        <p:blipFill>
+          <a:blip r:embed="rId5">
+            <a:lum/>
+            <a:alphaModFix/>
+          </a:blip>
+          <a:srcRect/>
+          <a:stretch>
+            <a:fillRect/>
+          </a:stretch>
+        </p:blipFill>
+        <p:spPr>
+          <a:xfrm>
+            <a:off x="4309200" y="3828600"/>
+            <a:ext cx="475920" cy="380520"/>
+          </a:xfrm>
+          <a:prstGeom prst="rect">
+            <a:avLst/>
+          </a:prstGeom>
+          <a:noFill/>
+          <a:ln cap="flat">
+            <a:noFill/>
+          </a:ln>
+        </p:spPr>
+      </p:pic>
+      <p:sp>
+        <p:nvSpPr>
+          <p:cNvPr id="8" name="Titre 2">
+            <a:extLst>
+              <a:ext uri="{FF2B5EF4-FFF2-40B4-BE49-F238E27FC236}">
+                <a16:creationId xmlns:a16="http://schemas.microsoft.com/office/drawing/2014/main" id="{3874693A-39D1-491B-BEAF-CDEA3F4D104F}"/>
+              </a:ext>
+            </a:extLst>
+          </p:cNvPr>
+          <p:cNvSpPr txBox="1">
+            <a:spLocks noGrp="1"/>
+          </p:cNvSpPr>
+          <p:nvPr>
+            <p:ph type="title" idx="4294967295"/>
+          </p:nvPr>
+        </p:nvSpPr>
+        <p:spPr>
+          <a:xfrm>
+            <a:off x="396000" y="587520"/>
+            <a:ext cx="8352000" cy="479880"/>
+          </a:xfrm>
+        </p:spPr>
+        <p:txBody>
+          <a:bodyPr/>
+          <a:lstStyle/>
+          <a:p>
+            <a:pPr lvl="0"/>
+            <a:r>
+              <a:rPr lang="fr-FR" sz="1200"/>
+              <a:t>Mon projet chef d’œuvre « Smart Fitness »: </a:t>
+            </a:r>
+            <a:r>
+              <a:rPr lang="fr-FR"/>
+              <a:t>La conception et le codage</a:t>
+            </a:r>
+            <a:br>
+              <a:rPr lang="fr-FR"/>
+            </a:br>
+            <a:endParaRPr lang="fr-FR"/>
+          </a:p>
+        </p:txBody>
+      </p:sp>
     </p:spTree>
-    <p:extLst>
-      <p:ext uri="{BB962C8B-B14F-4D97-AF65-F5344CB8AC3E}">
-        <p14:creationId xmlns:p14="http://schemas.microsoft.com/office/powerpoint/2010/main" val="3415266393"/>
-      </p:ext>
-    </p:extLst>
   </p:cSld>
   <p:clrMapOvr>
     <a:masterClrMapping/>
@@ -8652,10 +11033,10 @@
       </p:grpSpPr>
       <p:sp>
         <p:nvSpPr>
-          <p:cNvPr id="14" name="Rectangle 13">
-            <a:extLst>
-              <a:ext uri="{FF2B5EF4-FFF2-40B4-BE49-F238E27FC236}">
-                <a16:creationId xmlns:a16="http://schemas.microsoft.com/office/drawing/2014/main" id="{2F678139-529D-4082-B04C-CACE75CF503E}"/>
+          <p:cNvPr id="11" name="Rectangle 10">
+            <a:extLst>
+              <a:ext uri="{FF2B5EF4-FFF2-40B4-BE49-F238E27FC236}">
+                <a16:creationId xmlns:a16="http://schemas.microsoft.com/office/drawing/2014/main" id="{A05D4896-E12D-441E-9795-FDFAAA8392C9}"/>
               </a:ext>
             </a:extLst>
           </p:cNvPr>
@@ -8664,8 +11045,8 @@
         </p:nvSpPr>
         <p:spPr>
           <a:xfrm>
-            <a:off x="539552" y="4597594"/>
-            <a:ext cx="1656182" cy="422428"/>
+            <a:off x="467544" y="4597594"/>
+            <a:ext cx="2376264" cy="422428"/>
           </a:xfrm>
           <a:prstGeom prst="rect">
             <a:avLst/>
@@ -8704,42 +11085,10 @@
       </p:sp>
       <p:sp>
         <p:nvSpPr>
-          <p:cNvPr id="2" name="Espace réservé du contenu 1">
-            <a:extLst>
-              <a:ext uri="{FF2B5EF4-FFF2-40B4-BE49-F238E27FC236}">
-                <a16:creationId xmlns:a16="http://schemas.microsoft.com/office/drawing/2014/main" id="{0C0C6A94-E20F-4ECB-8AB6-46FC7EEBE03D}"/>
-              </a:ext>
-            </a:extLst>
-          </p:cNvPr>
-          <p:cNvSpPr>
-            <a:spLocks noGrp="1"/>
-          </p:cNvSpPr>
-          <p:nvPr>
-            <p:ph idx="1"/>
-          </p:nvPr>
-        </p:nvSpPr>
-        <p:spPr/>
-        <p:txBody>
-          <a:bodyPr/>
-          <a:lstStyle/>
-          <a:p>
-            <a:r>
-              <a:rPr lang="fr-FR" b="1" dirty="0"/>
-              <a:t>L’identité visuelle du site </a:t>
-            </a:r>
-            <a:endParaRPr lang="fr-FR" dirty="0"/>
-          </a:p>
-          <a:p>
-            <a:endParaRPr lang="fr-FR" dirty="0"/>
-          </a:p>
-        </p:txBody>
-      </p:sp>
-      <p:sp>
-        <p:nvSpPr>
           <p:cNvPr id="3" name="Titre 2">
             <a:extLst>
               <a:ext uri="{FF2B5EF4-FFF2-40B4-BE49-F238E27FC236}">
-                <a16:creationId xmlns:a16="http://schemas.microsoft.com/office/drawing/2014/main" id="{158C704D-4FE6-42C6-8D3A-3A19C902ADA4}"/>
+                <a16:creationId xmlns:a16="http://schemas.microsoft.com/office/drawing/2014/main" id="{746691C5-6519-4796-BF8F-9A439BF5E530}"/>
               </a:ext>
             </a:extLst>
           </p:cNvPr>
@@ -8768,101 +11117,24 @@
             </a:br>
             <a:r>
               <a:rPr lang="fr-FR" dirty="0"/>
-              <a:t> 2. </a:t>
+              <a:t> 1. </a:t>
             </a:r>
             <a:r>
               <a:rPr lang="fr-FR" dirty="0">
                 <a:sym typeface="Wingdings" panose="05000000000000000000" pitchFamily="2" charset="2"/>
               </a:rPr>
-              <a:t>L’identité visuelle</a:t>
+              <a:t>La modélisation</a:t>
             </a:r>
             <a:endParaRPr lang="fr-FR" dirty="0"/>
           </a:p>
         </p:txBody>
       </p:sp>
-      <p:graphicFrame>
-        <p:nvGraphicFramePr>
-          <p:cNvPr id="12" name="Tableau 11">
-            <a:extLst>
-              <a:ext uri="{FF2B5EF4-FFF2-40B4-BE49-F238E27FC236}">
-                <a16:creationId xmlns:a16="http://schemas.microsoft.com/office/drawing/2014/main" id="{27338D44-EE06-4D6B-89B7-1272D33B7A38}"/>
-              </a:ext>
-            </a:extLst>
-          </p:cNvPr>
-          <p:cNvGraphicFramePr>
-            <a:graphicFrameLocks noGrp="1"/>
-          </p:cNvGraphicFramePr>
-          <p:nvPr/>
-        </p:nvGraphicFramePr>
-        <p:xfrm>
-          <a:off x="357248" y="1707654"/>
-          <a:ext cx="8429504" cy="304800"/>
-        </p:xfrm>
-        <a:graphic>
-          <a:graphicData uri="http://schemas.openxmlformats.org/drawingml/2006/table">
-            <a:tbl>
-              <a:tblPr firstRow="1" bandRow="1">
-                <a:tableStyleId>{5C22544A-7EE6-4342-B048-85BDC9FD1C3A}</a:tableStyleId>
-              </a:tblPr>
-              <a:tblGrid>
-                <a:gridCol w="4214752">
-                  <a:extLst>
-                    <a:ext uri="{9D8B030D-6E8A-4147-A177-3AD203B41FA5}">
-                      <a16:colId xmlns:a16="http://schemas.microsoft.com/office/drawing/2014/main" val="1203709863"/>
-                    </a:ext>
-                  </a:extLst>
-                </a:gridCol>
-                <a:gridCol w="4214752">
-                  <a:extLst>
-                    <a:ext uri="{9D8B030D-6E8A-4147-A177-3AD203B41FA5}">
-                      <a16:colId xmlns:a16="http://schemas.microsoft.com/office/drawing/2014/main" val="2525409952"/>
-                    </a:ext>
-                  </a:extLst>
-                </a:gridCol>
-              </a:tblGrid>
-              <a:tr h="216024">
-                <a:tc>
-                  <a:txBody>
-                    <a:bodyPr/>
-                    <a:lstStyle/>
-                    <a:p>
-                      <a:r>
-                        <a:rPr lang="fr-FR" sz="1400" dirty="0"/>
-                        <a:t> la page de réservation</a:t>
-                      </a:r>
-                    </a:p>
-                  </a:txBody>
-                  <a:tcPr/>
-                </a:tc>
-                <a:tc>
-                  <a:txBody>
-                    <a:bodyPr/>
-                    <a:lstStyle/>
-                    <a:p>
-                      <a:r>
-                        <a:rPr lang="fr-FR" sz="1400" dirty="0"/>
-                        <a:t>Revenues et dépenses</a:t>
-                      </a:r>
-                    </a:p>
-                  </a:txBody>
-                  <a:tcPr/>
-                </a:tc>
-                <a:extLst>
-                  <a:ext uri="{0D108BD9-81ED-4DB2-BD59-A6C34878D82A}">
-                    <a16:rowId xmlns:a16="http://schemas.microsoft.com/office/drawing/2014/main" val="1455011"/>
-                  </a:ext>
-                </a:extLst>
-              </a:tr>
-            </a:tbl>
-          </a:graphicData>
-        </a:graphic>
-      </p:graphicFrame>
       <p:pic>
         <p:nvPicPr>
-          <p:cNvPr id="13" name="Image 12">
-            <a:extLst>
-              <a:ext uri="{FF2B5EF4-FFF2-40B4-BE49-F238E27FC236}">
-                <a16:creationId xmlns:a16="http://schemas.microsoft.com/office/drawing/2014/main" id="{C53F45BC-2785-44FB-A0DD-9355BC5060C8}"/>
+          <p:cNvPr id="5" name="Image 4">
+            <a:extLst>
+              <a:ext uri="{FF2B5EF4-FFF2-40B4-BE49-F238E27FC236}">
+                <a16:creationId xmlns:a16="http://schemas.microsoft.com/office/drawing/2014/main" id="{4A1894FE-976B-4BC2-BEAD-08F7193529B5}"/>
               </a:ext>
             </a:extLst>
           </p:cNvPr>
@@ -8872,14 +11144,9 @@
           <p:nvPr/>
         </p:nvPicPr>
         <p:blipFill>
-          <a:blip r:embed="rId2" cstate="print">
+          <a:blip r:embed="rId2">
             <a:lum/>
             <a:alphaModFix/>
-            <a:extLst>
-              <a:ext uri="{28A0092B-C50C-407E-A947-70E740481C1C}">
-                <a14:useLocalDpi xmlns:a14="http://schemas.microsoft.com/office/drawing/2010/main" val="0"/>
-              </a:ext>
-            </a:extLst>
           </a:blip>
           <a:srcRect/>
           <a:stretch>
@@ -8888,8 +11155,8 @@
         </p:blipFill>
         <p:spPr>
           <a:xfrm>
-            <a:off x="1259632" y="2095722"/>
-            <a:ext cx="2231964" cy="2952328"/>
+            <a:off x="467544" y="1113874"/>
+            <a:ext cx="6480720" cy="3969601"/>
           </a:xfrm>
           <a:prstGeom prst="rect">
             <a:avLst/>
@@ -8902,10 +11169,10 @@
       </p:pic>
       <p:pic>
         <p:nvPicPr>
-          <p:cNvPr id="15" name="Image 14">
-            <a:extLst>
-              <a:ext uri="{FF2B5EF4-FFF2-40B4-BE49-F238E27FC236}">
-                <a16:creationId xmlns:a16="http://schemas.microsoft.com/office/drawing/2014/main" id="{097753A1-B506-429F-B9F5-E4D678E814AC}"/>
+          <p:cNvPr id="6" name="Image 5">
+            <a:extLst>
+              <a:ext uri="{FF2B5EF4-FFF2-40B4-BE49-F238E27FC236}">
+                <a16:creationId xmlns:a16="http://schemas.microsoft.com/office/drawing/2014/main" id="{6134C031-8C59-4FEE-952A-55A127B5BF86}"/>
               </a:ext>
             </a:extLst>
           </p:cNvPr>
@@ -8915,14 +11182,9 @@
           <p:nvPr/>
         </p:nvPicPr>
         <p:blipFill>
-          <a:blip r:embed="rId3" cstate="print">
+          <a:blip r:embed="rId3">
             <a:lum/>
             <a:alphaModFix/>
-            <a:extLst>
-              <a:ext uri="{28A0092B-C50C-407E-A947-70E740481C1C}">
-                <a14:useLocalDpi xmlns:a14="http://schemas.microsoft.com/office/drawing/2010/main" val="0"/>
-              </a:ext>
-            </a:extLst>
           </a:blip>
           <a:srcRect/>
           <a:stretch>
@@ -8931,8 +11193,8 @@
         </p:blipFill>
         <p:spPr>
           <a:xfrm>
-            <a:off x="4788024" y="2098570"/>
-            <a:ext cx="3672408" cy="2297379"/>
+            <a:off x="7421739" y="990241"/>
+            <a:ext cx="1514160" cy="3943080"/>
           </a:xfrm>
           <a:prstGeom prst="rect">
             <a:avLst/>
@@ -8946,7 +11208,7 @@
     </p:spTree>
     <p:extLst>
       <p:ext uri="{BB962C8B-B14F-4D97-AF65-F5344CB8AC3E}">
-        <p14:creationId xmlns:p14="http://schemas.microsoft.com/office/powerpoint/2010/main" val="3742325853"/>
+        <p14:creationId xmlns:p14="http://schemas.microsoft.com/office/powerpoint/2010/main" val="3415266393"/>
       </p:ext>
     </p:extLst>
   </p:cSld>
@@ -8975,49 +11237,113 @@
       </p:grpSpPr>
       <p:sp>
         <p:nvSpPr>
+          <p:cNvPr id="2" name="Rectangle 10">
+            <a:extLst>
+              <a:ext uri="{FF2B5EF4-FFF2-40B4-BE49-F238E27FC236}">
+                <a16:creationId xmlns:a16="http://schemas.microsoft.com/office/drawing/2014/main" id="{188B572A-BDA3-4023-B28D-A5F4350F95D3}"/>
+              </a:ext>
+            </a:extLst>
+          </p:cNvPr>
+          <p:cNvSpPr/>
+          <p:nvPr/>
+        </p:nvSpPr>
+        <p:spPr>
+          <a:xfrm>
+            <a:off x="467640" y="4597560"/>
+            <a:ext cx="2376360" cy="422280"/>
+          </a:xfrm>
+          <a:prstGeom prst="rect">
+            <a:avLst/>
+          </a:prstGeom>
+          <a:solidFill>
+            <a:srgbClr val="FFFFFF"/>
+          </a:solidFill>
+          <a:ln cap="flat">
+            <a:noFill/>
+            <a:prstDash val="solid"/>
+          </a:ln>
+        </p:spPr>
+        <p:txBody>
+          <a:bodyPr wrap="square" lIns="91440" tIns="45720" rIns="91440" bIns="45720" anchor="ctr" anchorCtr="1" compatLnSpc="0">
+            <a:noAutofit/>
+          </a:bodyPr>
+          <a:lstStyle/>
+          <a:p>
+            <a:pPr marL="0" marR="0" lvl="0" indent="0" hangingPunct="0">
+              <a:lnSpc>
+                <a:spcPct val="100000"/>
+              </a:lnSpc>
+              <a:spcBef>
+                <a:spcPts val="0"/>
+              </a:spcBef>
+              <a:spcAft>
+                <a:spcPts val="0"/>
+              </a:spcAft>
+              <a:buNone/>
+              <a:tabLst/>
+            </a:pPr>
+            <a:endParaRPr lang="fr-FR" sz="1800" b="0" i="0" u="none" strike="noStrike" kern="1200" cap="none">
+              <a:ln>
+                <a:noFill/>
+              </a:ln>
+              <a:latin typeface="Liberation Sans" pitchFamily="18"/>
+              <a:ea typeface="WenQuanYi Micro Hei" pitchFamily="2"/>
+              <a:cs typeface="Lohit Devanagari" pitchFamily="2"/>
+            </a:endParaRPr>
+          </a:p>
+        </p:txBody>
+      </p:sp>
+      <p:sp>
+        <p:nvSpPr>
           <p:cNvPr id="3" name="Titre 2">
             <a:extLst>
               <a:ext uri="{FF2B5EF4-FFF2-40B4-BE49-F238E27FC236}">
-                <a16:creationId xmlns:a16="http://schemas.microsoft.com/office/drawing/2014/main" id="{746691C5-6519-4796-BF8F-9A439BF5E530}"/>
-              </a:ext>
-            </a:extLst>
-          </p:cNvPr>
-          <p:cNvSpPr>
+                <a16:creationId xmlns:a16="http://schemas.microsoft.com/office/drawing/2014/main" id="{F8576A4A-9E6D-4038-99C6-AEC229184E96}"/>
+              </a:ext>
+            </a:extLst>
+          </p:cNvPr>
+          <p:cNvSpPr txBox="1">
             <a:spLocks noGrp="1"/>
           </p:cNvSpPr>
           <p:nvPr>
             <p:ph type="title"/>
           </p:nvPr>
         </p:nvSpPr>
-        <p:spPr/>
+        <p:spPr>
+          <a:xfrm>
+            <a:off x="396000" y="545760"/>
+            <a:ext cx="8352000" cy="479880"/>
+          </a:xfrm>
+        </p:spPr>
         <p:txBody>
           <a:bodyPr/>
           <a:lstStyle/>
           <a:p>
-            <a:r>
-              <a:rPr lang="fr-FR" sz="1200" dirty="0"/>
+            <a:pPr lvl="0"/>
+            <a:r>
+              <a:rPr lang="fr-FR" sz="1200"/>
               <a:t>Mon projet chef d’œuvre « Smart Fitness »: </a:t>
             </a:r>
             <a:r>
-              <a:rPr lang="fr-FR" dirty="0"/>
-              <a:t>La conception et la codage</a:t>
+              <a:rPr lang="fr-FR" sz="2000"/>
+              <a:t>La conception et le codage</a:t>
             </a:r>
             <a:br>
-              <a:rPr lang="fr-FR" dirty="0"/>
+              <a:rPr lang="fr-FR" sz="2000"/>
             </a:br>
             <a:r>
-              <a:rPr lang="fr-FR" dirty="0"/>
-              <a:t> 3. Les serveurs</a:t>
+              <a:rPr lang="fr-FR" sz="2000"/>
+              <a:t> 1. La modélisation : la gestion des équipements</a:t>
             </a:r>
           </a:p>
         </p:txBody>
       </p:sp>
       <p:pic>
         <p:nvPicPr>
-          <p:cNvPr id="5" name="Espace réservé pour une image  2">
-            <a:extLst>
-              <a:ext uri="{FF2B5EF4-FFF2-40B4-BE49-F238E27FC236}">
-                <a16:creationId xmlns:a16="http://schemas.microsoft.com/office/drawing/2014/main" id="{65A2F652-10C3-4679-99CA-C8528FEC3D59}"/>
+          <p:cNvPr id="4" name="Image 5">
+            <a:extLst>
+              <a:ext uri="{FF2B5EF4-FFF2-40B4-BE49-F238E27FC236}">
+                <a16:creationId xmlns:a16="http://schemas.microsoft.com/office/drawing/2014/main" id="{D10667D5-CB29-46D8-B1A4-6C88E30F84DE}"/>
               </a:ext>
             </a:extLst>
           </p:cNvPr>
@@ -9027,36 +11353,68 @@
           <p:nvPr/>
         </p:nvPicPr>
         <p:blipFill>
-          <a:blip r:embed="rId2">
+          <a:blip r:embed="rId3">
             <a:lum/>
             <a:alphaModFix/>
-            <a:extLst>
-              <a:ext uri="{28A0092B-C50C-407E-A947-70E740481C1C}">
-                <a14:useLocalDpi xmlns:a14="http://schemas.microsoft.com/office/drawing/2010/main" val="0"/>
-              </a:ext>
-            </a:extLst>
+          </a:blip>
+          <a:srcRect b="82264"/>
+          <a:stretch>
+            <a:fillRect/>
+          </a:stretch>
+        </p:blipFill>
+        <p:spPr>
+          <a:xfrm>
+            <a:off x="7414920" y="2617200"/>
+            <a:ext cx="1514160" cy="698759"/>
+          </a:xfrm>
+          <a:prstGeom prst="rect">
+            <a:avLst/>
+          </a:prstGeom>
+          <a:noFill/>
+          <a:ln cap="flat">
+            <a:noFill/>
+          </a:ln>
+        </p:spPr>
+      </p:pic>
+      <p:pic>
+        <p:nvPicPr>
+          <p:cNvPr id="5" name="">
+            <a:extLst>
+              <a:ext uri="{FF2B5EF4-FFF2-40B4-BE49-F238E27FC236}">
+                <a16:creationId xmlns:a16="http://schemas.microsoft.com/office/drawing/2014/main" id="{5C9D27CC-0136-48AB-B10E-427A473E0653}"/>
+              </a:ext>
+            </a:extLst>
+          </p:cNvPr>
+          <p:cNvPicPr>
+            <a:picLocks noChangeAspect="1"/>
+          </p:cNvPicPr>
+          <p:nvPr/>
+        </p:nvPicPr>
+        <p:blipFill>
+          <a:blip r:embed="rId4">
+            <a:lum/>
+            <a:alphaModFix/>
           </a:blip>
           <a:srcRect/>
           <a:stretch>
             <a:fillRect/>
           </a:stretch>
         </p:blipFill>
-        <p:spPr bwMode="gray">
-          <a:xfrm>
-            <a:off x="1547664" y="1306159"/>
-            <a:ext cx="5064600" cy="3408167"/>
+        <p:spPr>
+          <a:xfrm>
+            <a:off x="1245960" y="1166040"/>
+            <a:ext cx="4925160" cy="3597480"/>
           </a:xfrm>
           <a:prstGeom prst="rect">
             <a:avLst/>
           </a:prstGeom>
+          <a:noFill/>
+          <a:ln cap="flat">
+            <a:noFill/>
+          </a:ln>
         </p:spPr>
       </p:pic>
     </p:spTree>
-    <p:extLst>
-      <p:ext uri="{BB962C8B-B14F-4D97-AF65-F5344CB8AC3E}">
-        <p14:creationId xmlns:p14="http://schemas.microsoft.com/office/powerpoint/2010/main" val="2397688241"/>
-      </p:ext>
-    </p:extLst>
   </p:cSld>
   <p:clrMapOvr>
     <a:masterClrMapping/>
@@ -9083,122 +11441,113 @@
       </p:grpSpPr>
       <p:sp>
         <p:nvSpPr>
-          <p:cNvPr id="3" name="Titre 2">
-            <a:extLst>
-              <a:ext uri="{FF2B5EF4-FFF2-40B4-BE49-F238E27FC236}">
-                <a16:creationId xmlns:a16="http://schemas.microsoft.com/office/drawing/2014/main" id="{746691C5-6519-4796-BF8F-9A439BF5E530}"/>
-              </a:ext>
-            </a:extLst>
-          </p:cNvPr>
-          <p:cNvSpPr>
-            <a:spLocks noGrp="1"/>
-          </p:cNvSpPr>
-          <p:nvPr>
-            <p:ph type="title"/>
-          </p:nvPr>
-        </p:nvSpPr>
-        <p:spPr/>
-        <p:txBody>
-          <a:bodyPr/>
-          <a:lstStyle/>
-          <a:p>
-            <a:r>
-              <a:rPr lang="fr-FR" sz="1200" dirty="0"/>
-              <a:t>Mon projet chef d’œuvre « Smart Fitness »: </a:t>
-            </a:r>
-            <a:r>
-              <a:rPr lang="fr-FR" dirty="0"/>
-              <a:t>La conception et le codage</a:t>
-            </a:r>
-            <a:br>
-              <a:rPr lang="fr-FR" dirty="0"/>
-            </a:br>
-            <a:r>
-              <a:rPr lang="fr-FR" dirty="0"/>
-              <a:t> 4. La Base De données</a:t>
-            </a:r>
-          </a:p>
-        </p:txBody>
-      </p:sp>
-      <p:pic>
-        <p:nvPicPr>
-          <p:cNvPr id="5" name="Image 4">
-            <a:extLst>
-              <a:ext uri="{FF2B5EF4-FFF2-40B4-BE49-F238E27FC236}">
-                <a16:creationId xmlns:a16="http://schemas.microsoft.com/office/drawing/2014/main" id="{0B8A046B-699F-4392-AF61-8D72E3631A18}"/>
-              </a:ext>
-            </a:extLst>
-          </p:cNvPr>
-          <p:cNvPicPr>
-            <a:picLocks noChangeAspect="1"/>
-          </p:cNvPicPr>
+          <p:cNvPr id="2" name="Rectangle 10">
+            <a:extLst>
+              <a:ext uri="{FF2B5EF4-FFF2-40B4-BE49-F238E27FC236}">
+                <a16:creationId xmlns:a16="http://schemas.microsoft.com/office/drawing/2014/main" id="{DAC6632C-155A-4CD4-839B-EFDFCEA5B135}"/>
+              </a:ext>
+            </a:extLst>
+          </p:cNvPr>
+          <p:cNvSpPr/>
           <p:nvPr/>
-        </p:nvPicPr>
-        <p:blipFill>
-          <a:blip r:embed="rId2">
-            <a:lum/>
-            <a:alphaModFix/>
-          </a:blip>
-          <a:srcRect/>
-          <a:stretch>
-            <a:fillRect/>
-          </a:stretch>
-        </p:blipFill>
-        <p:spPr bwMode="gray">
-          <a:xfrm>
-            <a:off x="396000" y="1203598"/>
-            <a:ext cx="8244456" cy="1667212"/>
+        </p:nvSpPr>
+        <p:spPr>
+          <a:xfrm>
+            <a:off x="467640" y="4597560"/>
+            <a:ext cx="2376360" cy="422280"/>
           </a:xfrm>
           <a:prstGeom prst="rect">
             <a:avLst/>
           </a:prstGeom>
-        </p:spPr>
-      </p:pic>
-      <p:sp>
-        <p:nvSpPr>
-          <p:cNvPr id="2" name="Rectangle 1">
-            <a:extLst>
-              <a:ext uri="{FF2B5EF4-FFF2-40B4-BE49-F238E27FC236}">
-                <a16:creationId xmlns:a16="http://schemas.microsoft.com/office/drawing/2014/main" id="{33AACCAA-BF55-4852-A003-A1F6639EF928}"/>
-              </a:ext>
-            </a:extLst>
-          </p:cNvPr>
-          <p:cNvSpPr/>
-          <p:nvPr/>
-        </p:nvSpPr>
-        <p:spPr>
-          <a:xfrm>
-            <a:off x="396000" y="3083040"/>
-            <a:ext cx="6696280" cy="369332"/>
-          </a:xfrm>
-          <a:prstGeom prst="rect">
-            <a:avLst/>
-          </a:prstGeom>
-        </p:spPr>
-        <p:txBody>
-          <a:bodyPr wrap="square">
-            <a:spAutoFit/>
+          <a:solidFill>
+            <a:srgbClr val="FFFFFF"/>
+          </a:solidFill>
+          <a:ln cap="flat">
+            <a:noFill/>
+            <a:prstDash val="solid"/>
+          </a:ln>
+        </p:spPr>
+        <p:txBody>
+          <a:bodyPr wrap="square" lIns="91440" tIns="45720" rIns="91440" bIns="45720" anchor="ctr" anchorCtr="1" compatLnSpc="0">
+            <a:noAutofit/>
           </a:bodyPr>
           <a:lstStyle/>
           <a:p>
-            <a:pPr lvl="0" hangingPunct="0"/>
-            <a:r>
-              <a:rPr lang="fr-FR" b="1" dirty="0">
-                <a:latin typeface="Arial" pitchFamily="18"/>
-                <a:ea typeface="DejaVu Sans" pitchFamily="2"/>
-                <a:cs typeface="DejaVu Sans" pitchFamily="2"/>
-              </a:rPr>
-              <a:t>Le cryptage des mots de passe en BDD - </a:t>
+            <a:pPr marL="0" marR="0" lvl="0" indent="0" hangingPunct="0">
+              <a:lnSpc>
+                <a:spcPct val="100000"/>
+              </a:lnSpc>
+              <a:spcBef>
+                <a:spcPts val="0"/>
+              </a:spcBef>
+              <a:spcAft>
+                <a:spcPts val="0"/>
+              </a:spcAft>
+              <a:buNone/>
+              <a:tabLst/>
+            </a:pPr>
+            <a:endParaRPr lang="fr-FR" sz="1800" b="0" i="0" u="none" strike="noStrike" kern="1200" cap="none">
+              <a:ln>
+                <a:noFill/>
+              </a:ln>
+              <a:latin typeface="Liberation Sans" pitchFamily="18"/>
+              <a:ea typeface="WenQuanYi Micro Hei" pitchFamily="2"/>
+              <a:cs typeface="Lohit Devanagari" pitchFamily="2"/>
+            </a:endParaRPr>
+          </a:p>
+        </p:txBody>
+      </p:sp>
+      <p:sp>
+        <p:nvSpPr>
+          <p:cNvPr id="3" name="Titre 2">
+            <a:extLst>
+              <a:ext uri="{FF2B5EF4-FFF2-40B4-BE49-F238E27FC236}">
+                <a16:creationId xmlns:a16="http://schemas.microsoft.com/office/drawing/2014/main" id="{88084A70-A8B8-4CD3-9DA5-1895E7698BC6}"/>
+              </a:ext>
+            </a:extLst>
+          </p:cNvPr>
+          <p:cNvSpPr txBox="1">
+            <a:spLocks noGrp="1"/>
+          </p:cNvSpPr>
+          <p:nvPr>
+            <p:ph type="title"/>
+          </p:nvPr>
+        </p:nvSpPr>
+        <p:spPr>
+          <a:xfrm>
+            <a:off x="396000" y="545760"/>
+            <a:ext cx="8352000" cy="479880"/>
+          </a:xfrm>
+        </p:spPr>
+        <p:txBody>
+          <a:bodyPr/>
+          <a:lstStyle/>
+          <a:p>
+            <a:pPr lvl="0"/>
+            <a:r>
+              <a:rPr lang="fr-FR" sz="1200"/>
+              <a:t>Mon projet chef d’œuvre « Smart Fitness »: </a:t>
+            </a:r>
+            <a:r>
+              <a:rPr lang="fr-FR" sz="2000"/>
+              <a:t>La conception et le codage</a:t>
+            </a:r>
+            <a:br>
+              <a:rPr lang="fr-FR" sz="2000"/>
+            </a:br>
+            <a:r>
+              <a:rPr lang="fr-FR" sz="2000"/>
+              <a:t> 1. La modélisation : la réservation des séances</a:t>
             </a:r>
           </a:p>
         </p:txBody>
       </p:sp>
       <p:pic>
         <p:nvPicPr>
-          <p:cNvPr id="7" name="Image 6">
-            <a:extLst>
-              <a:ext uri="{FF2B5EF4-FFF2-40B4-BE49-F238E27FC236}">
-                <a16:creationId xmlns:a16="http://schemas.microsoft.com/office/drawing/2014/main" id="{CE03BB95-26A1-4FE4-B990-6A6D336113D8}"/>
+          <p:cNvPr id="4" name="Image 5">
+            <a:extLst>
+              <a:ext uri="{FF2B5EF4-FFF2-40B4-BE49-F238E27FC236}">
+                <a16:creationId xmlns:a16="http://schemas.microsoft.com/office/drawing/2014/main" id="{97DC1359-8F00-4DC4-B3B5-E8AF55E39D89}"/>
               </a:ext>
             </a:extLst>
           </p:cNvPr>
@@ -9212,78 +11561,64 @@
             <a:lum/>
             <a:alphaModFix/>
           </a:blip>
-          <a:srcRect/>
+          <a:srcRect t="27415" b="52128"/>
           <a:stretch>
             <a:fillRect/>
           </a:stretch>
         </p:blipFill>
         <p:spPr>
           <a:xfrm>
-            <a:off x="500268" y="3579862"/>
-            <a:ext cx="8035920" cy="936000"/>
+            <a:off x="7421760" y="2071800"/>
+            <a:ext cx="1514160" cy="806040"/>
           </a:xfrm>
           <a:prstGeom prst="rect">
             <a:avLst/>
           </a:prstGeom>
           <a:noFill/>
-          <a:ln>
+          <a:ln cap="flat">
             <a:noFill/>
           </a:ln>
         </p:spPr>
       </p:pic>
       <p:pic>
         <p:nvPicPr>
-          <p:cNvPr id="8" name="Picture 2" descr="security(2016)73">
-            <a:extLst>
-              <a:ext uri="{FF2B5EF4-FFF2-40B4-BE49-F238E27FC236}">
-                <a16:creationId xmlns:a16="http://schemas.microsoft.com/office/drawing/2014/main" id="{E9B33D4A-48D2-487F-AA74-F3B47A0040C6}"/>
+          <p:cNvPr id="5" name="">
+            <a:extLst>
+              <a:ext uri="{FF2B5EF4-FFF2-40B4-BE49-F238E27FC236}">
+                <a16:creationId xmlns:a16="http://schemas.microsoft.com/office/drawing/2014/main" id="{CDDF3347-3CAC-401F-ADBE-CFB4B33F96EC}"/>
               </a:ext>
             </a:extLst>
           </p:cNvPr>
           <p:cNvPicPr>
-            <a:picLocks noChangeAspect="1" noChangeArrowheads="1"/>
+            <a:picLocks noChangeAspect="1"/>
           </p:cNvPicPr>
           <p:nvPr/>
         </p:nvPicPr>
         <p:blipFill>
-          <a:blip r:embed="rId4" cstate="print">
-            <a:extLst>
-              <a:ext uri="{28A0092B-C50C-407E-A947-70E740481C1C}">
-                <a14:useLocalDpi xmlns:a14="http://schemas.microsoft.com/office/drawing/2010/main" val="0"/>
-              </a:ext>
-            </a:extLst>
+          <a:blip r:embed="rId4">
+            <a:lum/>
+            <a:alphaModFix/>
           </a:blip>
           <a:srcRect/>
           <a:stretch>
             <a:fillRect/>
           </a:stretch>
         </p:blipFill>
-        <p:spPr bwMode="auto">
-          <a:xfrm>
-            <a:off x="5004048" y="2901300"/>
-            <a:ext cx="648072" cy="648072"/>
+        <p:spPr>
+          <a:xfrm>
+            <a:off x="551880" y="1188719"/>
+            <a:ext cx="6540480" cy="3566520"/>
           </a:xfrm>
           <a:prstGeom prst="rect">
             <a:avLst/>
           </a:prstGeom>
           <a:noFill/>
-          <a:extLst>
-            <a:ext uri="{909E8E84-426E-40DD-AFC4-6F175D3DCCD1}">
-              <a14:hiddenFill xmlns:a14="http://schemas.microsoft.com/office/drawing/2010/main">
-                <a:solidFill>
-                  <a:srgbClr val="FFFFFF"/>
-                </a:solidFill>
-              </a14:hiddenFill>
-            </a:ext>
-          </a:extLst>
+          <a:ln cap="flat">
+            <a:noFill/>
+          </a:ln>
         </p:spPr>
       </p:pic>
     </p:spTree>
-    <p:extLst>
-      <p:ext uri="{BB962C8B-B14F-4D97-AF65-F5344CB8AC3E}">
-        <p14:creationId xmlns:p14="http://schemas.microsoft.com/office/powerpoint/2010/main" val="2638606108"/>
-      </p:ext>
-    </p:extLst>
   </p:cSld>
   <p:clrMapOvr>
     <a:masterClrMapping/>
